--- a/PPTs/ProgramacionII_Clase_06.1-2018.pptx
+++ b/PPTs/ProgramacionII_Clase_06.1-2018.pptx
@@ -5,7 +5,7 @@
     <p:sldMasterId id="2147483648" r:id="rId1"/>
   </p:sldMasterIdLst>
   <p:notesMasterIdLst>
-    <p:notesMasterId r:id="rId18"/>
+    <p:notesMasterId r:id="rId20"/>
   </p:notesMasterIdLst>
   <p:sldIdLst>
     <p:sldId id="256" r:id="rId2"/>
@@ -14,16 +14,18 @@
     <p:sldId id="259" r:id="rId5"/>
     <p:sldId id="260" r:id="rId6"/>
     <p:sldId id="261" r:id="rId7"/>
-    <p:sldId id="262" r:id="rId8"/>
-    <p:sldId id="263" r:id="rId9"/>
-    <p:sldId id="264" r:id="rId10"/>
-    <p:sldId id="265" r:id="rId11"/>
-    <p:sldId id="266" r:id="rId12"/>
-    <p:sldId id="267" r:id="rId13"/>
-    <p:sldId id="268" r:id="rId14"/>
-    <p:sldId id="269" r:id="rId15"/>
-    <p:sldId id="270" r:id="rId16"/>
-    <p:sldId id="271" r:id="rId17"/>
+    <p:sldId id="272" r:id="rId8"/>
+    <p:sldId id="262" r:id="rId9"/>
+    <p:sldId id="273" r:id="rId10"/>
+    <p:sldId id="263" r:id="rId11"/>
+    <p:sldId id="264" r:id="rId12"/>
+    <p:sldId id="265" r:id="rId13"/>
+    <p:sldId id="266" r:id="rId14"/>
+    <p:sldId id="267" r:id="rId15"/>
+    <p:sldId id="268" r:id="rId16"/>
+    <p:sldId id="269" r:id="rId17"/>
+    <p:sldId id="270" r:id="rId18"/>
+    <p:sldId id="271" r:id="rId19"/>
   </p:sldIdLst>
   <p:sldSz cx="12192000" cy="6858000"/>
   <p:notesSz cx="6858000" cy="9144000"/>
@@ -122,6 +124,11 @@
       </a:defRPr>
     </a:lvl9pPr>
   </p:defaultTextStyle>
+  <p:extLst>
+    <p:ext uri="{EFAFB233-063F-42B5-8137-9DF3F51BA10A}">
+      <p15:sldGuideLst xmlns:p15="http://schemas.microsoft.com/office/powerpoint/2012/main"/>
+    </p:ext>
+  </p:extLst>
 </p:presentation>
 </file>
 
@@ -207,7 +214,7 @@
           <a:p>
             <a:fld id="{2654033C-565E-4C90-82A4-32EAA5A63ECF}" type="datetimeFigureOut">
               <a:rPr lang="es-AR" smtClean="0"/>
-              <a:t>03/09/2018</a:t>
+              <a:t>30/4/2020</a:t>
             </a:fld>
             <a:endParaRPr lang="es-AR"/>
           </a:p>
@@ -271,35 +278,35 @@
           <a:p>
             <a:pPr lvl="0"/>
             <a:r>
-              <a:rPr lang="es-ES" smtClean="0"/>
+              <a:rPr lang="es-ES"/>
               <a:t>Haga clic para modificar el estilo de texto del patrón</a:t>
             </a:r>
           </a:p>
           <a:p>
             <a:pPr lvl="1"/>
             <a:r>
-              <a:rPr lang="es-ES" smtClean="0"/>
+              <a:rPr lang="es-ES"/>
               <a:t>Segundo nivel</a:t>
             </a:r>
           </a:p>
           <a:p>
             <a:pPr lvl="2"/>
             <a:r>
-              <a:rPr lang="es-ES" smtClean="0"/>
+              <a:rPr lang="es-ES"/>
               <a:t>Tercer nivel</a:t>
             </a:r>
           </a:p>
           <a:p>
             <a:pPr lvl="3"/>
             <a:r>
-              <a:rPr lang="es-ES" smtClean="0"/>
+              <a:rPr lang="es-ES"/>
               <a:t>Cuarto nivel</a:t>
             </a:r>
           </a:p>
           <a:p>
             <a:pPr lvl="4"/>
             <a:r>
-              <a:rPr lang="es-ES" smtClean="0"/>
+              <a:rPr lang="es-ES"/>
               <a:t>Quinto nivel</a:t>
             </a:r>
             <a:endParaRPr lang="es-AR"/>
@@ -521,19 +528,19 @@
           <a:p>
             <a:pPr eaLnBrk="1" hangingPunct="1"/>
             <a:r>
-              <a:rPr lang="es-ES" altLang="en-US" dirty="0" smtClean="0">
+              <a:rPr lang="es-ES" altLang="en-US" dirty="0">
                 <a:latin typeface="Arial" panose="020B0604020202020204" pitchFamily="34" charset="0"/>
               </a:rPr>
               <a:t>Los formularios no escapan al modelo de objetos del </a:t>
             </a:r>
             <a:r>
-              <a:rPr lang="es-ES" altLang="en-US" dirty="0" err="1" smtClean="0">
+              <a:rPr lang="es-ES" altLang="en-US" dirty="0" err="1">
                 <a:latin typeface="Arial" panose="020B0604020202020204" pitchFamily="34" charset="0"/>
               </a:rPr>
               <a:t>framework</a:t>
             </a:r>
             <a:r>
-              <a:rPr lang="es-ES" altLang="en-US" dirty="0" smtClean="0">
+              <a:rPr lang="es-ES" altLang="en-US" dirty="0">
                 <a:latin typeface="Arial" panose="020B0604020202020204" pitchFamily="34" charset="0"/>
               </a:rPr>
               <a:t> .NET.</a:t>
@@ -542,31 +549,31 @@
           <a:p>
             <a:pPr eaLnBrk="1" hangingPunct="1"/>
             <a:r>
-              <a:rPr lang="es-ES" altLang="en-US" dirty="0" smtClean="0">
+              <a:rPr lang="es-ES" altLang="en-US" dirty="0">
                 <a:latin typeface="Arial" panose="020B0604020202020204" pitchFamily="34" charset="0"/>
               </a:rPr>
               <a:t>Un formulario Windows no es más que una instancia de la clase </a:t>
             </a:r>
             <a:r>
-              <a:rPr lang="es-ES" altLang="en-US" dirty="0" err="1" smtClean="0">
+              <a:rPr lang="es-ES" altLang="en-US" dirty="0" err="1">
                 <a:latin typeface="Arial" panose="020B0604020202020204" pitchFamily="34" charset="0"/>
               </a:rPr>
               <a:t>System.Windows.Forms.Form</a:t>
             </a:r>
             <a:r>
-              <a:rPr lang="es-ES" altLang="en-US" dirty="0" smtClean="0">
+              <a:rPr lang="es-ES" altLang="en-US" dirty="0">
                 <a:latin typeface="Arial" panose="020B0604020202020204" pitchFamily="34" charset="0"/>
               </a:rPr>
               <a:t>. Puede crearse utilizando cualquier editor de texto, pero es obviamente mucho más sencillo hacerlo utilizando el diseñador de formularios de Visual Basic .NET Express </a:t>
             </a:r>
             <a:r>
-              <a:rPr lang="es-ES" altLang="en-US" dirty="0" err="1" smtClean="0">
+              <a:rPr lang="es-ES" altLang="en-US" dirty="0" err="1">
                 <a:latin typeface="Arial" panose="020B0604020202020204" pitchFamily="34" charset="0"/>
               </a:rPr>
               <a:t>Edition</a:t>
             </a:r>
             <a:r>
-              <a:rPr lang="es-ES" altLang="en-US" dirty="0" smtClean="0">
+              <a:rPr lang="es-ES" altLang="en-US" dirty="0">
                 <a:latin typeface="Arial" panose="020B0604020202020204" pitchFamily="34" charset="0"/>
               </a:rPr>
               <a:t>. </a:t>
@@ -656,19 +663,19 @@
           <a:p>
             <a:pPr eaLnBrk="1" hangingPunct="1"/>
             <a:r>
-              <a:rPr lang="es-AR" altLang="en-US" dirty="0" smtClean="0">
+              <a:rPr lang="es-AR" altLang="en-US" dirty="0">
                 <a:latin typeface="Arial" panose="020B0604020202020204" pitchFamily="34" charset="0"/>
               </a:rPr>
               <a:t>El diseñador de formularios es básicamente un potente generador de código (que utiliza una API llamada </a:t>
             </a:r>
             <a:r>
-              <a:rPr lang="es-AR" altLang="en-US" dirty="0" err="1" smtClean="0">
+              <a:rPr lang="es-AR" altLang="en-US" dirty="0" err="1">
                 <a:latin typeface="Arial" panose="020B0604020202020204" pitchFamily="34" charset="0"/>
               </a:rPr>
               <a:t>CodeDom</a:t>
             </a:r>
             <a:r>
-              <a:rPr lang="es-AR" altLang="en-US" dirty="0" smtClean="0">
+              <a:rPr lang="es-AR" altLang="en-US" dirty="0">
                 <a:latin typeface="Arial" panose="020B0604020202020204" pitchFamily="34" charset="0"/>
               </a:rPr>
               <a:t>). Cada vez que se establece un valor para una de las propiedades del formulario, se coloca un nuevo control, o se asocia un método manejador a alguno de los eventos de esos controles o del propio formulario, el diseñador está escribiendo una o varias líneas de código C# o Visual Basic .NET que reflejan esos cambios.</a:t>
@@ -677,127 +684,127 @@
           <a:p>
             <a:pPr eaLnBrk="1" hangingPunct="1"/>
             <a:r>
-              <a:rPr lang="es-AR" altLang="en-US" dirty="0" smtClean="0">
+              <a:rPr lang="es-AR" altLang="en-US" dirty="0">
                 <a:latin typeface="Arial" panose="020B0604020202020204" pitchFamily="34" charset="0"/>
               </a:rPr>
               <a:t>Este código está encerrado en una región (#</a:t>
             </a:r>
             <a:r>
-              <a:rPr lang="es-AR" altLang="en-US" dirty="0" err="1" smtClean="0">
+              <a:rPr lang="es-AR" altLang="en-US" dirty="0" err="1">
                 <a:latin typeface="Arial" panose="020B0604020202020204" pitchFamily="34" charset="0"/>
               </a:rPr>
               <a:t>region</a:t>
             </a:r>
             <a:r>
-              <a:rPr lang="es-AR" altLang="en-US" dirty="0" smtClean="0">
+              <a:rPr lang="es-AR" altLang="en-US" dirty="0">
                 <a:latin typeface="Arial" panose="020B0604020202020204" pitchFamily="34" charset="0"/>
               </a:rPr>
               <a:t>) llamada “Windows </a:t>
             </a:r>
             <a:r>
-              <a:rPr lang="es-AR" altLang="en-US" dirty="0" err="1" smtClean="0">
+              <a:rPr lang="es-AR" altLang="en-US" dirty="0" err="1">
                 <a:latin typeface="Arial" panose="020B0604020202020204" pitchFamily="34" charset="0"/>
               </a:rPr>
               <a:t>Form</a:t>
             </a:r>
             <a:r>
-              <a:rPr lang="es-AR" altLang="en-US" dirty="0" smtClean="0">
+              <a:rPr lang="es-AR" altLang="en-US" dirty="0">
                 <a:latin typeface="Arial" panose="020B0604020202020204" pitchFamily="34" charset="0"/>
               </a:rPr>
               <a:t> </a:t>
             </a:r>
             <a:r>
-              <a:rPr lang="es-AR" altLang="en-US" dirty="0" err="1" smtClean="0">
+              <a:rPr lang="es-AR" altLang="en-US" dirty="0" err="1">
                 <a:latin typeface="Arial" panose="020B0604020202020204" pitchFamily="34" charset="0"/>
               </a:rPr>
               <a:t>Designer</a:t>
             </a:r>
             <a:r>
-              <a:rPr lang="es-AR" altLang="en-US" dirty="0" smtClean="0">
+              <a:rPr lang="es-AR" altLang="en-US" dirty="0">
                 <a:latin typeface="Arial" panose="020B0604020202020204" pitchFamily="34" charset="0"/>
               </a:rPr>
               <a:t> </a:t>
             </a:r>
             <a:r>
-              <a:rPr lang="es-AR" altLang="en-US" dirty="0" err="1" smtClean="0">
+              <a:rPr lang="es-AR" altLang="en-US" dirty="0" err="1">
                 <a:latin typeface="Arial" panose="020B0604020202020204" pitchFamily="34" charset="0"/>
               </a:rPr>
               <a:t>generated</a:t>
             </a:r>
             <a:r>
-              <a:rPr lang="es-AR" altLang="en-US" dirty="0" smtClean="0">
+              <a:rPr lang="es-AR" altLang="en-US" dirty="0">
                 <a:latin typeface="Arial" panose="020B0604020202020204" pitchFamily="34" charset="0"/>
               </a:rPr>
               <a:t> </a:t>
             </a:r>
             <a:r>
-              <a:rPr lang="es-AR" altLang="en-US" dirty="0" err="1" smtClean="0">
+              <a:rPr lang="es-AR" altLang="en-US" dirty="0" err="1">
                 <a:latin typeface="Arial" panose="020B0604020202020204" pitchFamily="34" charset="0"/>
               </a:rPr>
               <a:t>code</a:t>
             </a:r>
             <a:r>
-              <a:rPr lang="es-AR" altLang="en-US" dirty="0" smtClean="0">
+              <a:rPr lang="es-AR" altLang="en-US" dirty="0">
                 <a:latin typeface="Arial" panose="020B0604020202020204" pitchFamily="34" charset="0"/>
               </a:rPr>
               <a:t>”. Esto es así desde las primeras versiones de .NET, pero en la versión 2.0 se lleva un paso más allá. Valiéndose del concepto de </a:t>
             </a:r>
             <a:r>
-              <a:rPr lang="es-AR" altLang="en-US" dirty="0" err="1" smtClean="0">
+              <a:rPr lang="es-AR" altLang="en-US" dirty="0" err="1">
                 <a:latin typeface="Arial" panose="020B0604020202020204" pitchFamily="34" charset="0"/>
               </a:rPr>
               <a:t>Partial</a:t>
             </a:r>
             <a:r>
-              <a:rPr lang="es-AR" altLang="en-US" dirty="0" smtClean="0">
+              <a:rPr lang="es-AR" altLang="en-US" dirty="0">
                 <a:latin typeface="Arial" panose="020B0604020202020204" pitchFamily="34" charset="0"/>
               </a:rPr>
               <a:t> </a:t>
             </a:r>
             <a:r>
-              <a:rPr lang="es-AR" altLang="en-US" dirty="0" err="1" smtClean="0">
+              <a:rPr lang="es-AR" altLang="en-US" dirty="0" err="1">
                 <a:latin typeface="Arial" panose="020B0604020202020204" pitchFamily="34" charset="0"/>
               </a:rPr>
               <a:t>Class</a:t>
             </a:r>
             <a:r>
-              <a:rPr lang="es-AR" altLang="en-US" dirty="0" smtClean="0">
+              <a:rPr lang="es-AR" altLang="en-US" dirty="0">
                 <a:latin typeface="Arial" panose="020B0604020202020204" pitchFamily="34" charset="0"/>
               </a:rPr>
               <a:t>, el código generado ahora está separado en un archivo físico diferente cuyo nombre respeta la sintaxis [</a:t>
             </a:r>
             <a:r>
-              <a:rPr lang="es-AR" altLang="en-US" dirty="0" err="1" smtClean="0">
+              <a:rPr lang="es-AR" altLang="en-US" dirty="0" err="1">
                 <a:latin typeface="Arial" panose="020B0604020202020204" pitchFamily="34" charset="0"/>
               </a:rPr>
               <a:t>NombreFormulario</a:t>
             </a:r>
             <a:r>
-              <a:rPr lang="es-AR" altLang="en-US" dirty="0" smtClean="0">
+              <a:rPr lang="es-AR" altLang="en-US" dirty="0">
                 <a:latin typeface="Arial" panose="020B0604020202020204" pitchFamily="34" charset="0"/>
               </a:rPr>
               <a:t>].</a:t>
             </a:r>
             <a:r>
-              <a:rPr lang="es-AR" altLang="en-US" dirty="0" err="1" smtClean="0">
+              <a:rPr lang="es-AR" altLang="en-US" dirty="0" err="1">
                 <a:latin typeface="Arial" panose="020B0604020202020204" pitchFamily="34" charset="0"/>
               </a:rPr>
               <a:t>Designer.cs</a:t>
             </a:r>
             <a:r>
-              <a:rPr lang="es-AR" altLang="en-US" dirty="0" smtClean="0">
+              <a:rPr lang="es-AR" altLang="en-US" dirty="0">
                 <a:latin typeface="Arial" panose="020B0604020202020204" pitchFamily="34" charset="0"/>
               </a:rPr>
               <a:t> (o .</a:t>
             </a:r>
             <a:r>
-              <a:rPr lang="es-AR" altLang="en-US" dirty="0" err="1" smtClean="0">
+              <a:rPr lang="es-AR" altLang="en-US" dirty="0" err="1">
                 <a:latin typeface="Arial" panose="020B0604020202020204" pitchFamily="34" charset="0"/>
               </a:rPr>
               <a:t>vb</a:t>
             </a:r>
             <a:r>
-              <a:rPr lang="es-AR" altLang="en-US" dirty="0" smtClean="0">
+              <a:rPr lang="es-AR" altLang="en-US" dirty="0">
                 <a:latin typeface="Arial" panose="020B0604020202020204" pitchFamily="34" charset="0"/>
               </a:rPr>
               <a:t>).</a:t>
@@ -886,34 +893,34 @@
           <a:lstStyle/>
           <a:p>
             <a:r>
-              <a:rPr lang="es-ES" sz="1200" dirty="0" smtClean="0"/>
+              <a:rPr lang="es-ES" sz="1200" dirty="0"/>
               <a:t>Los</a:t>
             </a:r>
             <a:r>
-              <a:rPr lang="es-ES" sz="1200" baseline="0" dirty="0" smtClean="0"/>
+              <a:rPr lang="es-ES" sz="1200" baseline="0" dirty="0"/>
               <a:t> e</a:t>
             </a:r>
             <a:r>
-              <a:rPr lang="es-ES" sz="1200" dirty="0" smtClean="0"/>
+              <a:rPr lang="es-ES" sz="1200" dirty="0"/>
               <a:t>ventos se encuentran en orden de ocurrencia</a:t>
             </a:r>
           </a:p>
           <a:p>
             <a:pPr eaLnBrk="1" hangingPunct="1"/>
             <a:r>
-              <a:rPr lang="es-ES" altLang="en-US" sz="1200" dirty="0" smtClean="0">
+              <a:rPr lang="es-ES" altLang="en-US" sz="1200" dirty="0">
                 <a:latin typeface="Arial" panose="020B0604020202020204" pitchFamily="34" charset="0"/>
               </a:rPr>
               <a:t>El modelo de eventos que expone el objeto </a:t>
             </a:r>
             <a:r>
-              <a:rPr lang="es-ES" altLang="en-US" sz="1200" dirty="0" err="1" smtClean="0">
+              <a:rPr lang="es-ES" altLang="en-US" sz="1200" dirty="0" err="1">
                 <a:latin typeface="Arial" panose="020B0604020202020204" pitchFamily="34" charset="0"/>
               </a:rPr>
               <a:t>Form</a:t>
             </a:r>
             <a:r>
-              <a:rPr lang="es-ES" altLang="en-US" sz="1200" dirty="0" smtClean="0">
+              <a:rPr lang="es-ES" altLang="en-US" sz="1200" dirty="0">
                 <a:latin typeface="Arial" panose="020B0604020202020204" pitchFamily="34" charset="0"/>
               </a:rPr>
               <a:t> es muy amplio, por lo que inicialmente hay que conocer bien al momento de decidir qué evento vamos a suscribir para escribir nuestro código.</a:t>
@@ -922,7 +929,7 @@
           <a:p>
             <a:pPr eaLnBrk="1" hangingPunct="1"/>
             <a:r>
-              <a:rPr lang="es-ES" altLang="en-US" sz="1200" dirty="0" smtClean="0">
+              <a:rPr lang="es-ES" altLang="en-US" sz="1200" dirty="0">
                 <a:latin typeface="Arial" panose="020B0604020202020204" pitchFamily="34" charset="0"/>
               </a:rPr>
               <a:t>Algunos de los eventos detallados se disparan más de una vez durante el ciclo de vida de un formulario. El ciclo de vida de un formulario es el tiempo en que la instancia del formulario permanece en memoria.</a:t>
@@ -931,43 +938,43 @@
           <a:p>
             <a:pPr eaLnBrk="1" hangingPunct="1"/>
             <a:r>
-              <a:rPr lang="es-ES" altLang="en-US" sz="1200" dirty="0" smtClean="0">
+              <a:rPr lang="es-ES" altLang="en-US" sz="1200" dirty="0">
                 <a:latin typeface="Arial" panose="020B0604020202020204" pitchFamily="34" charset="0"/>
               </a:rPr>
               <a:t>Pongamos como ejemplo el  evento “</a:t>
             </a:r>
             <a:r>
-              <a:rPr lang="es-ES" altLang="en-US" sz="1200" dirty="0" err="1" smtClean="0">
+              <a:rPr lang="es-ES" altLang="en-US" sz="1200" dirty="0" err="1">
                 <a:latin typeface="Arial" panose="020B0604020202020204" pitchFamily="34" charset="0"/>
               </a:rPr>
               <a:t>Activated</a:t>
             </a:r>
             <a:r>
-              <a:rPr lang="es-ES" altLang="en-US" sz="1200" dirty="0" smtClean="0">
+              <a:rPr lang="es-ES" altLang="en-US" sz="1200" dirty="0">
                 <a:latin typeface="Arial" panose="020B0604020202020204" pitchFamily="34" charset="0"/>
               </a:rPr>
               <a:t>”. Este evento se dispara cuando el formulario se vuelve activo (recibe foco). Si escribiéramos en el manejador de ese evento código que muestre un cuadro de diálogo modal (por ejemplo un </a:t>
             </a:r>
             <a:r>
-              <a:rPr lang="es-ES" altLang="en-US" sz="1200" dirty="0" err="1" smtClean="0">
+              <a:rPr lang="es-ES" altLang="en-US" sz="1200" dirty="0" err="1">
                 <a:latin typeface="Arial" panose="020B0604020202020204" pitchFamily="34" charset="0"/>
               </a:rPr>
               <a:t>MessageBox</a:t>
             </a:r>
             <a:r>
-              <a:rPr lang="es-ES" altLang="en-US" sz="1200" dirty="0" smtClean="0">
+              <a:rPr lang="es-ES" altLang="en-US" sz="1200" dirty="0">
                 <a:latin typeface="Arial" panose="020B0604020202020204" pitchFamily="34" charset="0"/>
               </a:rPr>
               <a:t>, que se verá más adelante en esta presentación), al momento de cerrar ese diálogo modal se dispararía nuevamente el evento “</a:t>
             </a:r>
             <a:r>
-              <a:rPr lang="es-ES" altLang="en-US" sz="1200" dirty="0" err="1" smtClean="0">
+              <a:rPr lang="es-ES" altLang="en-US" sz="1200" dirty="0" err="1">
                 <a:latin typeface="Arial" panose="020B0604020202020204" pitchFamily="34" charset="0"/>
               </a:rPr>
               <a:t>Activated</a:t>
             </a:r>
             <a:r>
-              <a:rPr lang="es-ES" altLang="en-US" sz="1200" dirty="0" smtClean="0">
+              <a:rPr lang="es-ES" altLang="en-US" sz="1200" dirty="0">
                 <a:latin typeface="Arial" panose="020B0604020202020204" pitchFamily="34" charset="0"/>
               </a:rPr>
               <a:t>” provocando una iteración infinita.</a:t>
@@ -976,19 +983,19 @@
           <a:p>
             <a:pPr eaLnBrk="1" hangingPunct="1"/>
             <a:r>
-              <a:rPr lang="es-ES" altLang="en-US" sz="1200" dirty="0" smtClean="0">
+              <a:rPr lang="es-ES" altLang="en-US" sz="1200" dirty="0">
                 <a:latin typeface="Arial" panose="020B0604020202020204" pitchFamily="34" charset="0"/>
               </a:rPr>
               <a:t>Otro de los eventos que se dispara más de una vez durante el ciclo de vida del formulario es el evento “</a:t>
             </a:r>
             <a:r>
-              <a:rPr lang="es-ES" altLang="en-US" sz="1200" dirty="0" err="1" smtClean="0">
+              <a:rPr lang="es-ES" altLang="en-US" sz="1200" dirty="0" err="1">
                 <a:latin typeface="Arial" panose="020B0604020202020204" pitchFamily="34" charset="0"/>
               </a:rPr>
               <a:t>Paint</a:t>
             </a:r>
             <a:r>
-              <a:rPr lang="es-ES" altLang="en-US" sz="1200" dirty="0" smtClean="0">
+              <a:rPr lang="es-ES" altLang="en-US" sz="1200" dirty="0">
                 <a:latin typeface="Arial" panose="020B0604020202020204" pitchFamily="34" charset="0"/>
               </a:rPr>
               <a:t>”.</a:t>
@@ -997,31 +1004,31 @@
           <a:p>
             <a:pPr eaLnBrk="1" hangingPunct="1"/>
             <a:r>
-              <a:rPr lang="es-ES" altLang="en-US" sz="1200" dirty="0" smtClean="0">
+              <a:rPr lang="es-ES" altLang="en-US" sz="1200" dirty="0">
                 <a:latin typeface="Arial" panose="020B0604020202020204" pitchFamily="34" charset="0"/>
               </a:rPr>
               <a:t>El método New es utilizado por Windows </a:t>
             </a:r>
             <a:r>
-              <a:rPr lang="es-ES" altLang="en-US" sz="1200" dirty="0" err="1" smtClean="0">
+              <a:rPr lang="es-ES" altLang="en-US" sz="1200" dirty="0" err="1">
                 <a:latin typeface="Arial" panose="020B0604020202020204" pitchFamily="34" charset="0"/>
               </a:rPr>
               <a:t>Forms</a:t>
             </a:r>
             <a:r>
-              <a:rPr lang="es-ES" altLang="en-US" sz="1200" dirty="0" smtClean="0">
+              <a:rPr lang="es-ES" altLang="en-US" sz="1200" dirty="0">
                 <a:latin typeface="Arial" panose="020B0604020202020204" pitchFamily="34" charset="0"/>
               </a:rPr>
               <a:t> para realizar la llamada al método </a:t>
             </a:r>
             <a:r>
-              <a:rPr lang="es-ES" altLang="en-US" sz="1200" dirty="0" err="1" smtClean="0">
+              <a:rPr lang="es-ES" altLang="en-US" sz="1200" dirty="0" err="1">
                 <a:latin typeface="Arial" panose="020B0604020202020204" pitchFamily="34" charset="0"/>
               </a:rPr>
               <a:t>InitializeComponent</a:t>
             </a:r>
             <a:r>
-              <a:rPr lang="es-ES" altLang="en-US" sz="1200" dirty="0" smtClean="0">
+              <a:rPr lang="es-ES" altLang="en-US" sz="1200" dirty="0">
                 <a:latin typeface="Arial" panose="020B0604020202020204" pitchFamily="34" charset="0"/>
               </a:rPr>
               <a:t> y cualquier tipo de inicialización de nuestros objetos debe realizarse luego de esta llamada.</a:t>
@@ -1030,7 +1037,7 @@
           <a:p>
             <a:pPr eaLnBrk="1" hangingPunct="1"/>
             <a:r>
-              <a:rPr lang="es-ES" altLang="en-US" sz="1200" dirty="0" smtClean="0">
+              <a:rPr lang="es-ES" altLang="en-US" sz="1200" dirty="0">
                 <a:latin typeface="Arial" panose="020B0604020202020204" pitchFamily="34" charset="0"/>
               </a:rPr>
               <a:t>El evento Load también es un buen punto para la inicialización de los diferentes controles que se encuentren en el formulario, tener en cuenta que en este punto todos los controles están inicializados pero el formulario es aún invisible.</a:t>
@@ -1039,19 +1046,19 @@
           <a:p>
             <a:pPr eaLnBrk="1" hangingPunct="1"/>
             <a:r>
-              <a:rPr lang="es-ES" altLang="en-US" sz="1200" dirty="0" smtClean="0">
+              <a:rPr lang="es-ES" altLang="en-US" sz="1200" dirty="0">
                 <a:latin typeface="Arial" panose="020B0604020202020204" pitchFamily="34" charset="0"/>
               </a:rPr>
               <a:t>El evento </a:t>
             </a:r>
             <a:r>
-              <a:rPr lang="es-ES" altLang="en-US" sz="1200" dirty="0" err="1" smtClean="0">
+              <a:rPr lang="es-ES" altLang="en-US" sz="1200" dirty="0" err="1">
                 <a:latin typeface="Arial" panose="020B0604020202020204" pitchFamily="34" charset="0"/>
               </a:rPr>
               <a:t>FormClosing</a:t>
             </a:r>
             <a:r>
-              <a:rPr lang="es-ES" altLang="en-US" sz="1200" dirty="0" smtClean="0">
+              <a:rPr lang="es-ES" altLang="en-US" sz="1200" dirty="0">
                 <a:latin typeface="Arial" panose="020B0604020202020204" pitchFamily="34" charset="0"/>
               </a:rPr>
               <a:t> es el punto ideal para mostrar un mensaje de confirmación al usuario que permita cancelar el cierre del formulario.</a:t>
@@ -1060,19 +1067,19 @@
           <a:p>
             <a:pPr eaLnBrk="1" hangingPunct="1"/>
             <a:r>
-              <a:rPr lang="es-ES" altLang="en-US" sz="1200" dirty="0" smtClean="0">
+              <a:rPr lang="es-ES" altLang="en-US" sz="1200" dirty="0">
                 <a:latin typeface="Arial" panose="020B0604020202020204" pitchFamily="34" charset="0"/>
               </a:rPr>
               <a:t>El evento </a:t>
             </a:r>
             <a:r>
-              <a:rPr lang="es-ES" altLang="en-US" sz="1200" dirty="0" err="1" smtClean="0">
+              <a:rPr lang="es-ES" altLang="en-US" sz="1200" dirty="0" err="1">
                 <a:latin typeface="Arial" panose="020B0604020202020204" pitchFamily="34" charset="0"/>
               </a:rPr>
               <a:t>FormClosed</a:t>
             </a:r>
             <a:r>
-              <a:rPr lang="es-ES" altLang="en-US" sz="1200" dirty="0" smtClean="0">
+              <a:rPr lang="es-ES" altLang="en-US" sz="1200" dirty="0">
                 <a:latin typeface="Arial" panose="020B0604020202020204" pitchFamily="34" charset="0"/>
               </a:rPr>
               <a:t> es utilizado para la liberación de recursos que hubieran podido inicializarse en el método New.</a:t>
@@ -1098,7 +1105,7 @@
           <a:p>
             <a:fld id="{C7E72F75-AAA9-42CD-BDBB-8F2ED10D8331}" type="slidenum">
               <a:rPr lang="es-AR" smtClean="0"/>
-              <a:t>7</a:t>
+              <a:t>8</a:t>
             </a:fld>
             <a:endParaRPr lang="es-AR"/>
           </a:p>
@@ -1163,19 +1170,19 @@
           <a:p>
             <a:pPr eaLnBrk="1" hangingPunct="1"/>
             <a:r>
-              <a:rPr lang="es-ES" altLang="en-US" dirty="0" smtClean="0">
+              <a:rPr lang="es-ES" altLang="en-US" dirty="0">
                 <a:latin typeface="Arial" panose="020B0604020202020204" pitchFamily="34" charset="0"/>
               </a:rPr>
               <a:t>No es posible crear una instancia de la clase </a:t>
             </a:r>
             <a:r>
-              <a:rPr lang="es-ES" altLang="en-US" dirty="0" err="1" smtClean="0">
+              <a:rPr lang="es-ES" altLang="en-US" dirty="0" err="1">
                 <a:latin typeface="Arial" panose="020B0604020202020204" pitchFamily="34" charset="0"/>
               </a:rPr>
               <a:t>MessageBox</a:t>
             </a:r>
             <a:r>
-              <a:rPr lang="es-ES" altLang="en-US" dirty="0" smtClean="0">
+              <a:rPr lang="es-ES" altLang="en-US" dirty="0">
                 <a:latin typeface="Arial" panose="020B0604020202020204" pitchFamily="34" charset="0"/>
               </a:rPr>
               <a:t>. Para mostrar los mensajes simplemente se debe invocar al método (estático) Show.</a:t>
@@ -1184,7 +1191,7 @@
           <a:p>
             <a:pPr eaLnBrk="1" hangingPunct="1"/>
             <a:r>
-              <a:rPr lang="es-ES" altLang="en-US" dirty="0" smtClean="0">
+              <a:rPr lang="es-ES" altLang="en-US" dirty="0">
                 <a:latin typeface="Arial" panose="020B0604020202020204" pitchFamily="34" charset="0"/>
               </a:rPr>
               <a:t>La manera en que se visualizará el mensaje (el título, el propio mensaje, los íconos, cantidad y tipo de botones que se mostrarán, etc.) se determinan por los parámetros que se pasen a ese método.</a:t>
@@ -1193,19 +1200,19 @@
           <a:p>
             <a:pPr eaLnBrk="1" hangingPunct="1"/>
             <a:r>
-              <a:rPr lang="es-ES" altLang="en-US" dirty="0" smtClean="0">
+              <a:rPr lang="es-ES" altLang="en-US" dirty="0">
                 <a:latin typeface="Arial" panose="020B0604020202020204" pitchFamily="34" charset="0"/>
               </a:rPr>
               <a:t>El método Show devuelve un valor de tipo “</a:t>
             </a:r>
             <a:r>
-              <a:rPr lang="es-ES" altLang="en-US" dirty="0" err="1" smtClean="0">
+              <a:rPr lang="es-ES" altLang="en-US" dirty="0" err="1">
                 <a:latin typeface="Arial" panose="020B0604020202020204" pitchFamily="34" charset="0"/>
               </a:rPr>
               <a:t>DialogResult</a:t>
             </a:r>
             <a:r>
-              <a:rPr lang="es-ES" altLang="en-US" dirty="0" smtClean="0">
+              <a:rPr lang="es-ES" altLang="en-US" dirty="0">
                 <a:latin typeface="Arial" panose="020B0604020202020204" pitchFamily="34" charset="0"/>
               </a:rPr>
               <a:t>” que deberá ser evaluado para saber en qué botón presionó el usuario en caso de haberse indicado mostrar más de uno.</a:t>
@@ -1230,7 +1237,7 @@
           <a:p>
             <a:fld id="{C7E72F75-AAA9-42CD-BDBB-8F2ED10D8331}" type="slidenum">
               <a:rPr lang="es-AR" smtClean="0"/>
-              <a:t>8</a:t>
+              <a:t>10</a:t>
             </a:fld>
             <a:endParaRPr lang="es-AR"/>
           </a:p>
@@ -1432,7 +1439,7 @@
           </a:lstStyle>
           <a:p>
             <a:r>
-              <a:rPr lang="es-ES" smtClean="0"/>
+              <a:rPr lang="es-ES"/>
               <a:t>Haga clic para modificar el estilo de título del patrón</a:t>
             </a:r>
             <a:endParaRPr lang="en-US" dirty="0"/>
@@ -1499,7 +1506,7 @@
           </a:lstStyle>
           <a:p>
             <a:r>
-              <a:rPr lang="es-ES" smtClean="0"/>
+              <a:rPr lang="es-ES"/>
               <a:t>Haga clic para modificar el estilo de subtítulo del patrón</a:t>
             </a:r>
             <a:endParaRPr lang="en-US" dirty="0"/>
@@ -1523,7 +1530,7 @@
           <a:p>
             <a:fld id="{78ABE3C1-DBE1-495D-B57B-2849774B866A}" type="datetimeFigureOut">
               <a:rPr lang="en-US" dirty="0"/>
-              <a:t>9/3/2018</a:t>
+              <a:t>4/30/2020</a:t>
             </a:fld>
             <a:endParaRPr lang="en-US" dirty="0"/>
           </a:p>
@@ -1767,7 +1774,7 @@
           </a:lstStyle>
           <a:p>
             <a:r>
-              <a:rPr lang="es-ES" smtClean="0"/>
+              <a:rPr lang="es-ES"/>
               <a:t>Haga clic para modificar el estilo de título del patrón</a:t>
             </a:r>
             <a:endParaRPr lang="en-US" dirty="0"/>
@@ -1843,7 +1850,7 @@
           </a:lstStyle>
           <a:p>
             <a:r>
-              <a:rPr lang="es-ES" smtClean="0"/>
+              <a:rPr lang="es-ES"/>
               <a:t>Haga clic en el icono para agregar una imagen</a:t>
             </a:r>
             <a:endParaRPr lang="en-US" dirty="0"/>
@@ -1909,7 +1916,7 @@
           <a:p>
             <a:pPr lvl="0"/>
             <a:r>
-              <a:rPr lang="es-ES" smtClean="0"/>
+              <a:rPr lang="es-ES"/>
               <a:t>Haga clic para modificar el estilo de texto del patrón</a:t>
             </a:r>
           </a:p>
@@ -1932,7 +1939,7 @@
           <a:p>
             <a:fld id="{446C117F-5CCF-4837-BE5F-2B92066CAFAF}" type="datetimeFigureOut">
               <a:rPr lang="en-US" dirty="0"/>
-              <a:t>9/3/2018</a:t>
+              <a:t>4/30/2020</a:t>
             </a:fld>
             <a:endParaRPr lang="en-US" dirty="0"/>
           </a:p>
@@ -2174,7 +2181,7 @@
           </a:lstStyle>
           <a:p>
             <a:r>
-              <a:rPr lang="es-ES" smtClean="0"/>
+              <a:rPr lang="es-ES"/>
               <a:t>Haga clic para modificar el estilo de título del patrón</a:t>
             </a:r>
             <a:endParaRPr lang="en-US" dirty="0"/>
@@ -2240,7 +2247,7 @@
           <a:p>
             <a:pPr lvl="0"/>
             <a:r>
-              <a:rPr lang="es-ES" smtClean="0"/>
+              <a:rPr lang="es-ES"/>
               <a:t>Haga clic para modificar el estilo de texto del patrón</a:t>
             </a:r>
           </a:p>
@@ -2263,7 +2270,7 @@
           <a:p>
             <a:fld id="{84EB90BD-B6CE-46B7-997F-7313B992CCDC}" type="datetimeFigureOut">
               <a:rPr lang="en-US" dirty="0"/>
-              <a:t>9/3/2018</a:t>
+              <a:t>4/30/2020</a:t>
             </a:fld>
             <a:endParaRPr lang="en-US" dirty="0"/>
           </a:p>
@@ -2505,7 +2512,7 @@
           </a:lstStyle>
           <a:p>
             <a:r>
-              <a:rPr lang="es-ES" smtClean="0"/>
+              <a:rPr lang="es-ES"/>
               <a:t>Haga clic para modificar el estilo de título del patrón</a:t>
             </a:r>
             <a:endParaRPr lang="en-US" dirty="0"/>
@@ -2573,7 +2580,7 @@
           <a:p>
             <a:pPr lvl="0"/>
             <a:r>
-              <a:rPr lang="es-ES" smtClean="0"/>
+              <a:rPr lang="es-ES"/>
               <a:t>Haga clic para modificar el estilo de texto del patrón</a:t>
             </a:r>
           </a:p>
@@ -2640,7 +2647,7 @@
           <a:p>
             <a:pPr lvl="0"/>
             <a:r>
-              <a:rPr lang="es-ES" smtClean="0"/>
+              <a:rPr lang="es-ES"/>
               <a:t>Haga clic para modificar el estilo de texto del patrón</a:t>
             </a:r>
           </a:p>
@@ -2663,7 +2670,7 @@
           <a:p>
             <a:fld id="{CDB9D11F-B188-461D-B23F-39381795C052}" type="datetimeFigureOut">
               <a:rPr lang="en-US" dirty="0"/>
-              <a:t>9/3/2018</a:t>
+              <a:t>4/30/2020</a:t>
             </a:fld>
             <a:endParaRPr lang="en-US" dirty="0"/>
           </a:p>
@@ -3137,7 +3144,7 @@
           </a:lstStyle>
           <a:p>
             <a:r>
-              <a:rPr lang="es-ES" smtClean="0"/>
+              <a:rPr lang="es-ES"/>
               <a:t>Haga clic para modificar el estilo de título del patrón</a:t>
             </a:r>
             <a:endParaRPr lang="en-US" dirty="0"/>
@@ -3203,7 +3210,7 @@
           <a:p>
             <a:pPr lvl="0"/>
             <a:r>
-              <a:rPr lang="es-ES" smtClean="0"/>
+              <a:rPr lang="es-ES"/>
               <a:t>Haga clic para modificar el estilo de texto del patrón</a:t>
             </a:r>
           </a:p>
@@ -3226,7 +3233,7 @@
           <a:p>
             <a:fld id="{52E6D8D9-55A2-4063-B0F3-121F44549695}" type="datetimeFigureOut">
               <a:rPr lang="en-US" dirty="0"/>
-              <a:t>9/3/2018</a:t>
+              <a:t>4/30/2020</a:t>
             </a:fld>
             <a:endParaRPr lang="en-US" dirty="0"/>
           </a:p>
@@ -3464,7 +3471,7 @@
           <a:lstStyle/>
           <a:p>
             <a:r>
-              <a:rPr lang="es-ES" smtClean="0"/>
+              <a:rPr lang="es-ES"/>
               <a:t>Haga clic para modificar el estilo de título del patrón</a:t>
             </a:r>
             <a:endParaRPr lang="en-US" dirty="0"/>
@@ -3536,7 +3543,7 @@
           <a:p>
             <a:pPr lvl="0"/>
             <a:r>
-              <a:rPr lang="es-ES" smtClean="0"/>
+              <a:rPr lang="es-ES"/>
               <a:t>Haga clic para modificar el estilo de texto del patrón</a:t>
             </a:r>
           </a:p>
@@ -3603,7 +3610,7 @@
           <a:p>
             <a:pPr lvl="0"/>
             <a:r>
-              <a:rPr lang="es-ES" smtClean="0"/>
+              <a:rPr lang="es-ES"/>
               <a:t>Haga clic para modificar el estilo de texto del patrón</a:t>
             </a:r>
           </a:p>
@@ -3674,7 +3681,7 @@
           <a:p>
             <a:pPr lvl="0"/>
             <a:r>
-              <a:rPr lang="es-ES" smtClean="0"/>
+              <a:rPr lang="es-ES"/>
               <a:t>Haga clic para modificar el estilo de texto del patrón</a:t>
             </a:r>
           </a:p>
@@ -3741,7 +3748,7 @@
           <a:p>
             <a:pPr lvl="0"/>
             <a:r>
-              <a:rPr lang="es-ES" smtClean="0"/>
+              <a:rPr lang="es-ES"/>
               <a:t>Haga clic para modificar el estilo de texto del patrón</a:t>
             </a:r>
           </a:p>
@@ -3812,7 +3819,7 @@
           <a:p>
             <a:pPr lvl="0"/>
             <a:r>
-              <a:rPr lang="es-ES" smtClean="0"/>
+              <a:rPr lang="es-ES"/>
               <a:t>Haga clic para modificar el estilo de texto del patrón</a:t>
             </a:r>
           </a:p>
@@ -3879,7 +3886,7 @@
           <a:p>
             <a:pPr lvl="0"/>
             <a:r>
-              <a:rPr lang="es-ES" smtClean="0"/>
+              <a:rPr lang="es-ES"/>
               <a:t>Haga clic para modificar el estilo de texto del patrón</a:t>
             </a:r>
           </a:p>
@@ -3902,7 +3909,7 @@
           <a:p>
             <a:fld id="{D4B24536-994D-4021-A283-9F449C0DB509}" type="datetimeFigureOut">
               <a:rPr lang="en-US" dirty="0"/>
-              <a:t>9/3/2018</a:t>
+              <a:t>4/30/2020</a:t>
             </a:fld>
             <a:endParaRPr lang="en-US" dirty="0"/>
           </a:p>
@@ -4135,7 +4142,7 @@
           <a:lstStyle/>
           <a:p>
             <a:r>
-              <a:rPr lang="es-ES" smtClean="0"/>
+              <a:rPr lang="es-ES"/>
               <a:t>Haga clic para modificar el estilo de título del patrón</a:t>
             </a:r>
             <a:endParaRPr lang="en-US" dirty="0"/>
@@ -4207,7 +4214,7 @@
           <a:p>
             <a:pPr lvl="0"/>
             <a:r>
-              <a:rPr lang="es-ES" smtClean="0"/>
+              <a:rPr lang="es-ES"/>
               <a:t>Haga clic para modificar el estilo de texto del patrón</a:t>
             </a:r>
           </a:p>
@@ -4285,7 +4292,7 @@
           </a:lstStyle>
           <a:p>
             <a:r>
-              <a:rPr lang="es-ES" smtClean="0"/>
+              <a:rPr lang="es-ES"/>
               <a:t>Haga clic en el icono para agregar una imagen</a:t>
             </a:r>
             <a:endParaRPr lang="en-US" dirty="0"/>
@@ -4353,7 +4360,7 @@
           <a:p>
             <a:pPr lvl="0"/>
             <a:r>
-              <a:rPr lang="es-ES" smtClean="0"/>
+              <a:rPr lang="es-ES"/>
               <a:t>Haga clic para modificar el estilo de texto del patrón</a:t>
             </a:r>
           </a:p>
@@ -4424,7 +4431,7 @@
           <a:p>
             <a:pPr lvl="0"/>
             <a:r>
-              <a:rPr lang="es-ES" smtClean="0"/>
+              <a:rPr lang="es-ES"/>
               <a:t>Haga clic para modificar el estilo de texto del patrón</a:t>
             </a:r>
           </a:p>
@@ -4502,7 +4509,7 @@
           </a:lstStyle>
           <a:p>
             <a:r>
-              <a:rPr lang="es-ES" smtClean="0"/>
+              <a:rPr lang="es-ES"/>
               <a:t>Haga clic en el icono para agregar una imagen</a:t>
             </a:r>
             <a:endParaRPr lang="en-US" dirty="0"/>
@@ -4570,7 +4577,7 @@
           <a:p>
             <a:pPr lvl="0"/>
             <a:r>
-              <a:rPr lang="es-ES" smtClean="0"/>
+              <a:rPr lang="es-ES"/>
               <a:t>Haga clic para modificar el estilo de texto del patrón</a:t>
             </a:r>
           </a:p>
@@ -4641,7 +4648,7 @@
           <a:p>
             <a:pPr lvl="0"/>
             <a:r>
-              <a:rPr lang="es-ES" smtClean="0"/>
+              <a:rPr lang="es-ES"/>
               <a:t>Haga clic para modificar el estilo de texto del patrón</a:t>
             </a:r>
           </a:p>
@@ -4719,7 +4726,7 @@
           </a:lstStyle>
           <a:p>
             <a:r>
-              <a:rPr lang="es-ES" smtClean="0"/>
+              <a:rPr lang="es-ES"/>
               <a:t>Haga clic en el icono para agregar una imagen</a:t>
             </a:r>
             <a:endParaRPr lang="en-US" dirty="0"/>
@@ -4787,7 +4794,7 @@
           <a:p>
             <a:pPr lvl="0"/>
             <a:r>
-              <a:rPr lang="es-ES" smtClean="0"/>
+              <a:rPr lang="es-ES"/>
               <a:t>Haga clic para modificar el estilo de texto del patrón</a:t>
             </a:r>
           </a:p>
@@ -4810,7 +4817,7 @@
           <a:p>
             <a:fld id="{3CBBBB78-C96F-47B7-AB17-D852CA960AC9}" type="datetimeFigureOut">
               <a:rPr lang="en-US" dirty="0"/>
-              <a:t>9/3/2018</a:t>
+              <a:t>4/30/2020</a:t>
             </a:fld>
             <a:endParaRPr lang="en-US" dirty="0"/>
           </a:p>
@@ -5042,7 +5049,7 @@
           </a:lstStyle>
           <a:p>
             <a:r>
-              <a:rPr lang="es-ES" smtClean="0"/>
+              <a:rPr lang="es-ES"/>
               <a:t>Haga clic para modificar el estilo de título del patrón</a:t>
             </a:r>
             <a:endParaRPr lang="en-US" dirty="0"/>
@@ -5066,35 +5073,35 @@
           <a:p>
             <a:pPr lvl="0"/>
             <a:r>
-              <a:rPr lang="es-ES" smtClean="0"/>
+              <a:rPr lang="es-ES"/>
               <a:t>Haga clic para modificar el estilo de texto del patrón</a:t>
             </a:r>
           </a:p>
           <a:p>
             <a:pPr lvl="1"/>
             <a:r>
-              <a:rPr lang="es-ES" smtClean="0"/>
+              <a:rPr lang="es-ES"/>
               <a:t>Segundo nivel</a:t>
             </a:r>
           </a:p>
           <a:p>
             <a:pPr lvl="2"/>
             <a:r>
-              <a:rPr lang="es-ES" smtClean="0"/>
+              <a:rPr lang="es-ES"/>
               <a:t>Tercer nivel</a:t>
             </a:r>
           </a:p>
           <a:p>
             <a:pPr lvl="3"/>
             <a:r>
-              <a:rPr lang="es-ES" smtClean="0"/>
+              <a:rPr lang="es-ES"/>
               <a:t>Cuarto nivel</a:t>
             </a:r>
           </a:p>
           <a:p>
             <a:pPr lvl="4"/>
             <a:r>
-              <a:rPr lang="es-ES" smtClean="0"/>
+              <a:rPr lang="es-ES"/>
               <a:t>Quinto nivel</a:t>
             </a:r>
             <a:endParaRPr lang="en-US" dirty="0"/>
@@ -5118,7 +5125,7 @@
           <a:p>
             <a:fld id="{1FA3F48C-C7C6-4055-9F49-3777875E72AE}" type="datetimeFigureOut">
               <a:rPr lang="en-US" dirty="0"/>
-              <a:t>9/3/2018</a:t>
+              <a:t>4/30/2020</a:t>
             </a:fld>
             <a:endParaRPr lang="en-US" dirty="0"/>
           </a:p>
@@ -5291,7 +5298,7 @@
           <a:lstStyle/>
           <a:p>
             <a:r>
-              <a:rPr lang="es-ES" smtClean="0"/>
+              <a:rPr lang="es-ES"/>
               <a:t>Haga clic para modificar el estilo de título del patrón</a:t>
             </a:r>
             <a:endParaRPr lang="en-US" dirty="0"/>
@@ -5320,35 +5327,35 @@
           <a:p>
             <a:pPr lvl="0"/>
             <a:r>
-              <a:rPr lang="es-ES" smtClean="0"/>
+              <a:rPr lang="es-ES"/>
               <a:t>Haga clic para modificar el estilo de texto del patrón</a:t>
             </a:r>
           </a:p>
           <a:p>
             <a:pPr lvl="1"/>
             <a:r>
-              <a:rPr lang="es-ES" smtClean="0"/>
+              <a:rPr lang="es-ES"/>
               <a:t>Segundo nivel</a:t>
             </a:r>
           </a:p>
           <a:p>
             <a:pPr lvl="2"/>
             <a:r>
-              <a:rPr lang="es-ES" smtClean="0"/>
+              <a:rPr lang="es-ES"/>
               <a:t>Tercer nivel</a:t>
             </a:r>
           </a:p>
           <a:p>
             <a:pPr lvl="3"/>
             <a:r>
-              <a:rPr lang="es-ES" smtClean="0"/>
+              <a:rPr lang="es-ES"/>
               <a:t>Cuarto nivel</a:t>
             </a:r>
           </a:p>
           <a:p>
             <a:pPr lvl="4"/>
             <a:r>
-              <a:rPr lang="es-ES" smtClean="0"/>
+              <a:rPr lang="es-ES"/>
               <a:t>Quinto nivel</a:t>
             </a:r>
             <a:endParaRPr lang="en-US" dirty="0"/>
@@ -5377,7 +5384,7 @@
           <a:p>
             <a:fld id="{6178E61D-D431-422C-9764-11DAFE33AB63}" type="datetimeFigureOut">
               <a:rPr lang="en-US" dirty="0"/>
-              <a:t>9/3/2018</a:t>
+              <a:t>4/30/2020</a:t>
             </a:fld>
             <a:endParaRPr lang="en-US" dirty="0"/>
           </a:p>
@@ -5620,7 +5627,7 @@
           <a:lstStyle/>
           <a:p>
             <a:r>
-              <a:rPr lang="es-ES" smtClean="0"/>
+              <a:rPr lang="es-ES"/>
               <a:t>Haga clic para modificar el estilo de título del patrón</a:t>
             </a:r>
             <a:endParaRPr lang="en-US" dirty="0"/>
@@ -5644,35 +5651,35 @@
           <a:p>
             <a:pPr lvl="0"/>
             <a:r>
-              <a:rPr lang="es-ES" smtClean="0"/>
+              <a:rPr lang="es-ES"/>
               <a:t>Haga clic para modificar el estilo de texto del patrón</a:t>
             </a:r>
           </a:p>
           <a:p>
             <a:pPr lvl="1"/>
             <a:r>
-              <a:rPr lang="es-ES" smtClean="0"/>
+              <a:rPr lang="es-ES"/>
               <a:t>Segundo nivel</a:t>
             </a:r>
           </a:p>
           <a:p>
             <a:pPr lvl="2"/>
             <a:r>
-              <a:rPr lang="es-ES" smtClean="0"/>
+              <a:rPr lang="es-ES"/>
               <a:t>Tercer nivel</a:t>
             </a:r>
           </a:p>
           <a:p>
             <a:pPr lvl="3"/>
             <a:r>
-              <a:rPr lang="es-ES" smtClean="0"/>
+              <a:rPr lang="es-ES"/>
               <a:t>Cuarto nivel</a:t>
             </a:r>
           </a:p>
           <a:p>
             <a:pPr lvl="4"/>
             <a:r>
-              <a:rPr lang="es-ES" smtClean="0"/>
+              <a:rPr lang="es-ES"/>
               <a:t>Quinto nivel</a:t>
             </a:r>
             <a:endParaRPr lang="en-US" dirty="0"/>
@@ -5696,7 +5703,7 @@
           <a:p>
             <a:fld id="{12DE42F4-6EEF-4EF7-8ED4-2208F0F89A08}" type="datetimeFigureOut">
               <a:rPr lang="en-US" dirty="0"/>
-              <a:t>9/3/2018</a:t>
+              <a:t>4/30/2020</a:t>
             </a:fld>
             <a:endParaRPr lang="en-US" dirty="0"/>
           </a:p>
@@ -5935,7 +5942,7 @@
           </a:lstStyle>
           <a:p>
             <a:r>
-              <a:rPr lang="es-ES" smtClean="0"/>
+              <a:rPr lang="es-ES"/>
               <a:t>Haga clic para modificar el estilo de título del patrón</a:t>
             </a:r>
             <a:endParaRPr lang="en-US" dirty="0"/>
@@ -6057,7 +6064,7 @@
           <a:p>
             <a:pPr lvl="0"/>
             <a:r>
-              <a:rPr lang="es-ES" smtClean="0"/>
+              <a:rPr lang="es-ES"/>
               <a:t>Haga clic para modificar el estilo de texto del patrón</a:t>
             </a:r>
           </a:p>
@@ -6080,7 +6087,7 @@
           <a:p>
             <a:fld id="{30578ACC-22D6-47C1-A373-4FD133E34F3C}" type="datetimeFigureOut">
               <a:rPr lang="en-US" dirty="0"/>
-              <a:t>9/3/2018</a:t>
+              <a:t>4/30/2020</a:t>
             </a:fld>
             <a:endParaRPr lang="en-US" dirty="0"/>
           </a:p>
@@ -6313,7 +6320,7 @@
           <a:lstStyle/>
           <a:p>
             <a:r>
-              <a:rPr lang="es-ES" smtClean="0"/>
+              <a:rPr lang="es-ES"/>
               <a:t>Haga clic para modificar el estilo de título del patrón</a:t>
             </a:r>
             <a:endParaRPr lang="en-US" dirty="0"/>
@@ -6342,35 +6349,35 @@
           <a:p>
             <a:pPr lvl="0"/>
             <a:r>
-              <a:rPr lang="es-ES" smtClean="0"/>
+              <a:rPr lang="es-ES"/>
               <a:t>Haga clic para modificar el estilo de texto del patrón</a:t>
             </a:r>
           </a:p>
           <a:p>
             <a:pPr lvl="1"/>
             <a:r>
-              <a:rPr lang="es-ES" smtClean="0"/>
+              <a:rPr lang="es-ES"/>
               <a:t>Segundo nivel</a:t>
             </a:r>
           </a:p>
           <a:p>
             <a:pPr lvl="2"/>
             <a:r>
-              <a:rPr lang="es-ES" smtClean="0"/>
+              <a:rPr lang="es-ES"/>
               <a:t>Tercer nivel</a:t>
             </a:r>
           </a:p>
           <a:p>
             <a:pPr lvl="3"/>
             <a:r>
-              <a:rPr lang="es-ES" smtClean="0"/>
+              <a:rPr lang="es-ES"/>
               <a:t>Cuarto nivel</a:t>
             </a:r>
           </a:p>
           <a:p>
             <a:pPr lvl="4"/>
             <a:r>
-              <a:rPr lang="es-ES" smtClean="0"/>
+              <a:rPr lang="es-ES"/>
               <a:t>Quinto nivel</a:t>
             </a:r>
             <a:endParaRPr lang="en-US" dirty="0"/>
@@ -6399,35 +6406,35 @@
           <a:p>
             <a:pPr lvl="0"/>
             <a:r>
-              <a:rPr lang="es-ES" smtClean="0"/>
+              <a:rPr lang="es-ES"/>
               <a:t>Haga clic para modificar el estilo de texto del patrón</a:t>
             </a:r>
           </a:p>
           <a:p>
             <a:pPr lvl="1"/>
             <a:r>
-              <a:rPr lang="es-ES" smtClean="0"/>
+              <a:rPr lang="es-ES"/>
               <a:t>Segundo nivel</a:t>
             </a:r>
           </a:p>
           <a:p>
             <a:pPr lvl="2"/>
             <a:r>
-              <a:rPr lang="es-ES" smtClean="0"/>
+              <a:rPr lang="es-ES"/>
               <a:t>Tercer nivel</a:t>
             </a:r>
           </a:p>
           <a:p>
             <a:pPr lvl="3"/>
             <a:r>
-              <a:rPr lang="es-ES" smtClean="0"/>
+              <a:rPr lang="es-ES"/>
               <a:t>Cuarto nivel</a:t>
             </a:r>
           </a:p>
           <a:p>
             <a:pPr lvl="4"/>
             <a:r>
-              <a:rPr lang="es-ES" smtClean="0"/>
+              <a:rPr lang="es-ES"/>
               <a:t>Quinto nivel</a:t>
             </a:r>
             <a:endParaRPr lang="en-US" dirty="0"/>
@@ -6451,7 +6458,7 @@
           <a:p>
             <a:fld id="{4E5A6C69-6797-4E8A-BF37-F2C3751466E9}" type="datetimeFigureOut">
               <a:rPr lang="en-US" dirty="0"/>
-              <a:t>9/3/2018</a:t>
+              <a:t>4/30/2020</a:t>
             </a:fld>
             <a:endParaRPr lang="en-US" dirty="0"/>
           </a:p>
@@ -6684,7 +6691,7 @@
           <a:lstStyle/>
           <a:p>
             <a:r>
-              <a:rPr lang="es-ES" smtClean="0"/>
+              <a:rPr lang="es-ES"/>
               <a:t>Haga clic para modificar el estilo de título del patrón</a:t>
             </a:r>
             <a:endParaRPr lang="en-US" dirty="0"/>
@@ -6750,7 +6757,7 @@
           <a:p>
             <a:pPr lvl="0"/>
             <a:r>
-              <a:rPr lang="es-ES" smtClean="0"/>
+              <a:rPr lang="es-ES"/>
               <a:t>Haga clic para modificar el estilo de texto del patrón</a:t>
             </a:r>
           </a:p>
@@ -6778,35 +6785,35 @@
           <a:p>
             <a:pPr lvl="0"/>
             <a:r>
-              <a:rPr lang="es-ES" smtClean="0"/>
+              <a:rPr lang="es-ES"/>
               <a:t>Haga clic para modificar el estilo de texto del patrón</a:t>
             </a:r>
           </a:p>
           <a:p>
             <a:pPr lvl="1"/>
             <a:r>
-              <a:rPr lang="es-ES" smtClean="0"/>
+              <a:rPr lang="es-ES"/>
               <a:t>Segundo nivel</a:t>
             </a:r>
           </a:p>
           <a:p>
             <a:pPr lvl="2"/>
             <a:r>
-              <a:rPr lang="es-ES" smtClean="0"/>
+              <a:rPr lang="es-ES"/>
               <a:t>Tercer nivel</a:t>
             </a:r>
           </a:p>
           <a:p>
             <a:pPr lvl="3"/>
             <a:r>
-              <a:rPr lang="es-ES" smtClean="0"/>
+              <a:rPr lang="es-ES"/>
               <a:t>Cuarto nivel</a:t>
             </a:r>
           </a:p>
           <a:p>
             <a:pPr lvl="4"/>
             <a:r>
-              <a:rPr lang="es-ES" smtClean="0"/>
+              <a:rPr lang="es-ES"/>
               <a:t>Quinto nivel</a:t>
             </a:r>
             <a:endParaRPr lang="en-US" dirty="0"/>
@@ -6872,7 +6879,7 @@
           <a:p>
             <a:pPr lvl="0"/>
             <a:r>
-              <a:rPr lang="es-ES" smtClean="0"/>
+              <a:rPr lang="es-ES"/>
               <a:t>Haga clic para modificar el estilo de texto del patrón</a:t>
             </a:r>
           </a:p>
@@ -6900,35 +6907,35 @@
           <a:p>
             <a:pPr lvl="0"/>
             <a:r>
-              <a:rPr lang="es-ES" smtClean="0"/>
+              <a:rPr lang="es-ES"/>
               <a:t>Haga clic para modificar el estilo de texto del patrón</a:t>
             </a:r>
           </a:p>
           <a:p>
             <a:pPr lvl="1"/>
             <a:r>
-              <a:rPr lang="es-ES" smtClean="0"/>
+              <a:rPr lang="es-ES"/>
               <a:t>Segundo nivel</a:t>
             </a:r>
           </a:p>
           <a:p>
             <a:pPr lvl="2"/>
             <a:r>
-              <a:rPr lang="es-ES" smtClean="0"/>
+              <a:rPr lang="es-ES"/>
               <a:t>Tercer nivel</a:t>
             </a:r>
           </a:p>
           <a:p>
             <a:pPr lvl="3"/>
             <a:r>
-              <a:rPr lang="es-ES" smtClean="0"/>
+              <a:rPr lang="es-ES"/>
               <a:t>Cuarto nivel</a:t>
             </a:r>
           </a:p>
           <a:p>
             <a:pPr lvl="4"/>
             <a:r>
-              <a:rPr lang="es-ES" smtClean="0"/>
+              <a:rPr lang="es-ES"/>
               <a:t>Quinto nivel</a:t>
             </a:r>
             <a:endParaRPr lang="en-US" dirty="0"/>
@@ -6952,7 +6959,7 @@
           <a:p>
             <a:fld id="{D82014A1-A632-4878-A0D3-F52BA7563730}" type="datetimeFigureOut">
               <a:rPr lang="en-US" dirty="0"/>
-              <a:t>9/3/2018</a:t>
+              <a:t>4/30/2020</a:t>
             </a:fld>
             <a:endParaRPr lang="en-US" dirty="0"/>
           </a:p>
@@ -7180,7 +7187,7 @@
           <a:lstStyle/>
           <a:p>
             <a:r>
-              <a:rPr lang="es-ES" smtClean="0"/>
+              <a:rPr lang="es-ES"/>
               <a:t>Haga clic para modificar el estilo de título del patrón</a:t>
             </a:r>
             <a:endParaRPr lang="en-US" dirty="0"/>
@@ -7204,7 +7211,7 @@
           <a:p>
             <a:fld id="{CE99F462-093F-4566-844B-4C71F2739DA5}" type="datetimeFigureOut">
               <a:rPr lang="en-US" dirty="0"/>
-              <a:t>9/3/2018</a:t>
+              <a:t>4/30/2020</a:t>
             </a:fld>
             <a:endParaRPr lang="en-US" dirty="0"/>
           </a:p>
@@ -7362,7 +7369,7 @@
           <a:p>
             <a:fld id="{3D24A7AC-904D-4781-85BA-7D10C17ED021}" type="datetimeFigureOut">
               <a:rPr lang="en-US" dirty="0"/>
-              <a:t>9/3/2018</a:t>
+              <a:t>4/30/2020</a:t>
             </a:fld>
             <a:endParaRPr lang="en-US" dirty="0"/>
           </a:p>
@@ -7601,7 +7608,7 @@
           </a:lstStyle>
           <a:p>
             <a:r>
-              <a:rPr lang="es-ES" smtClean="0"/>
+              <a:rPr lang="es-ES"/>
               <a:t>Haga clic para modificar el estilo de título del patrón</a:t>
             </a:r>
             <a:endParaRPr lang="en-US" dirty="0"/>
@@ -7630,35 +7637,35 @@
           <a:p>
             <a:pPr lvl="0"/>
             <a:r>
-              <a:rPr lang="es-ES" smtClean="0"/>
+              <a:rPr lang="es-ES"/>
               <a:t>Haga clic para modificar el estilo de texto del patrón</a:t>
             </a:r>
           </a:p>
           <a:p>
             <a:pPr lvl="1"/>
             <a:r>
-              <a:rPr lang="es-ES" smtClean="0"/>
+              <a:rPr lang="es-ES"/>
               <a:t>Segundo nivel</a:t>
             </a:r>
           </a:p>
           <a:p>
             <a:pPr lvl="2"/>
             <a:r>
-              <a:rPr lang="es-ES" smtClean="0"/>
+              <a:rPr lang="es-ES"/>
               <a:t>Tercer nivel</a:t>
             </a:r>
           </a:p>
           <a:p>
             <a:pPr lvl="3"/>
             <a:r>
-              <a:rPr lang="es-ES" smtClean="0"/>
+              <a:rPr lang="es-ES"/>
               <a:t>Cuarto nivel</a:t>
             </a:r>
           </a:p>
           <a:p>
             <a:pPr lvl="4"/>
             <a:r>
-              <a:rPr lang="es-ES" smtClean="0"/>
+              <a:rPr lang="es-ES"/>
               <a:t>Quinto nivel</a:t>
             </a:r>
             <a:endParaRPr lang="en-US" dirty="0"/>
@@ -7724,7 +7731,7 @@
           <a:p>
             <a:pPr lvl="0"/>
             <a:r>
-              <a:rPr lang="es-ES" smtClean="0"/>
+              <a:rPr lang="es-ES"/>
               <a:t>Haga clic para modificar el estilo de texto del patrón</a:t>
             </a:r>
           </a:p>
@@ -7747,7 +7754,7 @@
           <a:p>
             <a:fld id="{E331444B-B92B-4E27-8C94-BB93EAF5CB18}" type="datetimeFigureOut">
               <a:rPr lang="en-US" dirty="0"/>
-              <a:t>9/3/2018</a:t>
+              <a:t>4/30/2020</a:t>
             </a:fld>
             <a:endParaRPr lang="en-US" dirty="0"/>
           </a:p>
@@ -7986,7 +7993,7 @@
           </a:lstStyle>
           <a:p>
             <a:r>
-              <a:rPr lang="es-ES" smtClean="0"/>
+              <a:rPr lang="es-ES"/>
               <a:t>Haga clic para modificar el estilo de título del patrón</a:t>
             </a:r>
             <a:endParaRPr lang="en-US" dirty="0"/>
@@ -8062,7 +8069,7 @@
           </a:lstStyle>
           <a:p>
             <a:r>
-              <a:rPr lang="es-ES" smtClean="0"/>
+              <a:rPr lang="es-ES"/>
               <a:t>Haga clic en el icono para agregar una imagen</a:t>
             </a:r>
             <a:endParaRPr lang="en-US" dirty="0"/>
@@ -8128,7 +8135,7 @@
           <a:p>
             <a:pPr lvl="0"/>
             <a:r>
-              <a:rPr lang="es-ES" smtClean="0"/>
+              <a:rPr lang="es-ES"/>
               <a:t>Haga clic para modificar el estilo de texto del patrón</a:t>
             </a:r>
           </a:p>
@@ -8151,7 +8158,7 @@
           <a:p>
             <a:fld id="{363EFA5E-FA76-400D-B3DC-F0BA90E6D107}" type="datetimeFigureOut">
               <a:rPr lang="en-US" dirty="0"/>
-              <a:t>9/3/2018</a:t>
+              <a:t>4/30/2020</a:t>
             </a:fld>
             <a:endParaRPr lang="en-US" dirty="0"/>
           </a:p>
@@ -8286,7 +8293,7 @@
           <a:lstStyle/>
           <a:p>
             <a:r>
-              <a:rPr lang="es-ES" smtClean="0"/>
+              <a:rPr lang="es-ES"/>
               <a:t>Haga clic para modificar el estilo de título del patrón</a:t>
             </a:r>
             <a:endParaRPr lang="en-US" dirty="0"/>
@@ -8320,35 +8327,35 @@
           <a:p>
             <a:pPr lvl="0"/>
             <a:r>
-              <a:rPr lang="es-ES" smtClean="0"/>
+              <a:rPr lang="es-ES"/>
               <a:t>Haga clic para modificar el estilo de texto del patrón</a:t>
             </a:r>
           </a:p>
           <a:p>
             <a:pPr lvl="1"/>
             <a:r>
-              <a:rPr lang="es-ES" smtClean="0"/>
+              <a:rPr lang="es-ES"/>
               <a:t>Segundo nivel</a:t>
             </a:r>
           </a:p>
           <a:p>
             <a:pPr lvl="2"/>
             <a:r>
-              <a:rPr lang="es-ES" smtClean="0"/>
+              <a:rPr lang="es-ES"/>
               <a:t>Tercer nivel</a:t>
             </a:r>
           </a:p>
           <a:p>
             <a:pPr lvl="3"/>
             <a:r>
-              <a:rPr lang="es-ES" smtClean="0"/>
+              <a:rPr lang="es-ES"/>
               <a:t>Cuarto nivel</a:t>
             </a:r>
           </a:p>
           <a:p>
             <a:pPr lvl="4"/>
             <a:r>
-              <a:rPr lang="es-ES" smtClean="0"/>
+              <a:rPr lang="es-ES"/>
               <a:t>Quinto nivel</a:t>
             </a:r>
             <a:endParaRPr lang="en-US" dirty="0"/>
@@ -8390,7 +8397,7 @@
           <a:p>
             <a:fld id="{9D6E9DEC-419B-4CC5-A080-3B06BD5A8291}" type="datetimeFigureOut">
               <a:rPr lang="en-US" dirty="0"/>
-              <a:t>9/3/2018</a:t>
+              <a:t>4/30/2020</a:t>
             </a:fld>
             <a:endParaRPr lang="en-US" dirty="0"/>
           </a:p>
@@ -8814,10 +8821,9 @@
           <a:lstStyle/>
           <a:p>
             <a:r>
-              <a:rPr lang="es-AR" dirty="0" smtClean="0"/>
+              <a:rPr lang="es-AR" dirty="0"/>
               <a:t>GUI: Formularios</a:t>
             </a:r>
-            <a:endParaRPr lang="es-AR" dirty="0"/>
           </a:p>
         </p:txBody>
       </p:sp>
@@ -8892,11 +8898,7 @@
             </a:pPr>
             <a:r>
               <a:rPr lang="es-AR" dirty="0"/>
-              <a:t>Edición </a:t>
-            </a:r>
-            <a:r>
-              <a:rPr lang="es-AR" dirty="0" smtClean="0"/>
-              <a:t>2018</a:t>
+              <a:t>Edición 2018</a:t>
             </a:r>
             <a:endParaRPr lang="es-AR" dirty="0">
               <a:solidFill>
@@ -8956,7 +8958,7 @@
               <a:buNone/>
             </a:pPr>
             <a:r>
-              <a:rPr lang="es-AR" dirty="0" smtClean="0">
+              <a:rPr lang="es-AR" dirty="0">
                 <a:solidFill>
                   <a:prstClr val="white"/>
                 </a:solidFill>
@@ -8964,12 +8966,6 @@
               </a:rPr>
               <a:t>6.1</a:t>
             </a:r>
-            <a:endParaRPr lang="es-AR" dirty="0">
-              <a:solidFill>
-                <a:prstClr val="white"/>
-              </a:solidFill>
-              <a:latin typeface="Trebuchet MS" panose="020B0603020202020204"/>
-            </a:endParaRPr>
           </a:p>
         </p:txBody>
       </p:sp>
@@ -9019,8 +9015,8 @@
           <a:lstStyle/>
           <a:p>
             <a:r>
-              <a:rPr lang="es-AR" dirty="0" smtClean="0"/>
-              <a:t>Propiedades</a:t>
+              <a:rPr lang="es-ES" dirty="0" err="1"/>
+              <a:t>MessageBox</a:t>
             </a:r>
             <a:endParaRPr lang="es-AR" dirty="0"/>
           </a:p>
@@ -9039,12 +9035,12 @@
         <p:spPr>
           <a:xfrm>
             <a:off x="680321" y="2336873"/>
-            <a:ext cx="9613861" cy="4323234"/>
+            <a:ext cx="10319775" cy="4254996"/>
           </a:xfrm>
         </p:spPr>
         <p:txBody>
           <a:bodyPr>
-            <a:normAutofit/>
+            <a:normAutofit fontScale="92500" lnSpcReduction="10000"/>
           </a:bodyPr>
           <a:lstStyle/>
           <a:p>
@@ -9052,7 +9048,7 @@
               <a:defRPr/>
             </a:pPr>
             <a:r>
-              <a:rPr lang="es-ES" sz="2800" dirty="0" err="1">
+              <a:rPr lang="es-ES_tradnl" sz="2800" dirty="0">
                 <a:effectLst>
                   <a:outerShdw blurRad="38100" dist="38100" dir="2700000" algn="tl">
                     <a:srgbClr val="000000">
@@ -9062,9 +9058,40 @@
                 </a:effectLst>
                 <a:latin typeface="Franklin Gothic Medium" panose="020B0603020102020204" pitchFamily="34" charset="0"/>
               </a:rPr>
-              <a:t>Locked</a:t>
-            </a:r>
-            <a:endParaRPr lang="es-ES" sz="2800" dirty="0">
+              <a:t>Para mostrar información o pedir intervención del usuario, es posible utilizar la clase </a:t>
+            </a:r>
+            <a:r>
+              <a:rPr lang="es-ES_tradnl" sz="2800" dirty="0" err="1">
+                <a:effectLst>
+                  <a:outerShdw blurRad="38100" dist="38100" dir="2700000" algn="tl">
+                    <a:srgbClr val="000000">
+                      <a:alpha val="43137"/>
+                    </a:srgbClr>
+                  </a:outerShdw>
+                </a:effectLst>
+                <a:latin typeface="Franklin Gothic Medium" panose="020B0603020102020204" pitchFamily="34" charset="0"/>
+              </a:rPr>
+              <a:t>MessageBox</a:t>
+            </a:r>
+            <a:r>
+              <a:rPr lang="es-ES_tradnl" sz="2800" dirty="0">
+                <a:effectLst>
+                  <a:outerShdw blurRad="38100" dist="38100" dir="2700000" algn="tl">
+                    <a:srgbClr val="000000">
+                      <a:alpha val="43137"/>
+                    </a:srgbClr>
+                  </a:outerShdw>
+                </a:effectLst>
+                <a:latin typeface="Franklin Gothic Medium" panose="020B0603020102020204" pitchFamily="34" charset="0"/>
+              </a:rPr>
+              <a:t>.</a:t>
+            </a:r>
+          </a:p>
+          <a:p>
+            <a:pPr>
+              <a:defRPr/>
+            </a:pPr>
+            <a:endParaRPr lang="es-ES_tradnl" sz="2200" dirty="0">
               <a:effectLst>
                 <a:outerShdw blurRad="38100" dist="38100" dir="2700000" algn="tl">
                   <a:srgbClr val="000000">
@@ -9076,11 +9103,11 @@
             </a:endParaRPr>
           </a:p>
           <a:p>
-            <a:pPr lvl="1">
+            <a:pPr>
               <a:defRPr/>
             </a:pPr>
             <a:r>
-              <a:rPr lang="es-ES" dirty="0">
+              <a:rPr lang="es-ES_tradnl" sz="2800" dirty="0">
                 <a:effectLst>
                   <a:outerShdw blurRad="38100" dist="38100" dir="2700000" algn="tl">
                     <a:srgbClr val="000000">
@@ -9090,76 +9117,14 @@
                 </a:effectLst>
                 <a:latin typeface="Franklin Gothic Medium" panose="020B0603020102020204" pitchFamily="34" charset="0"/>
               </a:rPr>
-              <a:t>Determina si se puede mover o cambiar de tamaño el control.</a:t>
+              <a:t>Esta clase contiene métodos estáticos que permiten mostrar un cuadro de mensaje para interactuar con el usuario de la aplicación.</a:t>
             </a:r>
           </a:p>
           <a:p>
             <a:pPr>
               <a:defRPr/>
             </a:pPr>
-            <a:r>
-              <a:rPr lang="es-ES" sz="2800" dirty="0" err="1">
-                <a:effectLst>
-                  <a:outerShdw blurRad="38100" dist="38100" dir="2700000" algn="tl">
-                    <a:srgbClr val="000000">
-                      <a:alpha val="43137"/>
-                    </a:srgbClr>
-                  </a:outerShdw>
-                </a:effectLst>
-                <a:latin typeface="Franklin Gothic Medium" panose="020B0603020102020204" pitchFamily="34" charset="0"/>
-              </a:rPr>
-              <a:t>Modifiers</a:t>
-            </a:r>
-            <a:r>
-              <a:rPr lang="es-ES" sz="2800" dirty="0">
-                <a:effectLst>
-                  <a:outerShdw blurRad="38100" dist="38100" dir="2700000" algn="tl">
-                    <a:srgbClr val="000000">
-                      <a:alpha val="43137"/>
-                    </a:srgbClr>
-                  </a:outerShdw>
-                </a:effectLst>
-                <a:latin typeface="Franklin Gothic Medium" panose="020B0603020102020204" pitchFamily="34" charset="0"/>
-              </a:rPr>
-              <a:t> </a:t>
-            </a:r>
-          </a:p>
-          <a:p>
-            <a:pPr lvl="1">
-              <a:defRPr/>
-            </a:pPr>
-            <a:r>
-              <a:rPr lang="es-ES" dirty="0">
-                <a:effectLst>
-                  <a:outerShdw blurRad="38100" dist="38100" dir="2700000" algn="tl">
-                    <a:srgbClr val="000000">
-                      <a:alpha val="43137"/>
-                    </a:srgbClr>
-                  </a:outerShdw>
-                </a:effectLst>
-                <a:latin typeface="Franklin Gothic Medium" panose="020B0603020102020204" pitchFamily="34" charset="0"/>
-              </a:rPr>
-              <a:t>Indica el nivel de visibilidad del objeto.</a:t>
-            </a:r>
-          </a:p>
-          <a:p>
-            <a:pPr>
-              <a:defRPr/>
-            </a:pPr>
-            <a:r>
-              <a:rPr lang="es-ES" sz="2800" dirty="0" err="1">
-                <a:effectLst>
-                  <a:outerShdw blurRad="38100" dist="38100" dir="2700000" algn="tl">
-                    <a:srgbClr val="000000">
-                      <a:alpha val="43137"/>
-                    </a:srgbClr>
-                  </a:outerShdw>
-                </a:effectLst>
-                <a:latin typeface="Franklin Gothic Medium" panose="020B0603020102020204" pitchFamily="34" charset="0"/>
-              </a:rPr>
-              <a:t>TabIndex</a:t>
-            </a:r>
-            <a:endParaRPr lang="es-ES" sz="2800" dirty="0">
+            <a:endParaRPr lang="es-ES_tradnl" sz="2200" dirty="0">
               <a:effectLst>
                 <a:outerShdw blurRad="38100" dist="38100" dir="2700000" algn="tl">
                   <a:srgbClr val="000000">
@@ -9171,11 +9136,11 @@
             </a:endParaRPr>
           </a:p>
           <a:p>
-            <a:pPr lvl="1">
+            <a:pPr>
               <a:defRPr/>
             </a:pPr>
             <a:r>
-              <a:rPr lang="es-ES" dirty="0">
+              <a:rPr lang="es-ES_tradnl" sz="2800" dirty="0">
                 <a:effectLst>
                   <a:outerShdw blurRad="38100" dist="38100" dir="2700000" algn="tl">
                     <a:srgbClr val="000000">
@@ -9185,15 +9150,15 @@
                 </a:effectLst>
                 <a:latin typeface="Franklin Gothic Medium" panose="020B0603020102020204" pitchFamily="34" charset="0"/>
               </a:rPr>
-              <a:t>Determina el índice del orden de tabulación que ocupará este control.</a:t>
-            </a:r>
-          </a:p>
-          <a:p>
-            <a:pPr>
+              <a:t>Los parámetros se especifican a través de enumerados que facilitan la legibilidad del código, por ejemplo:</a:t>
+            </a:r>
+          </a:p>
+          <a:p>
+            <a:pPr lvl="1">
               <a:defRPr/>
             </a:pPr>
             <a:r>
-              <a:rPr lang="es-ES" sz="2800" dirty="0">
+              <a:rPr lang="es-ES_tradnl" sz="2400" dirty="0" err="1">
                 <a:effectLst>
                   <a:outerShdw blurRad="38100" dist="38100" dir="2700000" algn="tl">
                     <a:srgbClr val="000000">
@@ -9203,15 +9168,25 @@
                 </a:effectLst>
                 <a:latin typeface="Franklin Gothic Medium" panose="020B0603020102020204" pitchFamily="34" charset="0"/>
               </a:rPr>
-              <a:t>Text</a:t>
-            </a:r>
+              <a:t>MessageBoxButtons.AbortRetryIgnore</a:t>
+            </a:r>
+            <a:endParaRPr lang="es-ES_tradnl" sz="2400" dirty="0">
+              <a:effectLst>
+                <a:outerShdw blurRad="38100" dist="38100" dir="2700000" algn="tl">
+                  <a:srgbClr val="000000">
+                    <a:alpha val="43137"/>
+                  </a:srgbClr>
+                </a:outerShdw>
+              </a:effectLst>
+              <a:latin typeface="Franklin Gothic Medium" panose="020B0603020102020204" pitchFamily="34" charset="0"/>
+            </a:endParaRPr>
           </a:p>
           <a:p>
             <a:pPr lvl="1">
               <a:defRPr/>
             </a:pPr>
             <a:r>
-              <a:rPr lang="es-ES" dirty="0">
+              <a:rPr lang="es-ES_tradnl" sz="2400" dirty="0" err="1">
                 <a:effectLst>
                   <a:outerShdw blurRad="38100" dist="38100" dir="2700000" algn="tl">
                     <a:srgbClr val="000000">
@@ -9221,15 +9196,25 @@
                 </a:effectLst>
                 <a:latin typeface="Franklin Gothic Medium" panose="020B0603020102020204" pitchFamily="34" charset="0"/>
               </a:rPr>
-              <a:t>Texto asociado al control.</a:t>
-            </a:r>
-          </a:p>
-          <a:p>
-            <a:pPr>
+              <a:t>MessageBoxIcon.Error</a:t>
+            </a:r>
+            <a:endParaRPr lang="es-ES_tradnl" sz="2400" dirty="0">
+              <a:effectLst>
+                <a:outerShdw blurRad="38100" dist="38100" dir="2700000" algn="tl">
+                  <a:srgbClr val="000000">
+                    <a:alpha val="43137"/>
+                  </a:srgbClr>
+                </a:outerShdw>
+              </a:effectLst>
+              <a:latin typeface="Franklin Gothic Medium" panose="020B0603020102020204" pitchFamily="34" charset="0"/>
+            </a:endParaRPr>
+          </a:p>
+          <a:p>
+            <a:pPr lvl="1">
               <a:defRPr/>
             </a:pPr>
             <a:r>
-              <a:rPr lang="es-ES" sz="2800" dirty="0">
+              <a:rPr lang="es-ES_tradnl" sz="2400" dirty="0">
                 <a:effectLst>
                   <a:outerShdw blurRad="38100" dist="38100" dir="2700000" algn="tl">
                     <a:srgbClr val="000000">
@@ -9239,46 +9224,31 @@
                 </a:effectLst>
                 <a:latin typeface="Franklin Gothic Medium" panose="020B0603020102020204" pitchFamily="34" charset="0"/>
               </a:rPr>
-              <a:t>Visible</a:t>
-            </a:r>
-          </a:p>
-          <a:p>
-            <a:pPr lvl="1">
-              <a:defRPr/>
-            </a:pPr>
-            <a:r>
-              <a:rPr lang="es-ES" dirty="0">
-                <a:effectLst>
-                  <a:outerShdw blurRad="38100" dist="38100" dir="2700000" algn="tl">
-                    <a:srgbClr val="000000">
-                      <a:alpha val="43137"/>
-                    </a:srgbClr>
-                  </a:outerShdw>
-                </a:effectLst>
-                <a:latin typeface="Franklin Gothic Medium" panose="020B0603020102020204" pitchFamily="34" charset="0"/>
-              </a:rPr>
-              <a:t>Determina si el control esta visible u oculto.</a:t>
-            </a:r>
+              <a:t>MessageBoxDefaultButton.Button1</a:t>
+            </a:r>
+            <a:endParaRPr lang="es-ES" sz="2400" dirty="0">
+              <a:effectLst>
+                <a:outerShdw blurRad="38100" dist="38100" dir="2700000" algn="tl">
+                  <a:srgbClr val="000000">
+                    <a:alpha val="43137"/>
+                  </a:srgbClr>
+                </a:outerShdw>
+              </a:effectLst>
+              <a:latin typeface="Franklin Gothic Medium" panose="020B0603020102020204" pitchFamily="34" charset="0"/>
+            </a:endParaRPr>
           </a:p>
         </p:txBody>
       </p:sp>
     </p:spTree>
     <p:extLst>
       <p:ext uri="{BB962C8B-B14F-4D97-AF65-F5344CB8AC3E}">
-        <p14:creationId xmlns:p14="http://schemas.microsoft.com/office/powerpoint/2010/main" val="3642159934"/>
+        <p14:creationId xmlns:p14="http://schemas.microsoft.com/office/powerpoint/2010/main" val="2470407680"/>
       </p:ext>
     </p:extLst>
   </p:cSld>
   <p:clrMapOvr>
     <a:masterClrMapping/>
   </p:clrMapOvr>
-  <p:timing>
-    <p:tnLst>
-      <p:par>
-        <p:cTn id="1" dur="indefinite" restart="never" nodeType="tmRoot"/>
-      </p:par>
-    </p:tnLst>
-  </p:timing>
 </p:sld>
 </file>
 
@@ -9315,14 +9285,9 @@
           <a:lstStyle/>
           <a:p>
             <a:r>
-              <a:rPr lang="es-AR" dirty="0" smtClean="0"/>
-              <a:t>Controles: </a:t>
-            </a:r>
-            <a:r>
-              <a:rPr lang="es-AR" dirty="0" err="1" smtClean="0"/>
-              <a:t>CheckBox</a:t>
-            </a:r>
-            <a:endParaRPr lang="es-AR" dirty="0"/>
+              <a:rPr lang="es-AR" dirty="0"/>
+              <a:t>Propiedades</a:t>
+            </a:r>
           </a:p>
         </p:txBody>
       </p:sp>
@@ -9339,12 +9304,12 @@
         <p:spPr>
           <a:xfrm>
             <a:off x="680321" y="2336873"/>
-            <a:ext cx="9613861" cy="3886506"/>
+            <a:ext cx="9613861" cy="4323234"/>
           </a:xfrm>
         </p:spPr>
         <p:txBody>
           <a:bodyPr>
-            <a:normAutofit lnSpcReduction="10000"/>
+            <a:normAutofit fontScale="92500" lnSpcReduction="20000"/>
           </a:bodyPr>
           <a:lstStyle/>
           <a:p>
@@ -9362,9 +9327,58 @@
                 </a:effectLst>
                 <a:latin typeface="Franklin Gothic Medium" panose="020B0603020102020204" pitchFamily="34" charset="0"/>
               </a:rPr>
-              <a:t>CheckBox</a:t>
-            </a:r>
-            <a:endParaRPr lang="es-ES" sz="2800" dirty="0" smtClean="0">
+              <a:t>Name</a:t>
+            </a:r>
+            <a:r>
+              <a:rPr lang="es-ES" dirty="0">
+                <a:effectLst>
+                  <a:outerShdw blurRad="38100" dist="38100" dir="2700000" algn="tl">
+                    <a:srgbClr val="000000">
+                      <a:alpha val="43137"/>
+                    </a:srgbClr>
+                  </a:outerShdw>
+                </a:effectLst>
+                <a:latin typeface="Franklin Gothic Medium" panose="020B0603020102020204" pitchFamily="34" charset="0"/>
+              </a:rPr>
+              <a:t> </a:t>
+            </a:r>
+          </a:p>
+          <a:p>
+            <a:pPr lvl="1">
+              <a:defRPr/>
+            </a:pPr>
+            <a:r>
+              <a:rPr lang="es-ES" dirty="0">
+                <a:effectLst>
+                  <a:outerShdw blurRad="38100" dist="38100" dir="2700000" algn="tl">
+                    <a:srgbClr val="000000">
+                      <a:alpha val="43137"/>
+                    </a:srgbClr>
+                  </a:outerShdw>
+                </a:effectLst>
+                <a:latin typeface="Franklin Gothic Medium" panose="020B0603020102020204" pitchFamily="34" charset="0"/>
+              </a:rPr>
+              <a:t>Indica el nombre utilizado en el código para identificar el objeto.</a:t>
+            </a:r>
+          </a:p>
+          <a:p>
+            <a:pPr>
+              <a:defRPr/>
+            </a:pPr>
+            <a:r>
+              <a:rPr lang="es-ES" sz="2800" dirty="0" err="1">
+                <a:effectLst>
+                  <a:outerShdw blurRad="38100" dist="38100" dir="2700000" algn="tl">
+                    <a:srgbClr val="000000">
+                      <a:alpha val="43137"/>
+                    </a:srgbClr>
+                  </a:outerShdw>
+                </a:effectLst>
+                <a:latin typeface="Franklin Gothic Medium" panose="020B0603020102020204" pitchFamily="34" charset="0"/>
+              </a:rPr>
+              <a:t>BackColor</a:t>
+            </a:r>
+            <a:endParaRPr lang="es-ES" sz="2800" dirty="0">
               <a:effectLst>
                 <a:outerShdw blurRad="38100" dist="38100" dir="2700000" algn="tl">
                   <a:srgbClr val="000000">
@@ -9380,7 +9394,7 @@
               <a:defRPr/>
             </a:pPr>
             <a:r>
-              <a:rPr lang="es-ES" sz="2600" dirty="0" smtClean="0">
+              <a:rPr lang="es-ES" dirty="0">
                 <a:effectLst>
                   <a:outerShdw blurRad="38100" dist="38100" dir="2700000" algn="tl">
                     <a:srgbClr val="000000">
@@ -9390,10 +9404,15 @@
                 </a:effectLst>
                 <a:latin typeface="Franklin Gothic Medium" panose="020B0603020102020204" pitchFamily="34" charset="0"/>
               </a:rPr>
-              <a:t>Este </a:t>
-            </a:r>
-            <a:r>
-              <a:rPr lang="es-ES" sz="2600" dirty="0">
+              <a:t>Indica el color de fondo del componente.</a:t>
+            </a:r>
+          </a:p>
+          <a:p>
+            <a:pPr>
+              <a:defRPr/>
+            </a:pPr>
+            <a:r>
+              <a:rPr lang="es-ES" sz="2800" dirty="0">
                 <a:effectLst>
                   <a:outerShdw blurRad="38100" dist="38100" dir="2700000" algn="tl">
                     <a:srgbClr val="000000">
@@ -9403,14 +9422,45 @@
                 </a:effectLst>
                 <a:latin typeface="Franklin Gothic Medium" panose="020B0603020102020204" pitchFamily="34" charset="0"/>
               </a:rPr>
-              <a:t>control muestra una casilla de verificación, que podemos marcar para establecer un estado. </a:t>
+              <a:t>Cursor</a:t>
+            </a:r>
+          </a:p>
+          <a:p>
+            <a:pPr lvl="1">
+              <a:defRPr/>
+            </a:pPr>
+            <a:r>
+              <a:rPr lang="es-ES" dirty="0">
+                <a:effectLst>
+                  <a:outerShdw blurRad="38100" dist="38100" dir="2700000" algn="tl">
+                    <a:srgbClr val="000000">
+                      <a:alpha val="43137"/>
+                    </a:srgbClr>
+                  </a:outerShdw>
+                </a:effectLst>
+                <a:latin typeface="Franklin Gothic Medium" panose="020B0603020102020204" pitchFamily="34" charset="0"/>
+              </a:rPr>
+              <a:t>Cursor que aparece al pasar el puntero por el control.</a:t>
             </a:r>
           </a:p>
           <a:p>
             <a:pPr>
               <a:defRPr/>
             </a:pPr>
-            <a:endParaRPr lang="es-ES" sz="2600" dirty="0">
+            <a:r>
+              <a:rPr lang="es-ES" sz="2800" dirty="0" err="1">
+                <a:effectLst>
+                  <a:outerShdw blurRad="38100" dist="38100" dir="2700000" algn="tl">
+                    <a:srgbClr val="000000">
+                      <a:alpha val="43137"/>
+                    </a:srgbClr>
+                  </a:outerShdw>
+                </a:effectLst>
+                <a:latin typeface="Franklin Gothic Medium" panose="020B0603020102020204" pitchFamily="34" charset="0"/>
+              </a:rPr>
+              <a:t>Enabled</a:t>
+            </a:r>
+            <a:endParaRPr lang="es-ES" sz="2800" dirty="0">
               <a:effectLst>
                 <a:outerShdw blurRad="38100" dist="38100" dir="2700000" algn="tl">
                   <a:srgbClr val="000000">
@@ -9426,7 +9476,7 @@
               <a:defRPr/>
             </a:pPr>
             <a:r>
-              <a:rPr lang="es-ES" sz="2600" dirty="0">
+              <a:rPr lang="es-ES" dirty="0">
                 <a:effectLst>
                   <a:outerShdw blurRad="38100" dist="38100" dir="2700000" algn="tl">
                     <a:srgbClr val="000000">
@@ -9436,10 +9486,15 @@
                 </a:effectLst>
                 <a:latin typeface="Franklin Gothic Medium" panose="020B0603020102020204" pitchFamily="34" charset="0"/>
               </a:rPr>
-              <a:t>Generalmente el estado de un </a:t>
-            </a:r>
-            <a:r>
-              <a:rPr lang="es-ES" sz="2600" dirty="0" err="1">
+              <a:t>Indica si el control esta habilitado.</a:t>
+            </a:r>
+          </a:p>
+          <a:p>
+            <a:pPr>
+              <a:defRPr/>
+            </a:pPr>
+            <a:r>
+              <a:rPr lang="es-ES" sz="2800" dirty="0">
                 <a:effectLst>
                   <a:outerShdw blurRad="38100" dist="38100" dir="2700000" algn="tl">
                     <a:srgbClr val="000000">
@@ -9449,10 +9504,15 @@
                 </a:effectLst>
                 <a:latin typeface="Franklin Gothic Medium" panose="020B0603020102020204" pitchFamily="34" charset="0"/>
               </a:rPr>
-              <a:t>CheckBox</a:t>
-            </a:r>
-            <a:r>
-              <a:rPr lang="es-ES" sz="2600" dirty="0">
+              <a:t>Font</a:t>
+            </a:r>
+          </a:p>
+          <a:p>
+            <a:pPr lvl="1">
+              <a:defRPr/>
+            </a:pPr>
+            <a:r>
+              <a:rPr lang="es-ES" dirty="0">
                 <a:effectLst>
                   <a:outerShdw blurRad="38100" dist="38100" dir="2700000" algn="tl">
                     <a:srgbClr val="000000">
@@ -9462,34 +9522,67 @@
                 </a:effectLst>
                 <a:latin typeface="Franklin Gothic Medium" panose="020B0603020102020204" pitchFamily="34" charset="0"/>
               </a:rPr>
-              <a:t> es marcado (verdadero) o desmarcado (falso), sin embargo, podemos configurar el control para que sea detectado un tercer estado, que se denomina indeterminado, en el cual, el control se muestra con la marca en la casilla pero en un color de tono gris. </a:t>
-            </a:r>
-          </a:p>
-          <a:p>
-            <a:pPr marL="0" indent="0">
-              <a:buNone/>
+              <a:t>Fuente utilizada para mostrar el texto en el control.</a:t>
+            </a:r>
+          </a:p>
+          <a:p>
+            <a:pPr>
+              <a:defRPr/>
             </a:pPr>
-            <a:endParaRPr lang="es-AR" dirty="0"/>
+            <a:r>
+              <a:rPr lang="es-ES" sz="2800" dirty="0" err="1">
+                <a:effectLst>
+                  <a:outerShdw blurRad="38100" dist="38100" dir="2700000" algn="tl">
+                    <a:srgbClr val="000000">
+                      <a:alpha val="43137"/>
+                    </a:srgbClr>
+                  </a:outerShdw>
+                </a:effectLst>
+                <a:latin typeface="Franklin Gothic Medium" panose="020B0603020102020204" pitchFamily="34" charset="0"/>
+              </a:rPr>
+              <a:t>ForeColor</a:t>
+            </a:r>
+            <a:endParaRPr lang="es-ES" sz="2800" dirty="0">
+              <a:effectLst>
+                <a:outerShdw blurRad="38100" dist="38100" dir="2700000" algn="tl">
+                  <a:srgbClr val="000000">
+                    <a:alpha val="43137"/>
+                  </a:srgbClr>
+                </a:outerShdw>
+              </a:effectLst>
+              <a:latin typeface="Franklin Gothic Medium" panose="020B0603020102020204" pitchFamily="34" charset="0"/>
+            </a:endParaRPr>
+          </a:p>
+          <a:p>
+            <a:pPr lvl="1">
+              <a:defRPr/>
+            </a:pPr>
+            <a:r>
+              <a:rPr lang="es-ES" dirty="0">
+                <a:effectLst>
+                  <a:outerShdw blurRad="38100" dist="38100" dir="2700000" algn="tl">
+                    <a:srgbClr val="000000">
+                      <a:alpha val="43137"/>
+                    </a:srgbClr>
+                  </a:outerShdw>
+                </a:effectLst>
+                <a:latin typeface="Franklin Gothic Medium" panose="020B0603020102020204" pitchFamily="34" charset="0"/>
+              </a:rPr>
+              <a:t>Color utilizado para mostrar texto.</a:t>
+            </a:r>
           </a:p>
         </p:txBody>
       </p:sp>
     </p:spTree>
     <p:extLst>
       <p:ext uri="{BB962C8B-B14F-4D97-AF65-F5344CB8AC3E}">
-        <p14:creationId xmlns:p14="http://schemas.microsoft.com/office/powerpoint/2010/main" val="832590568"/>
+        <p14:creationId xmlns:p14="http://schemas.microsoft.com/office/powerpoint/2010/main" val="4022272911"/>
       </p:ext>
     </p:extLst>
   </p:cSld>
   <p:clrMapOvr>
     <a:masterClrMapping/>
   </p:clrMapOvr>
-  <p:timing>
-    <p:tnLst>
-      <p:par>
-        <p:cTn id="1" dur="indefinite" restart="never" nodeType="tmRoot"/>
-      </p:par>
-    </p:tnLst>
-  </p:timing>
 </p:sld>
 </file>
 
@@ -9526,11 +9619,39 @@
           <a:lstStyle/>
           <a:p>
             <a:r>
-              <a:rPr lang="es-AR" dirty="0" smtClean="0"/>
-              <a:t>Controles: </a:t>
-            </a:r>
-            <a:r>
-              <a:rPr lang="es-ES" dirty="0" err="1" smtClean="0">
+              <a:rPr lang="es-AR" dirty="0"/>
+              <a:t>Propiedades</a:t>
+            </a:r>
+          </a:p>
+        </p:txBody>
+      </p:sp>
+      <p:sp>
+        <p:nvSpPr>
+          <p:cNvPr id="3" name="Marcador de contenido 2"/>
+          <p:cNvSpPr>
+            <a:spLocks noGrp="1"/>
+          </p:cNvSpPr>
+          <p:nvPr>
+            <p:ph idx="1"/>
+          </p:nvPr>
+        </p:nvSpPr>
+        <p:spPr>
+          <a:xfrm>
+            <a:off x="680321" y="2336873"/>
+            <a:ext cx="9613861" cy="4323234"/>
+          </a:xfrm>
+        </p:spPr>
+        <p:txBody>
+          <a:bodyPr>
+            <a:normAutofit/>
+          </a:bodyPr>
+          <a:lstStyle/>
+          <a:p>
+            <a:pPr>
+              <a:defRPr/>
+            </a:pPr>
+            <a:r>
+              <a:rPr lang="es-ES" sz="2800" dirty="0" err="1">
                 <a:effectLst>
                   <a:outerShdw blurRad="38100" dist="38100" dir="2700000" algn="tl">
                     <a:srgbClr val="000000">
@@ -9540,77 +9661,9 @@
                 </a:effectLst>
                 <a:latin typeface="Franklin Gothic Medium" panose="020B0603020102020204" pitchFamily="34" charset="0"/>
               </a:rPr>
-              <a:t>RadioButton</a:t>
-            </a:r>
-            <a:r>
-              <a:rPr lang="es-ES" dirty="0" smtClean="0">
-                <a:effectLst>
-                  <a:outerShdw blurRad="38100" dist="38100" dir="2700000" algn="tl">
-                    <a:srgbClr val="000000">
-                      <a:alpha val="43137"/>
-                    </a:srgbClr>
-                  </a:outerShdw>
-                </a:effectLst>
-                <a:latin typeface="Franklin Gothic Medium" panose="020B0603020102020204" pitchFamily="34" charset="0"/>
-              </a:rPr>
-              <a:t> y </a:t>
-            </a:r>
-            <a:r>
-              <a:rPr lang="es-ES" dirty="0" err="1" smtClean="0">
-                <a:effectLst>
-                  <a:outerShdw blurRad="38100" dist="38100" dir="2700000" algn="tl">
-                    <a:srgbClr val="000000">
-                      <a:alpha val="43137"/>
-                    </a:srgbClr>
-                  </a:outerShdw>
-                </a:effectLst>
-                <a:latin typeface="Franklin Gothic Medium" panose="020B0603020102020204" pitchFamily="34" charset="0"/>
-              </a:rPr>
-              <a:t>GroupBox</a:t>
-            </a:r>
-            <a:endParaRPr lang="es-AR" dirty="0"/>
-          </a:p>
-        </p:txBody>
-      </p:sp>
-      <p:sp>
-        <p:nvSpPr>
-          <p:cNvPr id="3" name="Marcador de contenido 2"/>
-          <p:cNvSpPr>
-            <a:spLocks noGrp="1"/>
-          </p:cNvSpPr>
-          <p:nvPr>
-            <p:ph idx="1"/>
-          </p:nvPr>
-        </p:nvSpPr>
-        <p:spPr>
-          <a:xfrm>
-            <a:off x="680321" y="2336873"/>
-            <a:ext cx="9613861" cy="3886506"/>
-          </a:xfrm>
-        </p:spPr>
-        <p:txBody>
-          <a:bodyPr>
-            <a:normAutofit/>
-          </a:bodyPr>
-          <a:lstStyle/>
-          <a:p>
-            <a:pPr>
-              <a:defRPr/>
-            </a:pPr>
-            <a:r>
-              <a:rPr lang="es-ES" sz="2800" dirty="0" err="1" smtClean="0">
-                <a:effectLst>
-                  <a:outerShdw blurRad="38100" dist="38100" dir="2700000" algn="tl">
-                    <a:srgbClr val="000000">
-                      <a:alpha val="43137"/>
-                    </a:srgbClr>
-                  </a:outerShdw>
-                </a:effectLst>
-                <a:latin typeface="Franklin Gothic Medium" panose="020B0603020102020204" pitchFamily="34" charset="0"/>
-              </a:rPr>
-              <a:t>RadioButton</a:t>
-            </a:r>
-            <a:endParaRPr lang="es-ES" sz="2800" dirty="0" smtClean="0">
+              <a:t>Locked</a:t>
+            </a:r>
+            <a:endParaRPr lang="es-ES" sz="2800" dirty="0">
               <a:effectLst>
                 <a:outerShdw blurRad="38100" dist="38100" dir="2700000" algn="tl">
                   <a:srgbClr val="000000">
@@ -9626,7 +9679,7 @@
               <a:defRPr/>
             </a:pPr>
             <a:r>
-              <a:rPr lang="es-ES" sz="2400" dirty="0">
+              <a:rPr lang="es-ES" dirty="0">
                 <a:effectLst>
                   <a:outerShdw blurRad="38100" dist="38100" dir="2700000" algn="tl">
                     <a:srgbClr val="000000">
@@ -9636,10 +9689,15 @@
                 </a:effectLst>
                 <a:latin typeface="Franklin Gothic Medium" panose="020B0603020102020204" pitchFamily="34" charset="0"/>
               </a:rPr>
-              <a:t>Los controles </a:t>
-            </a:r>
-            <a:r>
-              <a:rPr lang="es-ES" sz="2400" dirty="0" err="1">
+              <a:t>Determina si se puede mover o cambiar de tamaño el control.</a:t>
+            </a:r>
+          </a:p>
+          <a:p>
+            <a:pPr>
+              <a:defRPr/>
+            </a:pPr>
+            <a:r>
+              <a:rPr lang="es-ES" sz="2800" dirty="0" err="1">
                 <a:effectLst>
                   <a:outerShdw blurRad="38100" dist="38100" dir="2700000" algn="tl">
                     <a:srgbClr val="000000">
@@ -9649,10 +9707,10 @@
                 </a:effectLst>
                 <a:latin typeface="Franklin Gothic Medium" panose="020B0603020102020204" pitchFamily="34" charset="0"/>
               </a:rPr>
-              <a:t>RadioButton</a:t>
-            </a:r>
-            <a:r>
-              <a:rPr lang="es-ES" sz="2400" dirty="0">
+              <a:t>Modifiers</a:t>
+            </a:r>
+            <a:r>
+              <a:rPr lang="es-ES" sz="2800" dirty="0">
                 <a:effectLst>
                   <a:outerShdw blurRad="38100" dist="38100" dir="2700000" algn="tl">
                     <a:srgbClr val="000000">
@@ -9662,9 +9720,45 @@
                 </a:effectLst>
                 <a:latin typeface="Franklin Gothic Medium" panose="020B0603020102020204" pitchFamily="34" charset="0"/>
               </a:rPr>
-              <a:t> nos permiten definir conjuntos de opciones auto excluyentes, de modo que situando varios controles de este tipo en un formulario, sólo podremos tener seleccionado uno en cada ocasión. </a:t>
-            </a:r>
-            <a:endParaRPr lang="es-ES" sz="2400" dirty="0" smtClean="0">
+              <a:t> </a:t>
+            </a:r>
+          </a:p>
+          <a:p>
+            <a:pPr lvl="1">
+              <a:defRPr/>
+            </a:pPr>
+            <a:r>
+              <a:rPr lang="es-ES" dirty="0">
+                <a:effectLst>
+                  <a:outerShdw blurRad="38100" dist="38100" dir="2700000" algn="tl">
+                    <a:srgbClr val="000000">
+                      <a:alpha val="43137"/>
+                    </a:srgbClr>
+                  </a:outerShdw>
+                </a:effectLst>
+                <a:latin typeface="Franklin Gothic Medium" panose="020B0603020102020204" pitchFamily="34" charset="0"/>
+              </a:rPr>
+              <a:t>Indica el nivel de visibilidad del objeto.</a:t>
+            </a:r>
+          </a:p>
+          <a:p>
+            <a:pPr>
+              <a:defRPr/>
+            </a:pPr>
+            <a:r>
+              <a:rPr lang="es-ES" sz="2800" dirty="0" err="1">
+                <a:effectLst>
+                  <a:outerShdw blurRad="38100" dist="38100" dir="2700000" algn="tl">
+                    <a:srgbClr val="000000">
+                      <a:alpha val="43137"/>
+                    </a:srgbClr>
+                  </a:outerShdw>
+                </a:effectLst>
+                <a:latin typeface="Franklin Gothic Medium" panose="020B0603020102020204" pitchFamily="34" charset="0"/>
+              </a:rPr>
+              <a:t>TabIndex</a:t>
+            </a:r>
+            <a:endParaRPr lang="es-ES" sz="2800" dirty="0">
               <a:effectLst>
                 <a:outerShdw blurRad="38100" dist="38100" dir="2700000" algn="tl">
                   <a:srgbClr val="000000">
@@ -9679,20 +9773,8 @@
             <a:pPr lvl="1">
               <a:defRPr/>
             </a:pPr>
-            <a:endParaRPr lang="es-ES" dirty="0">
-              <a:effectLst>
-                <a:outerShdw blurRad="38100" dist="38100" dir="2700000" algn="tl">
-                  <a:srgbClr val="000000">
-                    <a:alpha val="43137"/>
-                  </a:srgbClr>
-                </a:outerShdw>
-              </a:effectLst>
-              <a:latin typeface="Franklin Gothic Medium" panose="020B0603020102020204" pitchFamily="34" charset="0"/>
-            </a:endParaRPr>
-          </a:p>
-          <a:p>
-            <a:r>
-              <a:rPr lang="es-AR" sz="2800" dirty="0" err="1" smtClean="0">
+            <a:r>
+              <a:rPr lang="es-ES" dirty="0">
                 <a:effectLst>
                   <a:outerShdw blurRad="38100" dist="38100" dir="2700000" algn="tl">
                     <a:srgbClr val="000000">
@@ -9702,23 +9784,15 @@
                 </a:effectLst>
                 <a:latin typeface="Franklin Gothic Medium" panose="020B0603020102020204" pitchFamily="34" charset="0"/>
               </a:rPr>
-              <a:t>GroupBox</a:t>
-            </a:r>
-            <a:endParaRPr lang="es-AR" sz="2800" dirty="0" smtClean="0">
-              <a:effectLst>
-                <a:outerShdw blurRad="38100" dist="38100" dir="2700000" algn="tl">
-                  <a:srgbClr val="000000">
-                    <a:alpha val="43137"/>
-                  </a:srgbClr>
-                </a:outerShdw>
-              </a:effectLst>
-              <a:latin typeface="Franklin Gothic Medium" panose="020B0603020102020204" pitchFamily="34" charset="0"/>
-            </a:endParaRPr>
-          </a:p>
-          <a:p>
-            <a:pPr lvl="1"/>
-            <a:r>
-              <a:rPr lang="es-ES" sz="2400" dirty="0">
+              <a:t>Determina el índice del orden de tabulación que ocupará este control.</a:t>
+            </a:r>
+          </a:p>
+          <a:p>
+            <a:pPr>
+              <a:defRPr/>
+            </a:pPr>
+            <a:r>
+              <a:rPr lang="es-ES" sz="2800" dirty="0">
                 <a:effectLst>
                   <a:outerShdw blurRad="38100" dist="38100" dir="2700000" algn="tl">
                     <a:srgbClr val="000000">
@@ -9728,10 +9802,15 @@
                 </a:effectLst>
                 <a:latin typeface="Franklin Gothic Medium" panose="020B0603020102020204" pitchFamily="34" charset="0"/>
               </a:rPr>
-              <a:t>Permite agrupar controles en su interior, tanto </a:t>
-            </a:r>
-            <a:r>
-              <a:rPr lang="es-ES" sz="2400" dirty="0" err="1">
+              <a:t>Text</a:t>
+            </a:r>
+          </a:p>
+          <a:p>
+            <a:pPr lvl="1">
+              <a:defRPr/>
+            </a:pPr>
+            <a:r>
+              <a:rPr lang="es-ES" dirty="0">
                 <a:effectLst>
                   <a:outerShdw blurRad="38100" dist="38100" dir="2700000" algn="tl">
                     <a:srgbClr val="000000">
@@ -9741,10 +9820,15 @@
                 </a:effectLst>
                 <a:latin typeface="Franklin Gothic Medium" panose="020B0603020102020204" pitchFamily="34" charset="0"/>
               </a:rPr>
-              <a:t>RadioButton</a:t>
-            </a:r>
-            <a:r>
-              <a:rPr lang="es-ES" sz="2400" dirty="0">
+              <a:t>Texto asociado al control.</a:t>
+            </a:r>
+          </a:p>
+          <a:p>
+            <a:pPr>
+              <a:defRPr/>
+            </a:pPr>
+            <a:r>
+              <a:rPr lang="es-ES" sz="2800" dirty="0">
                 <a:effectLst>
                   <a:outerShdw blurRad="38100" dist="38100" dir="2700000" algn="tl">
                     <a:srgbClr val="000000">
@@ -9754,10 +9838,15 @@
                 </a:effectLst>
                 <a:latin typeface="Franklin Gothic Medium" panose="020B0603020102020204" pitchFamily="34" charset="0"/>
               </a:rPr>
-              <a:t> como de otro tipo, ya que se trata de un control </a:t>
-            </a:r>
-            <a:r>
-              <a:rPr lang="es-ES" sz="2400" dirty="0" smtClean="0">
+              <a:t>Visible</a:t>
+            </a:r>
+          </a:p>
+          <a:p>
+            <a:pPr lvl="1">
+              <a:defRPr/>
+            </a:pPr>
+            <a:r>
+              <a:rPr lang="es-ES" dirty="0">
                 <a:effectLst>
                   <a:outerShdw blurRad="38100" dist="38100" dir="2700000" algn="tl">
                     <a:srgbClr val="000000">
@@ -9767,41 +9856,21 @@
                 </a:effectLst>
                 <a:latin typeface="Franklin Gothic Medium" panose="020B0603020102020204" pitchFamily="34" charset="0"/>
               </a:rPr>
-              <a:t>contenedor.</a:t>
-            </a:r>
-            <a:endParaRPr lang="es-ES" sz="2400" dirty="0">
-              <a:solidFill>
-                <a:srgbClr val="FFFFFF"/>
-              </a:solidFill>
-              <a:effectLst>
-                <a:outerShdw blurRad="38100" dist="38100" dir="2700000" algn="tl">
-                  <a:srgbClr val="000000">
-                    <a:alpha val="43137"/>
-                  </a:srgbClr>
-                </a:outerShdw>
-              </a:effectLst>
-              <a:latin typeface="Franklin Gothic Medium" panose="020B0603020102020204" pitchFamily="34" charset="0"/>
-            </a:endParaRPr>
+              <a:t>Determina si el control esta visible u oculto.</a:t>
+            </a:r>
           </a:p>
         </p:txBody>
       </p:sp>
     </p:spTree>
     <p:extLst>
       <p:ext uri="{BB962C8B-B14F-4D97-AF65-F5344CB8AC3E}">
-        <p14:creationId xmlns:p14="http://schemas.microsoft.com/office/powerpoint/2010/main" val="2010428536"/>
+        <p14:creationId xmlns:p14="http://schemas.microsoft.com/office/powerpoint/2010/main" val="3642159934"/>
       </p:ext>
     </p:extLst>
   </p:cSld>
   <p:clrMapOvr>
     <a:masterClrMapping/>
   </p:clrMapOvr>
-  <p:timing>
-    <p:tnLst>
-      <p:par>
-        <p:cTn id="1" dur="indefinite" restart="never" nodeType="tmRoot"/>
-      </p:par>
-    </p:tnLst>
-  </p:timing>
 </p:sld>
 </file>
 
@@ -9843,7 +9912,7 @@
             </a:r>
             <a:r>
               <a:rPr lang="es-AR" dirty="0" err="1"/>
-              <a:t>ListBox</a:t>
+              <a:t>CheckBox</a:t>
             </a:r>
             <a:endParaRPr lang="es-AR" dirty="0"/>
           </a:p>
@@ -9867,7 +9936,7 @@
         </p:spPr>
         <p:txBody>
           <a:bodyPr>
-            <a:normAutofit/>
+            <a:normAutofit lnSpcReduction="10000"/>
           </a:bodyPr>
           <a:lstStyle/>
           <a:p>
@@ -9875,7 +9944,7 @@
               <a:defRPr/>
             </a:pPr>
             <a:r>
-              <a:rPr lang="es-ES" sz="2800" dirty="0" err="1" smtClean="0">
+              <a:rPr lang="es-ES" sz="2800" dirty="0" err="1">
                 <a:effectLst>
                   <a:outerShdw blurRad="38100" dist="38100" dir="2700000" algn="tl">
                     <a:srgbClr val="000000">
@@ -9885,9 +9954,9 @@
                 </a:effectLst>
                 <a:latin typeface="Franklin Gothic Medium" panose="020B0603020102020204" pitchFamily="34" charset="0"/>
               </a:rPr>
-              <a:t>ListBox</a:t>
-            </a:r>
-            <a:endParaRPr lang="es-ES" sz="2800" dirty="0" smtClean="0">
+              <a:t>CheckBox</a:t>
+            </a:r>
+            <a:endParaRPr lang="es-ES" sz="2800" dirty="0">
               <a:effectLst>
                 <a:outerShdw blurRad="38100" dist="38100" dir="2700000" algn="tl">
                   <a:srgbClr val="000000">
@@ -9903,7 +9972,7 @@
               <a:defRPr/>
             </a:pPr>
             <a:r>
-              <a:rPr lang="es-ES" sz="2400" dirty="0">
+              <a:rPr lang="es-ES" sz="2600" dirty="0">
                 <a:effectLst>
                   <a:outerShdw blurRad="38100" dist="38100" dir="2700000" algn="tl">
                     <a:srgbClr val="000000">
@@ -9913,53 +9982,14 @@
                 </a:effectLst>
                 <a:latin typeface="Franklin Gothic Medium" panose="020B0603020102020204" pitchFamily="34" charset="0"/>
               </a:rPr>
-              <a:t>Un control </a:t>
-            </a:r>
-            <a:r>
-              <a:rPr lang="es-ES" sz="2400" dirty="0" err="1">
-                <a:effectLst>
-                  <a:outerShdw blurRad="38100" dist="38100" dir="2700000" algn="tl">
-                    <a:srgbClr val="000000">
-                      <a:alpha val="43137"/>
-                    </a:srgbClr>
-                  </a:outerShdw>
-                </a:effectLst>
-                <a:latin typeface="Franklin Gothic Medium" panose="020B0603020102020204" pitchFamily="34" charset="0"/>
-              </a:rPr>
-              <a:t>ListBox</a:t>
-            </a:r>
-            <a:r>
-              <a:rPr lang="es-ES" sz="2400" dirty="0">
-                <a:effectLst>
-                  <a:outerShdw blurRad="38100" dist="38100" dir="2700000" algn="tl">
-                    <a:srgbClr val="000000">
-                      <a:alpha val="43137"/>
-                    </a:srgbClr>
-                  </a:outerShdw>
-                </a:effectLst>
-                <a:latin typeface="Franklin Gothic Medium" panose="020B0603020102020204" pitchFamily="34" charset="0"/>
-              </a:rPr>
-              <a:t> contiene una lista de valores, de los cuales, el usuario puede seleccionar uno o varios simultáneamente</a:t>
-            </a:r>
-            <a:r>
-              <a:rPr lang="es-ES" sz="2400" dirty="0" smtClean="0">
-                <a:effectLst>
-                  <a:outerShdw blurRad="38100" dist="38100" dir="2700000" algn="tl">
-                    <a:srgbClr val="000000">
-                      <a:alpha val="43137"/>
-                    </a:srgbClr>
-                  </a:outerShdw>
-                </a:effectLst>
-                <a:latin typeface="Franklin Gothic Medium" panose="020B0603020102020204" pitchFamily="34" charset="0"/>
-              </a:rPr>
-              <a:t>.</a:t>
-            </a:r>
-          </a:p>
-          <a:p>
-            <a:pPr lvl="1">
+              <a:t>Este control muestra una casilla de verificación, que podemos marcar para establecer un estado. </a:t>
+            </a:r>
+          </a:p>
+          <a:p>
+            <a:pPr>
               <a:defRPr/>
             </a:pPr>
-            <a:endParaRPr lang="es-ES" dirty="0">
+            <a:endParaRPr lang="es-ES" sz="2600" dirty="0">
               <a:effectLst>
                 <a:outerShdw blurRad="38100" dist="38100" dir="2700000" algn="tl">
                   <a:srgbClr val="000000">
@@ -9975,7 +10005,7 @@
               <a:defRPr/>
             </a:pPr>
             <a:r>
-              <a:rPr lang="es-ES" sz="2400" b="1" dirty="0" err="1">
+              <a:rPr lang="es-ES" sz="2600" dirty="0">
                 <a:effectLst>
                   <a:outerShdw blurRad="38100" dist="38100" dir="2700000" algn="tl">
                     <a:srgbClr val="000000">
@@ -9985,10 +10015,10 @@
                 </a:effectLst>
                 <a:latin typeface="Franklin Gothic Medium" panose="020B0603020102020204" pitchFamily="34" charset="0"/>
               </a:rPr>
-              <a:t>Items</a:t>
-            </a:r>
-            <a:r>
-              <a:rPr lang="es-ES" sz="2400" b="1" dirty="0">
+              <a:t>Generalmente el estado de un </a:t>
+            </a:r>
+            <a:r>
+              <a:rPr lang="es-ES" sz="2600" dirty="0" err="1">
                 <a:effectLst>
                   <a:outerShdw blurRad="38100" dist="38100" dir="2700000" algn="tl">
                     <a:srgbClr val="000000">
@@ -9998,10 +10028,10 @@
                 </a:effectLst>
                 <a:latin typeface="Franklin Gothic Medium" panose="020B0603020102020204" pitchFamily="34" charset="0"/>
               </a:rPr>
-              <a:t>. </a:t>
-            </a:r>
-            <a:r>
-              <a:rPr lang="es-ES" sz="2400" dirty="0">
+              <a:t>CheckBox</a:t>
+            </a:r>
+            <a:r>
+              <a:rPr lang="es-ES" sz="2600" dirty="0">
                 <a:effectLst>
                   <a:outerShdw blurRad="38100" dist="38100" dir="2700000" algn="tl">
                     <a:srgbClr val="000000">
@@ -10011,93 +10041,27 @@
                 </a:effectLst>
                 <a:latin typeface="Franklin Gothic Medium" panose="020B0603020102020204" pitchFamily="34" charset="0"/>
               </a:rPr>
-              <a:t>Contiene la lista de valores que visualiza el control. Se trata de un tipo </a:t>
-            </a:r>
-            <a:r>
-              <a:rPr lang="es-ES" sz="2400" dirty="0" err="1">
-                <a:effectLst>
-                  <a:outerShdw blurRad="38100" dist="38100" dir="2700000" algn="tl">
-                    <a:srgbClr val="000000">
-                      <a:alpha val="43137"/>
-                    </a:srgbClr>
-                  </a:outerShdw>
-                </a:effectLst>
-                <a:latin typeface="Franklin Gothic Medium" panose="020B0603020102020204" pitchFamily="34" charset="0"/>
-              </a:rPr>
-              <a:t>ListBox.ObjectCollection</a:t>
-            </a:r>
-            <a:r>
-              <a:rPr lang="es-ES" sz="2400" dirty="0">
-                <a:effectLst>
-                  <a:outerShdw blurRad="38100" dist="38100" dir="2700000" algn="tl">
-                    <a:srgbClr val="000000">
-                      <a:alpha val="43137"/>
-                    </a:srgbClr>
-                  </a:outerShdw>
-                </a:effectLst>
-                <a:latin typeface="Franklin Gothic Medium" panose="020B0603020102020204" pitchFamily="34" charset="0"/>
-              </a:rPr>
-              <a:t>, de manera que el contenido de la lista puede ser tanto tipo cadena, numéricos u objetos de distintas clases.  </a:t>
-            </a:r>
-          </a:p>
-          <a:p>
-            <a:pPr lvl="1">
-              <a:defRPr/>
+              <a:t> es marcado (verdadero) o desmarcado (falso), sin embargo, podemos configurar el control para que sea detectado un tercer estado, que se denomina indeterminado, en el cual, el control se muestra con la marca en la casilla pero en un color de tono gris. </a:t>
+            </a:r>
+          </a:p>
+          <a:p>
+            <a:pPr marL="0" indent="0">
+              <a:buNone/>
             </a:pPr>
-            <a:r>
-              <a:rPr lang="es-ES" sz="2400" b="1" dirty="0" err="1">
-                <a:effectLst>
-                  <a:outerShdw blurRad="38100" dist="38100" dir="2700000" algn="tl">
-                    <a:srgbClr val="000000">
-                      <a:alpha val="43137"/>
-                    </a:srgbClr>
-                  </a:outerShdw>
-                </a:effectLst>
-                <a:latin typeface="Franklin Gothic Medium" panose="020B0603020102020204" pitchFamily="34" charset="0"/>
-              </a:rPr>
-              <a:t>SelectionMode</a:t>
-            </a:r>
-            <a:r>
-              <a:rPr lang="es-ES" sz="2400" dirty="0">
-                <a:effectLst>
-                  <a:outerShdw blurRad="38100" dist="38100" dir="2700000" algn="tl">
-                    <a:srgbClr val="000000">
-                      <a:alpha val="43137"/>
-                    </a:srgbClr>
-                  </a:outerShdw>
-                </a:effectLst>
-                <a:latin typeface="Franklin Gothic Medium" panose="020B0603020102020204" pitchFamily="34" charset="0"/>
-              </a:rPr>
-              <a:t>. Establece el modo en el que se pueden seleccionar los elementos de la lista.   </a:t>
-            </a:r>
-          </a:p>
-          <a:p>
-            <a:pPr lvl="1"/>
-            <a:endParaRPr lang="es-ES" sz="2400" dirty="0">
-              <a:solidFill>
-                <a:srgbClr val="FFFFFF"/>
-              </a:solidFill>
-            </a:endParaRPr>
+            <a:endParaRPr lang="es-AR" dirty="0"/>
           </a:p>
         </p:txBody>
       </p:sp>
     </p:spTree>
     <p:extLst>
       <p:ext uri="{BB962C8B-B14F-4D97-AF65-F5344CB8AC3E}">
-        <p14:creationId xmlns:p14="http://schemas.microsoft.com/office/powerpoint/2010/main" val="2301222497"/>
+        <p14:creationId xmlns:p14="http://schemas.microsoft.com/office/powerpoint/2010/main" val="832590568"/>
       </p:ext>
     </p:extLst>
   </p:cSld>
   <p:clrMapOvr>
     <a:masterClrMapping/>
   </p:clrMapOvr>
-  <p:timing>
-    <p:tnLst>
-      <p:par>
-        <p:cTn id="1" dur="indefinite" restart="never" nodeType="tmRoot"/>
-      </p:par>
-    </p:tnLst>
-  </p:timing>
 </p:sld>
 </file>
 
@@ -10134,34 +10098,11 @@
           <a:lstStyle/>
           <a:p>
             <a:r>
-              <a:rPr lang="es-AR" dirty="0" smtClean="0"/>
+              <a:rPr lang="es-AR" dirty="0"/>
               <a:t>Controles: </a:t>
             </a:r>
             <a:r>
-              <a:rPr lang="es-AR" dirty="0" err="1" smtClean="0"/>
-              <a:t>ListBox</a:t>
-            </a:r>
-            <a:endParaRPr lang="es-AR" dirty="0"/>
-          </a:p>
-        </p:txBody>
-      </p:sp>
-      <p:sp>
-        <p:nvSpPr>
-          <p:cNvPr id="3" name="Marcador de contenido 2"/>
-          <p:cNvSpPr>
-            <a:spLocks noGrp="1"/>
-          </p:cNvSpPr>
-          <p:nvPr>
-            <p:ph idx="1"/>
-          </p:nvPr>
-        </p:nvSpPr>
-        <p:spPr/>
-        <p:txBody>
-          <a:bodyPr/>
-          <a:lstStyle/>
-          <a:p>
-            <a:r>
-              <a:rPr lang="es-AR" sz="2800" dirty="0" err="1" smtClean="0">
+              <a:rPr lang="es-ES" dirty="0" err="1">
                 <a:effectLst>
                   <a:outerShdw blurRad="38100" dist="38100" dir="2700000" algn="tl">
                     <a:srgbClr val="000000">
@@ -10171,9 +10112,77 @@
                 </a:effectLst>
                 <a:latin typeface="Franklin Gothic Medium" panose="020B0603020102020204" pitchFamily="34" charset="0"/>
               </a:rPr>
-              <a:t>SelectionMode</a:t>
-            </a:r>
-            <a:endParaRPr lang="es-AR" sz="2800" dirty="0" smtClean="0">
+              <a:t>RadioButton</a:t>
+            </a:r>
+            <a:r>
+              <a:rPr lang="es-ES" dirty="0">
+                <a:effectLst>
+                  <a:outerShdw blurRad="38100" dist="38100" dir="2700000" algn="tl">
+                    <a:srgbClr val="000000">
+                      <a:alpha val="43137"/>
+                    </a:srgbClr>
+                  </a:outerShdw>
+                </a:effectLst>
+                <a:latin typeface="Franklin Gothic Medium" panose="020B0603020102020204" pitchFamily="34" charset="0"/>
+              </a:rPr>
+              <a:t> y </a:t>
+            </a:r>
+            <a:r>
+              <a:rPr lang="es-ES" dirty="0" err="1">
+                <a:effectLst>
+                  <a:outerShdw blurRad="38100" dist="38100" dir="2700000" algn="tl">
+                    <a:srgbClr val="000000">
+                      <a:alpha val="43137"/>
+                    </a:srgbClr>
+                  </a:outerShdw>
+                </a:effectLst>
+                <a:latin typeface="Franklin Gothic Medium" panose="020B0603020102020204" pitchFamily="34" charset="0"/>
+              </a:rPr>
+              <a:t>GroupBox</a:t>
+            </a:r>
+            <a:endParaRPr lang="es-AR" dirty="0"/>
+          </a:p>
+        </p:txBody>
+      </p:sp>
+      <p:sp>
+        <p:nvSpPr>
+          <p:cNvPr id="3" name="Marcador de contenido 2"/>
+          <p:cNvSpPr>
+            <a:spLocks noGrp="1"/>
+          </p:cNvSpPr>
+          <p:nvPr>
+            <p:ph idx="1"/>
+          </p:nvPr>
+        </p:nvSpPr>
+        <p:spPr>
+          <a:xfrm>
+            <a:off x="680321" y="2336873"/>
+            <a:ext cx="9613861" cy="3886506"/>
+          </a:xfrm>
+        </p:spPr>
+        <p:txBody>
+          <a:bodyPr>
+            <a:normAutofit/>
+          </a:bodyPr>
+          <a:lstStyle/>
+          <a:p>
+            <a:pPr>
+              <a:defRPr/>
+            </a:pPr>
+            <a:r>
+              <a:rPr lang="es-ES" sz="2800" dirty="0" err="1">
+                <a:effectLst>
+                  <a:outerShdw blurRad="38100" dist="38100" dir="2700000" algn="tl">
+                    <a:srgbClr val="000000">
+                      <a:alpha val="43137"/>
+                    </a:srgbClr>
+                  </a:outerShdw>
+                </a:effectLst>
+                <a:latin typeface="Franklin Gothic Medium" panose="020B0603020102020204" pitchFamily="34" charset="0"/>
+              </a:rPr>
+              <a:t>RadioButton</a:t>
+            </a:r>
+            <a:endParaRPr lang="es-ES" sz="2800" dirty="0">
               <a:effectLst>
                 <a:outerShdw blurRad="38100" dist="38100" dir="2700000" algn="tl">
                   <a:srgbClr val="000000">
@@ -10189,19 +10198,6 @@
               <a:defRPr/>
             </a:pPr>
             <a:r>
-              <a:rPr lang="es-ES" sz="2400" b="1" dirty="0" err="1">
-                <a:effectLst>
-                  <a:outerShdw blurRad="38100" dist="38100" dir="2700000" algn="tl">
-                    <a:srgbClr val="000000">
-                      <a:alpha val="43137"/>
-                    </a:srgbClr>
-                  </a:outerShdw>
-                </a:effectLst>
-                <a:latin typeface="Franklin Gothic Medium" panose="020B0603020102020204" pitchFamily="34" charset="0"/>
-              </a:rPr>
-              <a:t>None</a:t>
-            </a:r>
-            <a:r>
               <a:rPr lang="es-ES" sz="2400" dirty="0">
                 <a:effectLst>
                   <a:outerShdw blurRad="38100" dist="38100" dir="2700000" algn="tl">
@@ -10212,15 +10208,10 @@
                 </a:effectLst>
                 <a:latin typeface="Franklin Gothic Medium" panose="020B0603020102020204" pitchFamily="34" charset="0"/>
               </a:rPr>
-              <a:t>, no se realizará selección.   </a:t>
-            </a:r>
-          </a:p>
-          <a:p>
-            <a:pPr lvl="1">
-              <a:defRPr/>
-            </a:pPr>
-            <a:r>
-              <a:rPr lang="es-ES" sz="2400" b="1" dirty="0" err="1">
+              <a:t>Los controles </a:t>
+            </a:r>
+            <a:r>
+              <a:rPr lang="es-ES" sz="2400" dirty="0" err="1">
                 <a:effectLst>
                   <a:outerShdw blurRad="38100" dist="38100" dir="2700000" algn="tl">
                     <a:srgbClr val="000000">
@@ -10230,7 +10221,7 @@
                 </a:effectLst>
                 <a:latin typeface="Franklin Gothic Medium" panose="020B0603020102020204" pitchFamily="34" charset="0"/>
               </a:rPr>
-              <a:t>One</a:t>
+              <a:t>RadioButton</a:t>
             </a:r>
             <a:r>
               <a:rPr lang="es-ES" sz="2400" dirty="0">
@@ -10243,15 +10234,27 @@
                 </a:effectLst>
                 <a:latin typeface="Franklin Gothic Medium" panose="020B0603020102020204" pitchFamily="34" charset="0"/>
               </a:rPr>
-              <a:t>, permite seleccionar los valores uno a uno. </a:t>
+              <a:t> nos permiten definir conjuntos de opciones auto excluyentes, de modo que situando varios controles de este tipo en un formulario, sólo podremos tener seleccionado uno en cada ocasión. </a:t>
             </a:r>
           </a:p>
           <a:p>
             <a:pPr lvl="1">
               <a:defRPr/>
             </a:pPr>
-            <a:r>
-              <a:rPr lang="es-ES" sz="2400" b="1" dirty="0" err="1">
+            <a:endParaRPr lang="es-ES" dirty="0">
+              <a:effectLst>
+                <a:outerShdw blurRad="38100" dist="38100" dir="2700000" algn="tl">
+                  <a:srgbClr val="000000">
+                    <a:alpha val="43137"/>
+                  </a:srgbClr>
+                </a:outerShdw>
+              </a:effectLst>
+              <a:latin typeface="Franklin Gothic Medium" panose="020B0603020102020204" pitchFamily="34" charset="0"/>
+            </a:endParaRPr>
+          </a:p>
+          <a:p>
+            <a:r>
+              <a:rPr lang="es-AR" sz="2800" dirty="0" err="1">
                 <a:effectLst>
                   <a:outerShdw blurRad="38100" dist="38100" dir="2700000" algn="tl">
                     <a:srgbClr val="000000">
@@ -10261,8 +10264,21 @@
                 </a:effectLst>
                 <a:latin typeface="Franklin Gothic Medium" panose="020B0603020102020204" pitchFamily="34" charset="0"/>
               </a:rPr>
-              <a:t>MultiSimple</a:t>
-            </a:r>
+              <a:t>GroupBox</a:t>
+            </a:r>
+            <a:endParaRPr lang="es-AR" sz="2800" dirty="0">
+              <a:effectLst>
+                <a:outerShdw blurRad="38100" dist="38100" dir="2700000" algn="tl">
+                  <a:srgbClr val="000000">
+                    <a:alpha val="43137"/>
+                  </a:srgbClr>
+                </a:outerShdw>
+              </a:effectLst>
+              <a:latin typeface="Franklin Gothic Medium" panose="020B0603020102020204" pitchFamily="34" charset="0"/>
+            </a:endParaRPr>
+          </a:p>
+          <a:p>
+            <a:pPr lvl="1"/>
             <a:r>
               <a:rPr lang="es-ES" sz="2400" dirty="0">
                 <a:effectLst>
@@ -10274,15 +10290,10 @@
                 </a:effectLst>
                 <a:latin typeface="Franklin Gothic Medium" panose="020B0603020102020204" pitchFamily="34" charset="0"/>
               </a:rPr>
-              <a:t> permite seleccionar múltiples valores de la lista pero debemos seleccionarlos independientemente.  </a:t>
-            </a:r>
-          </a:p>
-          <a:p>
-            <a:pPr lvl="1">
-              <a:defRPr/>
-            </a:pPr>
-            <a:r>
-              <a:rPr lang="es-ES" sz="2400" b="1" dirty="0" err="1">
+              <a:t>Permite agrupar controles en su interior, tanto </a:t>
+            </a:r>
+            <a:r>
+              <a:rPr lang="es-ES" sz="2400" dirty="0" err="1">
                 <a:effectLst>
                   <a:outerShdw blurRad="38100" dist="38100" dir="2700000" algn="tl">
                     <a:srgbClr val="000000">
@@ -10292,7 +10303,7 @@
                 </a:effectLst>
                 <a:latin typeface="Franklin Gothic Medium" panose="020B0603020102020204" pitchFamily="34" charset="0"/>
               </a:rPr>
-              <a:t>MultiExtended</a:t>
+              <a:t>RadioButton</a:t>
             </a:r>
             <a:r>
               <a:rPr lang="es-ES" sz="2400" dirty="0">
@@ -10305,9 +10316,12 @@
                 </a:effectLst>
                 <a:latin typeface="Franklin Gothic Medium" panose="020B0603020102020204" pitchFamily="34" charset="0"/>
               </a:rPr>
-              <a:t> nos posibilita la selección múltiple, con la ventaja de que podemos hacer clic en un valor, y arrastrar, seleccionando en la misma operación varios elementos de la lista.</a:t>
-            </a:r>
-            <a:endParaRPr lang="es-AR" sz="2400" dirty="0">
+              <a:t> como de otro tipo, ya que se trata de un control contenedor.</a:t>
+            </a:r>
+            <a:endParaRPr lang="es-ES" sz="2400" dirty="0">
+              <a:solidFill>
+                <a:srgbClr val="FFFFFF"/>
+              </a:solidFill>
               <a:effectLst>
                 <a:outerShdw blurRad="38100" dist="38100" dir="2700000" algn="tl">
                   <a:srgbClr val="000000">
@@ -10323,20 +10337,13 @@
     </p:spTree>
     <p:extLst>
       <p:ext uri="{BB962C8B-B14F-4D97-AF65-F5344CB8AC3E}">
-        <p14:creationId xmlns:p14="http://schemas.microsoft.com/office/powerpoint/2010/main" val="1223447686"/>
+        <p14:creationId xmlns:p14="http://schemas.microsoft.com/office/powerpoint/2010/main" val="2010428536"/>
       </p:ext>
     </p:extLst>
   </p:cSld>
   <p:clrMapOvr>
     <a:masterClrMapping/>
   </p:clrMapOvr>
-  <p:timing>
-    <p:tnLst>
-      <p:par>
-        <p:cTn id="1" dur="indefinite" restart="never" nodeType="tmRoot"/>
-      </p:par>
-    </p:tnLst>
-  </p:timing>
 </p:sld>
 </file>
 
@@ -10373,12 +10380,12 @@
           <a:lstStyle/>
           <a:p>
             <a:r>
-              <a:rPr lang="es-AR" dirty="0" smtClean="0"/>
+              <a:rPr lang="es-AR" dirty="0"/>
               <a:t>Controles: </a:t>
             </a:r>
             <a:r>
               <a:rPr lang="es-AR" dirty="0" err="1"/>
-              <a:t>ComboBox</a:t>
+              <a:t>ListBox</a:t>
             </a:r>
             <a:endParaRPr lang="es-AR" dirty="0"/>
           </a:p>
@@ -10397,7 +10404,7 @@
         <p:spPr>
           <a:xfrm>
             <a:off x="680321" y="2336873"/>
-            <a:ext cx="9613861" cy="4145814"/>
+            <a:ext cx="9613861" cy="3886506"/>
           </a:xfrm>
         </p:spPr>
         <p:txBody>
@@ -10410,7 +10417,7 @@
               <a:defRPr/>
             </a:pPr>
             <a:r>
-              <a:rPr lang="es-ES" dirty="0">
+              <a:rPr lang="es-ES" sz="2800" dirty="0" err="1">
                 <a:effectLst>
                   <a:outerShdw blurRad="38100" dist="38100" dir="2700000" algn="tl">
                     <a:srgbClr val="000000">
@@ -10420,10 +10427,25 @@
                 </a:effectLst>
                 <a:latin typeface="Franklin Gothic Medium" panose="020B0603020102020204" pitchFamily="34" charset="0"/>
               </a:rPr>
-              <a:t>El </a:t>
-            </a:r>
-            <a:r>
-              <a:rPr lang="es-ES" dirty="0" err="1">
+              <a:t>ListBox</a:t>
+            </a:r>
+            <a:endParaRPr lang="es-ES" sz="2800" dirty="0">
+              <a:effectLst>
+                <a:outerShdw blurRad="38100" dist="38100" dir="2700000" algn="tl">
+                  <a:srgbClr val="000000">
+                    <a:alpha val="43137"/>
+                  </a:srgbClr>
+                </a:outerShdw>
+              </a:effectLst>
+              <a:latin typeface="Franklin Gothic Medium" panose="020B0603020102020204" pitchFamily="34" charset="0"/>
+            </a:endParaRPr>
+          </a:p>
+          <a:p>
+            <a:pPr lvl="1">
+              <a:defRPr/>
+            </a:pPr>
+            <a:r>
+              <a:rPr lang="es-ES" sz="2400" dirty="0">
                 <a:effectLst>
                   <a:outerShdw blurRad="38100" dist="38100" dir="2700000" algn="tl">
                     <a:srgbClr val="000000">
@@ -10433,10 +10455,10 @@
                 </a:effectLst>
                 <a:latin typeface="Franklin Gothic Medium" panose="020B0603020102020204" pitchFamily="34" charset="0"/>
               </a:rPr>
-              <a:t>ComboBox</a:t>
-            </a:r>
-            <a:r>
-              <a:rPr lang="es-ES" dirty="0">
+              <a:t>Un control </a:t>
+            </a:r>
+            <a:r>
+              <a:rPr lang="es-ES" sz="2400" dirty="0" err="1">
                 <a:effectLst>
                   <a:outerShdw blurRad="38100" dist="38100" dir="2700000" algn="tl">
                     <a:srgbClr val="000000">
@@ -10446,10 +10468,10 @@
                 </a:effectLst>
                 <a:latin typeface="Franklin Gothic Medium" panose="020B0603020102020204" pitchFamily="34" charset="0"/>
               </a:rPr>
-              <a:t> es un control basado en la combinación (de ahí su nombre) de dos controles: </a:t>
-            </a:r>
-            <a:r>
-              <a:rPr lang="es-ES" dirty="0" err="1">
+              <a:t>ListBox</a:t>
+            </a:r>
+            <a:r>
+              <a:rPr lang="es-ES" sz="2400" dirty="0">
                 <a:effectLst>
                   <a:outerShdw blurRad="38100" dist="38100" dir="2700000" algn="tl">
                     <a:srgbClr val="000000">
@@ -10459,50 +10481,11 @@
                 </a:effectLst>
                 <a:latin typeface="Franklin Gothic Medium" panose="020B0603020102020204" pitchFamily="34" charset="0"/>
               </a:rPr>
-              <a:t>TextBox</a:t>
-            </a:r>
-            <a:r>
-              <a:rPr lang="es-ES" dirty="0">
-                <a:effectLst>
-                  <a:outerShdw blurRad="38100" dist="38100" dir="2700000" algn="tl">
-                    <a:srgbClr val="000000">
-                      <a:alpha val="43137"/>
-                    </a:srgbClr>
-                  </a:outerShdw>
-                </a:effectLst>
-                <a:latin typeface="Franklin Gothic Medium" panose="020B0603020102020204" pitchFamily="34" charset="0"/>
-              </a:rPr>
-              <a:t> y </a:t>
-            </a:r>
-            <a:r>
-              <a:rPr lang="es-ES" dirty="0" err="1">
-                <a:effectLst>
-                  <a:outerShdw blurRad="38100" dist="38100" dir="2700000" algn="tl">
-                    <a:srgbClr val="000000">
-                      <a:alpha val="43137"/>
-                    </a:srgbClr>
-                  </a:outerShdw>
-                </a:effectLst>
-                <a:latin typeface="Franklin Gothic Medium" panose="020B0603020102020204" pitchFamily="34" charset="0"/>
-              </a:rPr>
-              <a:t>ListBox</a:t>
-            </a:r>
-            <a:r>
-              <a:rPr lang="es-ES" dirty="0">
-                <a:effectLst>
-                  <a:outerShdw blurRad="38100" dist="38100" dir="2700000" algn="tl">
-                    <a:srgbClr val="000000">
-                      <a:alpha val="43137"/>
-                    </a:srgbClr>
-                  </a:outerShdw>
-                </a:effectLst>
-                <a:latin typeface="Franklin Gothic Medium" panose="020B0603020102020204" pitchFamily="34" charset="0"/>
-              </a:rPr>
-              <a:t>. </a:t>
-            </a:r>
-          </a:p>
-          <a:p>
-            <a:pPr>
+              <a:t> contiene una lista de valores, de los cuales, el usuario puede seleccionar uno o varios simultáneamente.</a:t>
+            </a:r>
+          </a:p>
+          <a:p>
+            <a:pPr lvl="1">
               <a:defRPr/>
             </a:pPr>
             <a:endParaRPr lang="es-ES" dirty="0">
@@ -10517,11 +10500,11 @@
             </a:endParaRPr>
           </a:p>
           <a:p>
-            <a:pPr>
+            <a:pPr lvl="1">
               <a:defRPr/>
             </a:pPr>
             <a:r>
-              <a:rPr lang="es-ES" dirty="0">
+              <a:rPr lang="es-ES" sz="2400" b="1" dirty="0" err="1">
                 <a:effectLst>
                   <a:outerShdw blurRad="38100" dist="38100" dir="2700000" algn="tl">
                     <a:srgbClr val="000000">
@@ -10531,10 +10514,10 @@
                 </a:effectLst>
                 <a:latin typeface="Franklin Gothic Medium" panose="020B0603020102020204" pitchFamily="34" charset="0"/>
               </a:rPr>
-              <a:t>Un control </a:t>
-            </a:r>
-            <a:r>
-              <a:rPr lang="es-ES" dirty="0" err="1">
+              <a:t>Items</a:t>
+            </a:r>
+            <a:r>
+              <a:rPr lang="es-ES" sz="2400" b="1" dirty="0">
                 <a:effectLst>
                   <a:outerShdw blurRad="38100" dist="38100" dir="2700000" algn="tl">
                     <a:srgbClr val="000000">
@@ -10544,10 +10527,10 @@
                 </a:effectLst>
                 <a:latin typeface="Franklin Gothic Medium" panose="020B0603020102020204" pitchFamily="34" charset="0"/>
               </a:rPr>
-              <a:t>ComboBox</a:t>
-            </a:r>
-            <a:r>
-              <a:rPr lang="es-ES" dirty="0">
+              <a:t>. </a:t>
+            </a:r>
+            <a:r>
+              <a:rPr lang="es-ES" sz="2400" dirty="0">
                 <a:effectLst>
                   <a:outerShdw blurRad="38100" dist="38100" dir="2700000" algn="tl">
                     <a:srgbClr val="000000">
@@ -10557,32 +10540,10 @@
                 </a:effectLst>
                 <a:latin typeface="Franklin Gothic Medium" panose="020B0603020102020204" pitchFamily="34" charset="0"/>
               </a:rPr>
-              <a:t> dispone de una zona de edición de texto y una lista de valores, que se pueden desplegar desde el cuadro de edición. </a:t>
-            </a:r>
-          </a:p>
-          <a:p>
-            <a:pPr marL="0" indent="0">
-              <a:buFont typeface="Wingdings" panose="05000000000000000000" pitchFamily="2" charset="2"/>
-              <a:buNone/>
-              <a:defRPr/>
-            </a:pPr>
-            <a:endParaRPr lang="es-ES" dirty="0">
-              <a:effectLst>
-                <a:outerShdw blurRad="38100" dist="38100" dir="2700000" algn="tl">
-                  <a:srgbClr val="000000">
-                    <a:alpha val="43137"/>
-                  </a:srgbClr>
-                </a:outerShdw>
-              </a:effectLst>
-              <a:latin typeface="Franklin Gothic Medium" panose="020B0603020102020204" pitchFamily="34" charset="0"/>
-            </a:endParaRPr>
-          </a:p>
-          <a:p>
-            <a:pPr>
-              <a:defRPr/>
-            </a:pPr>
-            <a:r>
-              <a:rPr lang="es-ES" dirty="0">
+              <a:t>Contiene la lista de valores que visualiza el control. Se trata de un tipo </a:t>
+            </a:r>
+            <a:r>
+              <a:rPr lang="es-ES" sz="2400" dirty="0" err="1">
                 <a:effectLst>
                   <a:outerShdw blurRad="38100" dist="38100" dir="2700000" algn="tl">
                     <a:srgbClr val="000000">
@@ -10592,10 +10553,10 @@
                 </a:effectLst>
                 <a:latin typeface="Franklin Gothic Medium" panose="020B0603020102020204" pitchFamily="34" charset="0"/>
               </a:rPr>
-              <a:t>El estilo de visualización por defecto de este control, muestra el cuadro de texto y la lista oculta, aunque mediante la propiedad </a:t>
-            </a:r>
-            <a:r>
-              <a:rPr lang="es-ES" b="1" dirty="0" err="1">
+              <a:t>ListBox.ObjectCollection</a:t>
+            </a:r>
+            <a:r>
+              <a:rPr lang="es-ES" sz="2400" dirty="0">
                 <a:effectLst>
                   <a:outerShdw blurRad="38100" dist="38100" dir="2700000" algn="tl">
                     <a:srgbClr val="000000">
@@ -10605,10 +10566,15 @@
                 </a:effectLst>
                 <a:latin typeface="Franklin Gothic Medium" panose="020B0603020102020204" pitchFamily="34" charset="0"/>
               </a:rPr>
-              <a:t>DropDownStyle</a:t>
-            </a:r>
-            <a:r>
-              <a:rPr lang="es-ES" dirty="0">
+              <a:t>, de manera que el contenido de la lista puede ser tanto tipo cadena, numéricos u objetos de distintas clases.  </a:t>
+            </a:r>
+          </a:p>
+          <a:p>
+            <a:pPr lvl="1">
+              <a:defRPr/>
+            </a:pPr>
+            <a:r>
+              <a:rPr lang="es-ES" sz="2400" b="1" dirty="0" err="1">
                 <a:effectLst>
                   <a:outerShdw blurRad="38100" dist="38100" dir="2700000" algn="tl">
                     <a:srgbClr val="000000">
@@ -10618,10 +10584,10 @@
                 </a:effectLst>
                 <a:latin typeface="Franklin Gothic Medium" panose="020B0603020102020204" pitchFamily="34" charset="0"/>
               </a:rPr>
-              <a:t> se puede cambiar dicho </a:t>
-            </a:r>
-            <a:r>
-              <a:rPr lang="es-ES" dirty="0" smtClean="0">
+              <a:t>SelectionMode</a:t>
+            </a:r>
+            <a:r>
+              <a:rPr lang="es-ES" sz="2400" dirty="0">
                 <a:effectLst>
                   <a:outerShdw blurRad="38100" dist="38100" dir="2700000" algn="tl">
                     <a:srgbClr val="000000">
@@ -10631,17 +10597,15 @@
                 </a:effectLst>
                 <a:latin typeface="Franklin Gothic Medium" panose="020B0603020102020204" pitchFamily="34" charset="0"/>
               </a:rPr>
-              <a:t>estilo.</a:t>
-            </a:r>
-            <a:endParaRPr lang="es-AR" dirty="0">
-              <a:effectLst>
-                <a:outerShdw blurRad="38100" dist="38100" dir="2700000" algn="tl">
-                  <a:srgbClr val="000000">
-                    <a:alpha val="43137"/>
-                  </a:srgbClr>
-                </a:outerShdw>
-              </a:effectLst>
-              <a:latin typeface="Franklin Gothic Medium" panose="020B0603020102020204" pitchFamily="34" charset="0"/>
+              <a:t>. Establece el modo en el que se pueden seleccionar los elementos de la lista.   </a:t>
+            </a:r>
+          </a:p>
+          <a:p>
+            <a:pPr lvl="1"/>
+            <a:endParaRPr lang="es-ES" sz="2400" dirty="0">
+              <a:solidFill>
+                <a:srgbClr val="FFFFFF"/>
+              </a:solidFill>
             </a:endParaRPr>
           </a:p>
         </p:txBody>
@@ -10649,20 +10613,13 @@
     </p:spTree>
     <p:extLst>
       <p:ext uri="{BB962C8B-B14F-4D97-AF65-F5344CB8AC3E}">
-        <p14:creationId xmlns:p14="http://schemas.microsoft.com/office/powerpoint/2010/main" val="4209917414"/>
+        <p14:creationId xmlns:p14="http://schemas.microsoft.com/office/powerpoint/2010/main" val="2301222497"/>
       </p:ext>
     </p:extLst>
   </p:cSld>
   <p:clrMapOvr>
     <a:masterClrMapping/>
   </p:clrMapOvr>
-  <p:timing>
-    <p:tnLst>
-      <p:par>
-        <p:cTn id="1" dur="indefinite" restart="never" nodeType="tmRoot"/>
-      </p:par>
-    </p:tnLst>
-  </p:timing>
 </p:sld>
 </file>
 
@@ -10699,12 +10656,12 @@
           <a:lstStyle/>
           <a:p>
             <a:r>
-              <a:rPr lang="es-AR" dirty="0" smtClean="0"/>
+              <a:rPr lang="es-AR" dirty="0"/>
               <a:t>Controles: </a:t>
             </a:r>
             <a:r>
-              <a:rPr lang="es-AR" dirty="0" err="1" smtClean="0"/>
-              <a:t>ComboBox</a:t>
+              <a:rPr lang="es-AR" dirty="0" err="1"/>
+              <a:t>ListBox</a:t>
             </a:r>
             <a:endParaRPr lang="es-AR" dirty="0"/>
           </a:p>
@@ -10723,6 +10680,245 @@
         <p:spPr/>
         <p:txBody>
           <a:bodyPr/>
+          <a:lstStyle/>
+          <a:p>
+            <a:r>
+              <a:rPr lang="es-AR" sz="2800" dirty="0" err="1">
+                <a:effectLst>
+                  <a:outerShdw blurRad="38100" dist="38100" dir="2700000" algn="tl">
+                    <a:srgbClr val="000000">
+                      <a:alpha val="43137"/>
+                    </a:srgbClr>
+                  </a:outerShdw>
+                </a:effectLst>
+                <a:latin typeface="Franklin Gothic Medium" panose="020B0603020102020204" pitchFamily="34" charset="0"/>
+              </a:rPr>
+              <a:t>SelectionMode</a:t>
+            </a:r>
+            <a:endParaRPr lang="es-AR" sz="2800" dirty="0">
+              <a:effectLst>
+                <a:outerShdw blurRad="38100" dist="38100" dir="2700000" algn="tl">
+                  <a:srgbClr val="000000">
+                    <a:alpha val="43137"/>
+                  </a:srgbClr>
+                </a:outerShdw>
+              </a:effectLst>
+              <a:latin typeface="Franklin Gothic Medium" panose="020B0603020102020204" pitchFamily="34" charset="0"/>
+            </a:endParaRPr>
+          </a:p>
+          <a:p>
+            <a:pPr lvl="1">
+              <a:defRPr/>
+            </a:pPr>
+            <a:r>
+              <a:rPr lang="es-ES" sz="2400" b="1" dirty="0" err="1">
+                <a:effectLst>
+                  <a:outerShdw blurRad="38100" dist="38100" dir="2700000" algn="tl">
+                    <a:srgbClr val="000000">
+                      <a:alpha val="43137"/>
+                    </a:srgbClr>
+                  </a:outerShdw>
+                </a:effectLst>
+                <a:latin typeface="Franklin Gothic Medium" panose="020B0603020102020204" pitchFamily="34" charset="0"/>
+              </a:rPr>
+              <a:t>None</a:t>
+            </a:r>
+            <a:r>
+              <a:rPr lang="es-ES" sz="2400" dirty="0">
+                <a:effectLst>
+                  <a:outerShdw blurRad="38100" dist="38100" dir="2700000" algn="tl">
+                    <a:srgbClr val="000000">
+                      <a:alpha val="43137"/>
+                    </a:srgbClr>
+                  </a:outerShdw>
+                </a:effectLst>
+                <a:latin typeface="Franklin Gothic Medium" panose="020B0603020102020204" pitchFamily="34" charset="0"/>
+              </a:rPr>
+              <a:t>, no se realizará selección.   </a:t>
+            </a:r>
+          </a:p>
+          <a:p>
+            <a:pPr lvl="1">
+              <a:defRPr/>
+            </a:pPr>
+            <a:r>
+              <a:rPr lang="es-ES" sz="2400" b="1" dirty="0" err="1">
+                <a:effectLst>
+                  <a:outerShdw blurRad="38100" dist="38100" dir="2700000" algn="tl">
+                    <a:srgbClr val="000000">
+                      <a:alpha val="43137"/>
+                    </a:srgbClr>
+                  </a:outerShdw>
+                </a:effectLst>
+                <a:latin typeface="Franklin Gothic Medium" panose="020B0603020102020204" pitchFamily="34" charset="0"/>
+              </a:rPr>
+              <a:t>One</a:t>
+            </a:r>
+            <a:r>
+              <a:rPr lang="es-ES" sz="2400" dirty="0">
+                <a:effectLst>
+                  <a:outerShdw blurRad="38100" dist="38100" dir="2700000" algn="tl">
+                    <a:srgbClr val="000000">
+                      <a:alpha val="43137"/>
+                    </a:srgbClr>
+                  </a:outerShdw>
+                </a:effectLst>
+                <a:latin typeface="Franklin Gothic Medium" panose="020B0603020102020204" pitchFamily="34" charset="0"/>
+              </a:rPr>
+              <a:t>, permite seleccionar los valores uno a uno. </a:t>
+            </a:r>
+          </a:p>
+          <a:p>
+            <a:pPr lvl="1">
+              <a:defRPr/>
+            </a:pPr>
+            <a:r>
+              <a:rPr lang="es-ES" sz="2400" b="1" dirty="0" err="1">
+                <a:effectLst>
+                  <a:outerShdw blurRad="38100" dist="38100" dir="2700000" algn="tl">
+                    <a:srgbClr val="000000">
+                      <a:alpha val="43137"/>
+                    </a:srgbClr>
+                  </a:outerShdw>
+                </a:effectLst>
+                <a:latin typeface="Franklin Gothic Medium" panose="020B0603020102020204" pitchFamily="34" charset="0"/>
+              </a:rPr>
+              <a:t>MultiSimple</a:t>
+            </a:r>
+            <a:r>
+              <a:rPr lang="es-ES" sz="2400" dirty="0">
+                <a:effectLst>
+                  <a:outerShdw blurRad="38100" dist="38100" dir="2700000" algn="tl">
+                    <a:srgbClr val="000000">
+                      <a:alpha val="43137"/>
+                    </a:srgbClr>
+                  </a:outerShdw>
+                </a:effectLst>
+                <a:latin typeface="Franklin Gothic Medium" panose="020B0603020102020204" pitchFamily="34" charset="0"/>
+              </a:rPr>
+              <a:t> permite seleccionar múltiples valores de la lista pero debemos seleccionarlos independientemente.  </a:t>
+            </a:r>
+          </a:p>
+          <a:p>
+            <a:pPr lvl="1">
+              <a:defRPr/>
+            </a:pPr>
+            <a:r>
+              <a:rPr lang="es-ES" sz="2400" b="1" dirty="0" err="1">
+                <a:effectLst>
+                  <a:outerShdw blurRad="38100" dist="38100" dir="2700000" algn="tl">
+                    <a:srgbClr val="000000">
+                      <a:alpha val="43137"/>
+                    </a:srgbClr>
+                  </a:outerShdw>
+                </a:effectLst>
+                <a:latin typeface="Franklin Gothic Medium" panose="020B0603020102020204" pitchFamily="34" charset="0"/>
+              </a:rPr>
+              <a:t>MultiExtended</a:t>
+            </a:r>
+            <a:r>
+              <a:rPr lang="es-ES" sz="2400" dirty="0">
+                <a:effectLst>
+                  <a:outerShdw blurRad="38100" dist="38100" dir="2700000" algn="tl">
+                    <a:srgbClr val="000000">
+                      <a:alpha val="43137"/>
+                    </a:srgbClr>
+                  </a:outerShdw>
+                </a:effectLst>
+                <a:latin typeface="Franklin Gothic Medium" panose="020B0603020102020204" pitchFamily="34" charset="0"/>
+              </a:rPr>
+              <a:t> nos posibilita la selección múltiple, con la ventaja de que podemos hacer clic en un valor, y arrastrar, seleccionando en la misma operación varios elementos de la lista.</a:t>
+            </a:r>
+            <a:endParaRPr lang="es-AR" sz="2400" dirty="0">
+              <a:effectLst>
+                <a:outerShdw blurRad="38100" dist="38100" dir="2700000" algn="tl">
+                  <a:srgbClr val="000000">
+                    <a:alpha val="43137"/>
+                  </a:srgbClr>
+                </a:outerShdw>
+              </a:effectLst>
+              <a:latin typeface="Franklin Gothic Medium" panose="020B0603020102020204" pitchFamily="34" charset="0"/>
+            </a:endParaRPr>
+          </a:p>
+        </p:txBody>
+      </p:sp>
+    </p:spTree>
+    <p:extLst>
+      <p:ext uri="{BB962C8B-B14F-4D97-AF65-F5344CB8AC3E}">
+        <p14:creationId xmlns:p14="http://schemas.microsoft.com/office/powerpoint/2010/main" val="1223447686"/>
+      </p:ext>
+    </p:extLst>
+  </p:cSld>
+  <p:clrMapOvr>
+    <a:masterClrMapping/>
+  </p:clrMapOvr>
+</p:sld>
+</file>
+
+<file path=ppt/slides/slide17.xml><?xml version="1.0" encoding="utf-8"?>
+<p:sld xmlns:a="http://schemas.openxmlformats.org/drawingml/2006/main" xmlns:r="http://schemas.openxmlformats.org/officeDocument/2006/relationships" xmlns:p="http://schemas.openxmlformats.org/presentationml/2006/main">
+  <p:cSld>
+    <p:spTree>
+      <p:nvGrpSpPr>
+        <p:cNvPr id="1" name=""/>
+        <p:cNvGrpSpPr/>
+        <p:nvPr/>
+      </p:nvGrpSpPr>
+      <p:grpSpPr>
+        <a:xfrm>
+          <a:off x="0" y="0"/>
+          <a:ext cx="0" cy="0"/>
+          <a:chOff x="0" y="0"/>
+          <a:chExt cx="0" cy="0"/>
+        </a:xfrm>
+      </p:grpSpPr>
+      <p:sp>
+        <p:nvSpPr>
+          <p:cNvPr id="2" name="Título 1"/>
+          <p:cNvSpPr>
+            <a:spLocks noGrp="1"/>
+          </p:cNvSpPr>
+          <p:nvPr>
+            <p:ph type="title"/>
+          </p:nvPr>
+        </p:nvSpPr>
+        <p:spPr/>
+        <p:txBody>
+          <a:bodyPr/>
+          <a:lstStyle/>
+          <a:p>
+            <a:r>
+              <a:rPr lang="es-AR" dirty="0"/>
+              <a:t>Controles: </a:t>
+            </a:r>
+            <a:r>
+              <a:rPr lang="es-AR" dirty="0" err="1"/>
+              <a:t>ComboBox</a:t>
+            </a:r>
+            <a:endParaRPr lang="es-AR" dirty="0"/>
+          </a:p>
+        </p:txBody>
+      </p:sp>
+      <p:sp>
+        <p:nvSpPr>
+          <p:cNvPr id="3" name="Marcador de contenido 2"/>
+          <p:cNvSpPr>
+            <a:spLocks noGrp="1"/>
+          </p:cNvSpPr>
+          <p:nvPr>
+            <p:ph idx="1"/>
+          </p:nvPr>
+        </p:nvSpPr>
+        <p:spPr>
+          <a:xfrm>
+            <a:off x="680321" y="2336873"/>
+            <a:ext cx="9613861" cy="4145814"/>
+          </a:xfrm>
+        </p:spPr>
+        <p:txBody>
+          <a:bodyPr>
+            <a:normAutofit/>
+          </a:bodyPr>
           <a:lstStyle/>
           <a:p>
             <a:pPr>
@@ -10739,10 +10935,10 @@
                 </a:effectLst>
                 <a:latin typeface="Franklin Gothic Medium" panose="020B0603020102020204" pitchFamily="34" charset="0"/>
               </a:rPr>
-              <a:t>La propiedad </a:t>
-            </a:r>
-            <a:r>
-              <a:rPr lang="es-ES" b="1" dirty="0" err="1">
+              <a:t>El </a:t>
+            </a:r>
+            <a:r>
+              <a:rPr lang="es-ES" dirty="0" err="1">
                 <a:effectLst>
                   <a:outerShdw blurRad="38100" dist="38100" dir="2700000" algn="tl">
                     <a:srgbClr val="000000">
@@ -10752,7 +10948,7 @@
                 </a:effectLst>
                 <a:latin typeface="Franklin Gothic Medium" panose="020B0603020102020204" pitchFamily="34" charset="0"/>
               </a:rPr>
-              <a:t>DropDownStyle</a:t>
+              <a:t>ComboBox</a:t>
             </a:r>
             <a:r>
               <a:rPr lang="es-ES" dirty="0">
@@ -10765,10 +10961,10 @@
                 </a:effectLst>
                 <a:latin typeface="Franklin Gothic Medium" panose="020B0603020102020204" pitchFamily="34" charset="0"/>
               </a:rPr>
-              <a:t> también influye en una diferencia importante de comportamiento entre el estilo </a:t>
-            </a:r>
-            <a:r>
-              <a:rPr lang="es-ES" b="1" dirty="0" err="1">
+              <a:t> es un control basado en la combinación (de ahí su nombre) de dos controles: </a:t>
+            </a:r>
+            <a:r>
+              <a:rPr lang="es-ES" dirty="0" err="1">
                 <a:effectLst>
                   <a:outerShdw blurRad="38100" dist="38100" dir="2700000" algn="tl">
                     <a:srgbClr val="000000">
@@ -10778,7 +10974,7 @@
                 </a:effectLst>
                 <a:latin typeface="Franklin Gothic Medium" panose="020B0603020102020204" pitchFamily="34" charset="0"/>
               </a:rPr>
-              <a:t>DropDownList</a:t>
+              <a:t>TextBox</a:t>
             </a:r>
             <a:r>
               <a:rPr lang="es-ES" dirty="0">
@@ -10791,7 +10987,7 @@
                 </a:effectLst>
                 <a:latin typeface="Franklin Gothic Medium" panose="020B0603020102020204" pitchFamily="34" charset="0"/>
               </a:rPr>
-              <a:t> y los demás, dado que cuando se crea un </a:t>
+              <a:t> y </a:t>
             </a:r>
             <a:r>
               <a:rPr lang="es-ES" dirty="0" err="1">
@@ -10804,7 +11000,7 @@
                 </a:effectLst>
                 <a:latin typeface="Franklin Gothic Medium" panose="020B0603020102020204" pitchFamily="34" charset="0"/>
               </a:rPr>
-              <a:t>ComboBox</a:t>
+              <a:t>ListBox</a:t>
             </a:r>
             <a:r>
               <a:rPr lang="es-ES" dirty="0">
@@ -10817,7 +11013,7 @@
                 </a:effectLst>
                 <a:latin typeface="Franklin Gothic Medium" panose="020B0603020102020204" pitchFamily="34" charset="0"/>
               </a:rPr>
-              <a:t> con el mencionado estilo, el cuadro de texto sólo podrá mostrar información, no permitiendo que esta sea modificada. </a:t>
+              <a:t>. </a:t>
             </a:r>
           </a:p>
           <a:p>
@@ -10850,10 +11046,10 @@
                 </a:effectLst>
                 <a:latin typeface="Franklin Gothic Medium" panose="020B0603020102020204" pitchFamily="34" charset="0"/>
               </a:rPr>
-              <a:t>En el caso de que la lista desplegable sea muy grande, mediante la propiedad </a:t>
-            </a:r>
-            <a:r>
-              <a:rPr lang="es-ES" b="1" dirty="0" err="1">
+              <a:t>Un control </a:t>
+            </a:r>
+            <a:r>
+              <a:rPr lang="es-ES" dirty="0" err="1">
                 <a:effectLst>
                   <a:outerShdw blurRad="38100" dist="38100" dir="2700000" algn="tl">
                     <a:srgbClr val="000000">
@@ -10863,7 +11059,7 @@
                 </a:effectLst>
                 <a:latin typeface="Franklin Gothic Medium" panose="020B0603020102020204" pitchFamily="34" charset="0"/>
               </a:rPr>
-              <a:t>MaxDropDownItems</a:t>
+              <a:t>ComboBox</a:t>
             </a:r>
             <a:r>
               <a:rPr lang="es-ES" dirty="0">
@@ -10876,21 +11072,15 @@
                 </a:effectLst>
                 <a:latin typeface="Franklin Gothic Medium" panose="020B0603020102020204" pitchFamily="34" charset="0"/>
               </a:rPr>
-              <a:t>, se puede asignar el número de elementos máximo que mostrará la lista del control</a:t>
-            </a:r>
-            <a:r>
-              <a:rPr lang="es-ES" dirty="0" smtClean="0">
-                <a:effectLst>
-                  <a:outerShdw blurRad="38100" dist="38100" dir="2700000" algn="tl">
-                    <a:srgbClr val="000000">
-                      <a:alpha val="43137"/>
-                    </a:srgbClr>
-                  </a:outerShdw>
-                </a:effectLst>
-                <a:latin typeface="Franklin Gothic Medium" panose="020B0603020102020204" pitchFamily="34" charset="0"/>
-              </a:rPr>
-              <a:t>.</a:t>
-            </a:r>
+              <a:t> dispone de una zona de edición de texto y una lista de valores, que se pueden desplegar desde el cuadro de edición. </a:t>
+            </a:r>
+          </a:p>
+          <a:p>
+            <a:pPr marL="0" indent="0">
+              <a:buFont typeface="Wingdings" panose="05000000000000000000" pitchFamily="2" charset="2"/>
+              <a:buNone/>
+              <a:defRPr/>
+            </a:pPr>
             <a:endParaRPr lang="es-ES" dirty="0">
               <a:effectLst>
                 <a:outerShdw blurRad="38100" dist="38100" dir="2700000" algn="tl">
@@ -10902,6 +11092,288 @@
               <a:latin typeface="Franklin Gothic Medium" panose="020B0603020102020204" pitchFamily="34" charset="0"/>
             </a:endParaRPr>
           </a:p>
+          <a:p>
+            <a:pPr>
+              <a:defRPr/>
+            </a:pPr>
+            <a:r>
+              <a:rPr lang="es-ES" dirty="0">
+                <a:effectLst>
+                  <a:outerShdw blurRad="38100" dist="38100" dir="2700000" algn="tl">
+                    <a:srgbClr val="000000">
+                      <a:alpha val="43137"/>
+                    </a:srgbClr>
+                  </a:outerShdw>
+                </a:effectLst>
+                <a:latin typeface="Franklin Gothic Medium" panose="020B0603020102020204" pitchFamily="34" charset="0"/>
+              </a:rPr>
+              <a:t>El estilo de visualización por defecto de este control, muestra el cuadro de texto y la lista oculta, aunque mediante la propiedad </a:t>
+            </a:r>
+            <a:r>
+              <a:rPr lang="es-ES" b="1" dirty="0" err="1">
+                <a:effectLst>
+                  <a:outerShdw blurRad="38100" dist="38100" dir="2700000" algn="tl">
+                    <a:srgbClr val="000000">
+                      <a:alpha val="43137"/>
+                    </a:srgbClr>
+                  </a:outerShdw>
+                </a:effectLst>
+                <a:latin typeface="Franklin Gothic Medium" panose="020B0603020102020204" pitchFamily="34" charset="0"/>
+              </a:rPr>
+              <a:t>DropDownStyle</a:t>
+            </a:r>
+            <a:r>
+              <a:rPr lang="es-ES" dirty="0">
+                <a:effectLst>
+                  <a:outerShdw blurRad="38100" dist="38100" dir="2700000" algn="tl">
+                    <a:srgbClr val="000000">
+                      <a:alpha val="43137"/>
+                    </a:srgbClr>
+                  </a:outerShdw>
+                </a:effectLst>
+                <a:latin typeface="Franklin Gothic Medium" panose="020B0603020102020204" pitchFamily="34" charset="0"/>
+              </a:rPr>
+              <a:t> se puede cambiar dicho estilo.</a:t>
+            </a:r>
+            <a:endParaRPr lang="es-AR" dirty="0">
+              <a:effectLst>
+                <a:outerShdw blurRad="38100" dist="38100" dir="2700000" algn="tl">
+                  <a:srgbClr val="000000">
+                    <a:alpha val="43137"/>
+                  </a:srgbClr>
+                </a:outerShdw>
+              </a:effectLst>
+              <a:latin typeface="Franklin Gothic Medium" panose="020B0603020102020204" pitchFamily="34" charset="0"/>
+            </a:endParaRPr>
+          </a:p>
+        </p:txBody>
+      </p:sp>
+    </p:spTree>
+    <p:extLst>
+      <p:ext uri="{BB962C8B-B14F-4D97-AF65-F5344CB8AC3E}">
+        <p14:creationId xmlns:p14="http://schemas.microsoft.com/office/powerpoint/2010/main" val="4209917414"/>
+      </p:ext>
+    </p:extLst>
+  </p:cSld>
+  <p:clrMapOvr>
+    <a:masterClrMapping/>
+  </p:clrMapOvr>
+</p:sld>
+</file>
+
+<file path=ppt/slides/slide18.xml><?xml version="1.0" encoding="utf-8"?>
+<p:sld xmlns:a="http://schemas.openxmlformats.org/drawingml/2006/main" xmlns:r="http://schemas.openxmlformats.org/officeDocument/2006/relationships" xmlns:p="http://schemas.openxmlformats.org/presentationml/2006/main">
+  <p:cSld>
+    <p:spTree>
+      <p:nvGrpSpPr>
+        <p:cNvPr id="1" name=""/>
+        <p:cNvGrpSpPr/>
+        <p:nvPr/>
+      </p:nvGrpSpPr>
+      <p:grpSpPr>
+        <a:xfrm>
+          <a:off x="0" y="0"/>
+          <a:ext cx="0" cy="0"/>
+          <a:chOff x="0" y="0"/>
+          <a:chExt cx="0" cy="0"/>
+        </a:xfrm>
+      </p:grpSpPr>
+      <p:sp>
+        <p:nvSpPr>
+          <p:cNvPr id="2" name="Título 1"/>
+          <p:cNvSpPr>
+            <a:spLocks noGrp="1"/>
+          </p:cNvSpPr>
+          <p:nvPr>
+            <p:ph type="title"/>
+          </p:nvPr>
+        </p:nvSpPr>
+        <p:spPr/>
+        <p:txBody>
+          <a:bodyPr/>
+          <a:lstStyle/>
+          <a:p>
+            <a:r>
+              <a:rPr lang="es-AR" dirty="0"/>
+              <a:t>Controles: </a:t>
+            </a:r>
+            <a:r>
+              <a:rPr lang="es-AR" dirty="0" err="1"/>
+              <a:t>ComboBox</a:t>
+            </a:r>
+            <a:endParaRPr lang="es-AR" dirty="0"/>
+          </a:p>
+        </p:txBody>
+      </p:sp>
+      <p:sp>
+        <p:nvSpPr>
+          <p:cNvPr id="3" name="Marcador de contenido 2"/>
+          <p:cNvSpPr>
+            <a:spLocks noGrp="1"/>
+          </p:cNvSpPr>
+          <p:nvPr>
+            <p:ph idx="1"/>
+          </p:nvPr>
+        </p:nvSpPr>
+        <p:spPr/>
+        <p:txBody>
+          <a:bodyPr/>
+          <a:lstStyle/>
+          <a:p>
+            <a:pPr>
+              <a:defRPr/>
+            </a:pPr>
+            <a:r>
+              <a:rPr lang="es-ES" dirty="0">
+                <a:effectLst>
+                  <a:outerShdw blurRad="38100" dist="38100" dir="2700000" algn="tl">
+                    <a:srgbClr val="000000">
+                      <a:alpha val="43137"/>
+                    </a:srgbClr>
+                  </a:outerShdw>
+                </a:effectLst>
+                <a:latin typeface="Franklin Gothic Medium" panose="020B0603020102020204" pitchFamily="34" charset="0"/>
+              </a:rPr>
+              <a:t>La propiedad </a:t>
+            </a:r>
+            <a:r>
+              <a:rPr lang="es-ES" b="1" dirty="0" err="1">
+                <a:effectLst>
+                  <a:outerShdw blurRad="38100" dist="38100" dir="2700000" algn="tl">
+                    <a:srgbClr val="000000">
+                      <a:alpha val="43137"/>
+                    </a:srgbClr>
+                  </a:outerShdw>
+                </a:effectLst>
+                <a:latin typeface="Franklin Gothic Medium" panose="020B0603020102020204" pitchFamily="34" charset="0"/>
+              </a:rPr>
+              <a:t>DropDownStyle</a:t>
+            </a:r>
+            <a:r>
+              <a:rPr lang="es-ES" dirty="0">
+                <a:effectLst>
+                  <a:outerShdw blurRad="38100" dist="38100" dir="2700000" algn="tl">
+                    <a:srgbClr val="000000">
+                      <a:alpha val="43137"/>
+                    </a:srgbClr>
+                  </a:outerShdw>
+                </a:effectLst>
+                <a:latin typeface="Franklin Gothic Medium" panose="020B0603020102020204" pitchFamily="34" charset="0"/>
+              </a:rPr>
+              <a:t> también influye en una diferencia importante de comportamiento entre el estilo </a:t>
+            </a:r>
+            <a:r>
+              <a:rPr lang="es-ES" b="1" dirty="0" err="1">
+                <a:effectLst>
+                  <a:outerShdw blurRad="38100" dist="38100" dir="2700000" algn="tl">
+                    <a:srgbClr val="000000">
+                      <a:alpha val="43137"/>
+                    </a:srgbClr>
+                  </a:outerShdw>
+                </a:effectLst>
+                <a:latin typeface="Franklin Gothic Medium" panose="020B0603020102020204" pitchFamily="34" charset="0"/>
+              </a:rPr>
+              <a:t>DropDownList</a:t>
+            </a:r>
+            <a:r>
+              <a:rPr lang="es-ES" dirty="0">
+                <a:effectLst>
+                  <a:outerShdw blurRad="38100" dist="38100" dir="2700000" algn="tl">
+                    <a:srgbClr val="000000">
+                      <a:alpha val="43137"/>
+                    </a:srgbClr>
+                  </a:outerShdw>
+                </a:effectLst>
+                <a:latin typeface="Franklin Gothic Medium" panose="020B0603020102020204" pitchFamily="34" charset="0"/>
+              </a:rPr>
+              <a:t> y los demás, dado que cuando se crea un </a:t>
+            </a:r>
+            <a:r>
+              <a:rPr lang="es-ES" dirty="0" err="1">
+                <a:effectLst>
+                  <a:outerShdw blurRad="38100" dist="38100" dir="2700000" algn="tl">
+                    <a:srgbClr val="000000">
+                      <a:alpha val="43137"/>
+                    </a:srgbClr>
+                  </a:outerShdw>
+                </a:effectLst>
+                <a:latin typeface="Franklin Gothic Medium" panose="020B0603020102020204" pitchFamily="34" charset="0"/>
+              </a:rPr>
+              <a:t>ComboBox</a:t>
+            </a:r>
+            <a:r>
+              <a:rPr lang="es-ES" dirty="0">
+                <a:effectLst>
+                  <a:outerShdw blurRad="38100" dist="38100" dir="2700000" algn="tl">
+                    <a:srgbClr val="000000">
+                      <a:alpha val="43137"/>
+                    </a:srgbClr>
+                  </a:outerShdw>
+                </a:effectLst>
+                <a:latin typeface="Franklin Gothic Medium" panose="020B0603020102020204" pitchFamily="34" charset="0"/>
+              </a:rPr>
+              <a:t> con el mencionado estilo, el cuadro de texto sólo podrá mostrar información, no permitiendo que esta sea modificada. </a:t>
+            </a:r>
+          </a:p>
+          <a:p>
+            <a:pPr>
+              <a:defRPr/>
+            </a:pPr>
+            <a:endParaRPr lang="es-ES" dirty="0">
+              <a:effectLst>
+                <a:outerShdw blurRad="38100" dist="38100" dir="2700000" algn="tl">
+                  <a:srgbClr val="000000">
+                    <a:alpha val="43137"/>
+                  </a:srgbClr>
+                </a:outerShdw>
+              </a:effectLst>
+              <a:latin typeface="Franklin Gothic Medium" panose="020B0603020102020204" pitchFamily="34" charset="0"/>
+            </a:endParaRPr>
+          </a:p>
+          <a:p>
+            <a:pPr>
+              <a:defRPr/>
+            </a:pPr>
+            <a:r>
+              <a:rPr lang="es-ES" dirty="0">
+                <a:effectLst>
+                  <a:outerShdw blurRad="38100" dist="38100" dir="2700000" algn="tl">
+                    <a:srgbClr val="000000">
+                      <a:alpha val="43137"/>
+                    </a:srgbClr>
+                  </a:outerShdw>
+                </a:effectLst>
+                <a:latin typeface="Franklin Gothic Medium" panose="020B0603020102020204" pitchFamily="34" charset="0"/>
+              </a:rPr>
+              <a:t>En el caso de que la lista desplegable sea muy grande, mediante la propiedad </a:t>
+            </a:r>
+            <a:r>
+              <a:rPr lang="es-ES" b="1" dirty="0" err="1">
+                <a:effectLst>
+                  <a:outerShdw blurRad="38100" dist="38100" dir="2700000" algn="tl">
+                    <a:srgbClr val="000000">
+                      <a:alpha val="43137"/>
+                    </a:srgbClr>
+                  </a:outerShdw>
+                </a:effectLst>
+                <a:latin typeface="Franklin Gothic Medium" panose="020B0603020102020204" pitchFamily="34" charset="0"/>
+              </a:rPr>
+              <a:t>MaxDropDownItems</a:t>
+            </a:r>
+            <a:r>
+              <a:rPr lang="es-ES" dirty="0">
+                <a:effectLst>
+                  <a:outerShdw blurRad="38100" dist="38100" dir="2700000" algn="tl">
+                    <a:srgbClr val="000000">
+                      <a:alpha val="43137"/>
+                    </a:srgbClr>
+                  </a:outerShdw>
+                </a:effectLst>
+                <a:latin typeface="Franklin Gothic Medium" panose="020B0603020102020204" pitchFamily="34" charset="0"/>
+              </a:rPr>
+              <a:t>, se puede asignar el número de elementos máximo que mostrará la lista del control.</a:t>
+            </a:r>
+          </a:p>
         </p:txBody>
       </p:sp>
     </p:spTree>
@@ -10914,13 +11386,6 @@
   <p:clrMapOvr>
     <a:masterClrMapping/>
   </p:clrMapOvr>
-  <p:timing>
-    <p:tnLst>
-      <p:par>
-        <p:cTn id="1" dur="indefinite" restart="never" nodeType="tmRoot"/>
-      </p:par>
-    </p:tnLst>
-  </p:timing>
 </p:sld>
 </file>
 
@@ -10957,11 +11422,11 @@
           <a:lstStyle/>
           <a:p>
             <a:r>
-              <a:rPr lang="es-AR" dirty="0" smtClean="0"/>
+              <a:rPr lang="es-AR" dirty="0"/>
               <a:t>Windows </a:t>
             </a:r>
             <a:r>
-              <a:rPr lang="es-AR" dirty="0" err="1" smtClean="0"/>
+              <a:rPr lang="es-AR" dirty="0" err="1"/>
               <a:t>Forms</a:t>
             </a:r>
             <a:endParaRPr lang="es-AR" dirty="0"/>
@@ -11268,10 +11733,9 @@
           <a:lstStyle/>
           <a:p>
             <a:r>
-              <a:rPr lang="es-AR" dirty="0" smtClean="0"/>
+              <a:rPr lang="es-AR" dirty="0"/>
               <a:t>Formularios</a:t>
             </a:r>
-            <a:endParaRPr lang="es-AR" dirty="0"/>
           </a:p>
         </p:txBody>
       </p:sp>
@@ -11677,11 +12141,11 @@
           <a:lstStyle/>
           <a:p>
             <a:r>
-              <a:rPr lang="es-AR" dirty="0" smtClean="0"/>
+              <a:rPr lang="es-AR" dirty="0"/>
               <a:t>Objeto </a:t>
             </a:r>
             <a:r>
-              <a:rPr lang="es-AR" dirty="0" err="1" smtClean="0"/>
+              <a:rPr lang="es-AR" dirty="0" err="1"/>
               <a:t>Form</a:t>
             </a:r>
             <a:endParaRPr lang="es-AR" dirty="0"/>
@@ -11761,27 +12225,14 @@
                 </a:effectLst>
                 <a:latin typeface="Franklin Gothic Medium" panose="020B0603020102020204" pitchFamily="34" charset="0"/>
               </a:rPr>
-              <a:t>Algunas de sus propiedades admiten valores de alguno de los tipos nativos (por valor) de .NET</a:t>
-            </a:r>
-            <a:r>
-              <a:rPr lang="es-AR" dirty="0" smtClean="0">
-                <a:effectLst>
-                  <a:outerShdw blurRad="38100" dist="38100" dir="2700000" algn="tl">
-                    <a:srgbClr val="000000">
-                      <a:alpha val="43137"/>
-                    </a:srgbClr>
-                  </a:outerShdw>
-                </a:effectLst>
-                <a:latin typeface="Franklin Gothic Medium" panose="020B0603020102020204" pitchFamily="34" charset="0"/>
-              </a:rPr>
-              <a:t>.</a:t>
+              <a:t>Algunas de sus propiedades admiten valores de alguno de los tipos nativos (por valor) de .NET.</a:t>
             </a:r>
           </a:p>
           <a:p>
             <a:pPr>
               <a:defRPr/>
             </a:pPr>
-            <a:endParaRPr lang="es-AR" dirty="0" smtClean="0">
+            <a:endParaRPr lang="es-AR" dirty="0">
               <a:effectLst>
                 <a:outerShdw blurRad="38100" dist="38100" dir="2700000" algn="tl">
                   <a:srgbClr val="000000">
@@ -11802,7 +12253,7 @@
             <a:pPr>
               <a:defRPr/>
             </a:pPr>
-            <a:endParaRPr lang="es-AR" dirty="0" smtClean="0"/>
+            <a:endParaRPr lang="es-AR" dirty="0"/>
           </a:p>
           <a:p>
             <a:pPr>
@@ -11819,20 +12270,7 @@
                 </a:effectLst>
                 <a:latin typeface="Franklin Gothic Medium" pitchFamily="34" charset="0"/>
               </a:rPr>
-              <a:t>Otras propiedades requieren la asignación de objetos</a:t>
-            </a:r>
-            <a:r>
-              <a:rPr lang="es-AR" dirty="0" smtClean="0">
-                <a:effectLst>
-                  <a:outerShdw blurRad="38100" dist="38100" dir="2700000" algn="tl">
-                    <a:srgbClr val="000000">
-                      <a:alpha val="43137"/>
-                    </a:srgbClr>
-                  </a:outerShdw>
-                </a:effectLst>
-                <a:latin typeface="Franklin Gothic Medium" pitchFamily="34" charset="0"/>
-              </a:rPr>
-              <a:t>.</a:t>
+              <a:t>Otras propiedades requieren la asignación de objetos.</a:t>
             </a:r>
             <a:endParaRPr lang="es-ES" dirty="0">
               <a:effectLst>
@@ -12188,22 +12626,13 @@
               <a:buNone/>
             </a:pPr>
             <a:r>
-              <a:rPr lang="es-AR" sz="2000" dirty="0" err="1" smtClean="0">
+              <a:rPr lang="es-AR" sz="2000" dirty="0" err="1">
                 <a:solidFill>
                   <a:srgbClr val="000000"/>
                 </a:solidFill>
                 <a:latin typeface="Consolas" panose="020B0609020204030204" pitchFamily="49" charset="0"/>
               </a:rPr>
               <a:t>miForm.Text</a:t>
-            </a:r>
-            <a:r>
-              <a:rPr lang="es-AR" sz="2000" dirty="0" smtClean="0">
-                <a:solidFill>
-                  <a:srgbClr val="000000"/>
-                </a:solidFill>
-                <a:latin typeface="Consolas" panose="020B0609020204030204" pitchFamily="49" charset="0"/>
-              </a:rPr>
-              <a:t> </a:t>
             </a:r>
             <a:r>
               <a:rPr lang="es-AR" sz="2000" dirty="0">
@@ -12212,7 +12641,7 @@
                 </a:solidFill>
                 <a:latin typeface="Consolas" panose="020B0609020204030204" pitchFamily="49" charset="0"/>
               </a:rPr>
-              <a:t>= </a:t>
+              <a:t> = </a:t>
             </a:r>
             <a:r>
               <a:rPr lang="es-AR" sz="2000" dirty="0">
@@ -12256,22 +12685,13 @@
               <a:buNone/>
             </a:pPr>
             <a:r>
-              <a:rPr lang="es-AR" sz="2000" dirty="0" err="1" smtClean="0">
+              <a:rPr lang="es-AR" sz="2000" dirty="0" err="1">
                 <a:solidFill>
                   <a:srgbClr val="000000"/>
                 </a:solidFill>
                 <a:latin typeface="Consolas" panose="020B0609020204030204" pitchFamily="49" charset="0"/>
               </a:rPr>
               <a:t>miForm.Opacity</a:t>
-            </a:r>
-            <a:r>
-              <a:rPr lang="es-AR" sz="2000" dirty="0" smtClean="0">
-                <a:solidFill>
-                  <a:srgbClr val="000000"/>
-                </a:solidFill>
-                <a:latin typeface="Consolas" panose="020B0609020204030204" pitchFamily="49" charset="0"/>
-              </a:rPr>
-              <a:t> </a:t>
             </a:r>
             <a:r>
               <a:rPr lang="es-AR" sz="2000" dirty="0">
@@ -12280,7 +12700,7 @@
                 </a:solidFill>
                 <a:latin typeface="Consolas" panose="020B0609020204030204" pitchFamily="49" charset="0"/>
               </a:rPr>
-              <a:t>= 0.85; </a:t>
+              <a:t> = 0.85; </a:t>
             </a:r>
             <a:r>
               <a:rPr lang="es-AR" sz="2000" dirty="0">
@@ -12659,22 +13079,13 @@
               <a:buNone/>
             </a:pPr>
             <a:r>
-              <a:rPr lang="es-AR" sz="2000" dirty="0" err="1" smtClean="0">
+              <a:rPr lang="es-AR" sz="2000" dirty="0" err="1">
                 <a:solidFill>
                   <a:srgbClr val="000000"/>
                 </a:solidFill>
                 <a:latin typeface="Consolas" panose="020B0609020204030204" pitchFamily="49" charset="0"/>
               </a:rPr>
               <a:t>miForm.Location</a:t>
-            </a:r>
-            <a:r>
-              <a:rPr lang="es-AR" sz="2000" dirty="0" smtClean="0">
-                <a:solidFill>
-                  <a:srgbClr val="000000"/>
-                </a:solidFill>
-                <a:latin typeface="Consolas" panose="020B0609020204030204" pitchFamily="49" charset="0"/>
-              </a:rPr>
-              <a:t> </a:t>
             </a:r>
             <a:r>
               <a:rPr lang="es-AR" sz="2000" dirty="0">
@@ -12683,7 +13094,7 @@
                 </a:solidFill>
                 <a:latin typeface="Consolas" panose="020B0609020204030204" pitchFamily="49" charset="0"/>
               </a:rPr>
-              <a:t>= </a:t>
+              <a:t> = </a:t>
             </a:r>
             <a:r>
               <a:rPr lang="es-AR" sz="2000" dirty="0">
@@ -12727,22 +13138,13 @@
               <a:buNone/>
             </a:pPr>
             <a:r>
-              <a:rPr lang="es-AR" sz="2000" dirty="0" err="1" smtClean="0">
+              <a:rPr lang="es-AR" sz="2000" dirty="0" err="1">
                 <a:solidFill>
                   <a:srgbClr val="000000"/>
                 </a:solidFill>
                 <a:latin typeface="Consolas" panose="020B0609020204030204" pitchFamily="49" charset="0"/>
               </a:rPr>
               <a:t>miForm.Font</a:t>
-            </a:r>
-            <a:r>
-              <a:rPr lang="es-AR" sz="2000" dirty="0" smtClean="0">
-                <a:solidFill>
-                  <a:srgbClr val="000000"/>
-                </a:solidFill>
-                <a:latin typeface="Consolas" panose="020B0609020204030204" pitchFamily="49" charset="0"/>
-              </a:rPr>
-              <a:t> </a:t>
             </a:r>
             <a:r>
               <a:rPr lang="es-AR" sz="2000" dirty="0">
@@ -12751,7 +13153,7 @@
                 </a:solidFill>
                 <a:latin typeface="Consolas" panose="020B0609020204030204" pitchFamily="49" charset="0"/>
               </a:rPr>
-              <a:t>= </a:t>
+              <a:t> = </a:t>
             </a:r>
             <a:r>
               <a:rPr lang="es-AR" sz="2000" dirty="0">
@@ -12853,11 +13255,11 @@
           <a:lstStyle/>
           <a:p>
             <a:r>
-              <a:rPr lang="es-AR" dirty="0" smtClean="0"/>
+              <a:rPr lang="es-AR" dirty="0"/>
               <a:t>Objeto </a:t>
             </a:r>
             <a:r>
-              <a:rPr lang="es-AR" dirty="0" err="1" smtClean="0"/>
+              <a:rPr lang="es-AR" dirty="0" err="1"/>
               <a:t>Form</a:t>
             </a:r>
             <a:endParaRPr lang="es-AR" dirty="0"/>
@@ -13120,31 +13522,8 @@
                 </a:effectLst>
                 <a:latin typeface="Franklin Gothic Medium" panose="020B0603020102020204" pitchFamily="34" charset="0"/>
               </a:rPr>
-              <a:t>Oculta el formulario del usuario</a:t>
-            </a:r>
-            <a:r>
-              <a:rPr lang="es-ES" dirty="0" smtClean="0">
-                <a:effectLst>
-                  <a:outerShdw blurRad="38100" dist="38100" dir="2700000" algn="tl">
-                    <a:srgbClr val="000000">
-                      <a:alpha val="43137"/>
-                    </a:srgbClr>
-                  </a:outerShdw>
-                </a:effectLst>
-                <a:latin typeface="Franklin Gothic Medium" panose="020B0603020102020204" pitchFamily="34" charset="0"/>
-              </a:rPr>
-              <a:t>.</a:t>
-            </a:r>
-            <a:endParaRPr lang="es-ES" dirty="0">
-              <a:effectLst>
-                <a:outerShdw blurRad="38100" dist="38100" dir="2700000" algn="tl">
-                  <a:srgbClr val="000000">
-                    <a:alpha val="43137"/>
-                  </a:srgbClr>
-                </a:outerShdw>
-              </a:effectLst>
-              <a:latin typeface="Franklin Gothic Medium" panose="020B0603020102020204" pitchFamily="34" charset="0"/>
-            </a:endParaRPr>
+              <a:t>Oculta el formulario del usuario.</a:t>
+            </a:r>
           </a:p>
         </p:txBody>
       </p:sp>
@@ -13158,13 +13537,6 @@
   <p:clrMapOvr>
     <a:masterClrMapping/>
   </p:clrMapOvr>
-  <p:timing>
-    <p:tnLst>
-      <p:par>
-        <p:cTn id="1" dur="indefinite" restart="never" nodeType="tmRoot"/>
-      </p:par>
-    </p:tnLst>
-  </p:timing>
 </p:sld>
 </file>
 
@@ -13201,6 +13573,778 @@
           <a:lstStyle/>
           <a:p>
             <a:r>
+              <a:rPr lang="es-AR" dirty="0" err="1"/>
+              <a:t>Dialog</a:t>
+            </a:r>
+            <a:r>
+              <a:rPr lang="es-AR" dirty="0"/>
+              <a:t> </a:t>
+            </a:r>
+            <a:r>
+              <a:rPr lang="es-AR" dirty="0" err="1"/>
+              <a:t>Result</a:t>
+            </a:r>
+            <a:endParaRPr lang="es-AR" dirty="0"/>
+          </a:p>
+        </p:txBody>
+      </p:sp>
+      <p:sp>
+        <p:nvSpPr>
+          <p:cNvPr id="7" name="Marcador de contenido 6">
+            <a:extLst>
+              <a:ext uri="{FF2B5EF4-FFF2-40B4-BE49-F238E27FC236}">
+                <a16:creationId xmlns:a16="http://schemas.microsoft.com/office/drawing/2014/main" id="{8E801ACD-4A07-44FB-8DAF-2B2E76AAA098}"/>
+              </a:ext>
+            </a:extLst>
+          </p:cNvPr>
+          <p:cNvSpPr>
+            <a:spLocks noGrp="1"/>
+          </p:cNvSpPr>
+          <p:nvPr>
+            <p:ph idx="1"/>
+          </p:nvPr>
+        </p:nvSpPr>
+        <p:spPr/>
+        <p:txBody>
+          <a:bodyPr/>
+          <a:lstStyle/>
+          <a:p>
+            <a:endParaRPr lang="es-AR" dirty="0"/>
+          </a:p>
+        </p:txBody>
+      </p:sp>
+      <p:sp>
+        <p:nvSpPr>
+          <p:cNvPr id="4" name="Google Shape;408;p22"/>
+          <p:cNvSpPr txBox="1">
+            <a:spLocks/>
+          </p:cNvSpPr>
+          <p:nvPr/>
+        </p:nvSpPr>
+        <p:spPr>
+          <a:xfrm>
+            <a:off x="680319" y="3658122"/>
+            <a:ext cx="9613860" cy="1121127"/>
+          </a:xfrm>
+          <a:prstGeom prst="rect">
+            <a:avLst/>
+          </a:prstGeom>
+          <a:solidFill>
+            <a:srgbClr val="FFFFFF"/>
+          </a:solidFill>
+          <a:ln>
+            <a:noFill/>
+          </a:ln>
+        </p:spPr>
+        <p:txBody>
+          <a:bodyPr spcFirstLastPara="1" wrap="square" lIns="91425" tIns="45700" rIns="91425" bIns="45700" anchor="t" anchorCtr="0">
+            <a:noAutofit/>
+          </a:bodyPr>
+          <a:lstStyle>
+            <a:defPPr marR="0" lvl="0" algn="l" rtl="0">
+              <a:lnSpc>
+                <a:spcPct val="100000"/>
+              </a:lnSpc>
+              <a:spcBef>
+                <a:spcPts val="0"/>
+              </a:spcBef>
+              <a:spcAft>
+                <a:spcPts val="0"/>
+              </a:spcAft>
+            </a:defPPr>
+            <a:lvl1pPr marL="457200" marR="0" lvl="0" indent="-381000" algn="l" rtl="0">
+              <a:lnSpc>
+                <a:spcPct val="90000"/>
+              </a:lnSpc>
+              <a:spcBef>
+                <a:spcPts val="1000"/>
+              </a:spcBef>
+              <a:spcAft>
+                <a:spcPts val="0"/>
+              </a:spcAft>
+              <a:buClr>
+                <a:schemeClr val="lt1"/>
+              </a:buClr>
+              <a:buSzPts val="2400"/>
+              <a:buFont typeface="Arial"/>
+              <a:buChar char="•"/>
+              <a:defRPr sz="2400" b="0" i="0" u="none" strike="noStrike" cap="none">
+                <a:solidFill>
+                  <a:schemeClr val="lt1"/>
+                </a:solidFill>
+                <a:latin typeface="Trebuchet MS"/>
+                <a:ea typeface="Trebuchet MS"/>
+                <a:cs typeface="Trebuchet MS"/>
+                <a:sym typeface="Trebuchet MS"/>
+              </a:defRPr>
+            </a:lvl1pPr>
+            <a:lvl2pPr marL="914400" marR="0" lvl="1" indent="-355600" algn="l" rtl="0">
+              <a:lnSpc>
+                <a:spcPct val="90000"/>
+              </a:lnSpc>
+              <a:spcBef>
+                <a:spcPts val="500"/>
+              </a:spcBef>
+              <a:spcAft>
+                <a:spcPts val="0"/>
+              </a:spcAft>
+              <a:buClr>
+                <a:schemeClr val="lt1"/>
+              </a:buClr>
+              <a:buSzPts val="2000"/>
+              <a:buFont typeface="Arial"/>
+              <a:buChar char="•"/>
+              <a:defRPr sz="2000" b="0" i="0" u="none" strike="noStrike" cap="none">
+                <a:solidFill>
+                  <a:schemeClr val="lt1"/>
+                </a:solidFill>
+                <a:latin typeface="Trebuchet MS"/>
+                <a:ea typeface="Trebuchet MS"/>
+                <a:cs typeface="Trebuchet MS"/>
+                <a:sym typeface="Trebuchet MS"/>
+              </a:defRPr>
+            </a:lvl2pPr>
+            <a:lvl3pPr marL="1371600" marR="0" lvl="2" indent="-342900" algn="l" rtl="0">
+              <a:lnSpc>
+                <a:spcPct val="90000"/>
+              </a:lnSpc>
+              <a:spcBef>
+                <a:spcPts val="500"/>
+              </a:spcBef>
+              <a:spcAft>
+                <a:spcPts val="0"/>
+              </a:spcAft>
+              <a:buClr>
+                <a:schemeClr val="lt1"/>
+              </a:buClr>
+              <a:buSzPts val="1800"/>
+              <a:buFont typeface="Arial"/>
+              <a:buChar char="•"/>
+              <a:defRPr sz="1800" b="0" i="0" u="none" strike="noStrike" cap="none">
+                <a:solidFill>
+                  <a:schemeClr val="lt1"/>
+                </a:solidFill>
+                <a:latin typeface="Trebuchet MS"/>
+                <a:ea typeface="Trebuchet MS"/>
+                <a:cs typeface="Trebuchet MS"/>
+                <a:sym typeface="Trebuchet MS"/>
+              </a:defRPr>
+            </a:lvl3pPr>
+            <a:lvl4pPr marL="1828800" marR="0" lvl="3" indent="-330200" algn="l" rtl="0">
+              <a:lnSpc>
+                <a:spcPct val="90000"/>
+              </a:lnSpc>
+              <a:spcBef>
+                <a:spcPts val="500"/>
+              </a:spcBef>
+              <a:spcAft>
+                <a:spcPts val="0"/>
+              </a:spcAft>
+              <a:buClr>
+                <a:schemeClr val="lt1"/>
+              </a:buClr>
+              <a:buSzPts val="1600"/>
+              <a:buFont typeface="Arial"/>
+              <a:buChar char="•"/>
+              <a:defRPr sz="1600" b="0" i="0" u="none" strike="noStrike" cap="none">
+                <a:solidFill>
+                  <a:schemeClr val="lt1"/>
+                </a:solidFill>
+                <a:latin typeface="Trebuchet MS"/>
+                <a:ea typeface="Trebuchet MS"/>
+                <a:cs typeface="Trebuchet MS"/>
+                <a:sym typeface="Trebuchet MS"/>
+              </a:defRPr>
+            </a:lvl4pPr>
+            <a:lvl5pPr marL="2286000" marR="0" lvl="4" indent="-330200" algn="l" rtl="0">
+              <a:lnSpc>
+                <a:spcPct val="90000"/>
+              </a:lnSpc>
+              <a:spcBef>
+                <a:spcPts val="500"/>
+              </a:spcBef>
+              <a:spcAft>
+                <a:spcPts val="0"/>
+              </a:spcAft>
+              <a:buClr>
+                <a:schemeClr val="lt1"/>
+              </a:buClr>
+              <a:buSzPts val="1600"/>
+              <a:buFont typeface="Arial"/>
+              <a:buChar char="•"/>
+              <a:defRPr sz="1600" b="0" i="0" u="none" strike="noStrike" cap="none">
+                <a:solidFill>
+                  <a:schemeClr val="lt1"/>
+                </a:solidFill>
+                <a:latin typeface="Trebuchet MS"/>
+                <a:ea typeface="Trebuchet MS"/>
+                <a:cs typeface="Trebuchet MS"/>
+                <a:sym typeface="Trebuchet MS"/>
+              </a:defRPr>
+            </a:lvl5pPr>
+            <a:lvl6pPr marL="2743200" marR="0" lvl="5" indent="-317500" algn="l" rtl="0">
+              <a:lnSpc>
+                <a:spcPct val="90000"/>
+              </a:lnSpc>
+              <a:spcBef>
+                <a:spcPts val="500"/>
+              </a:spcBef>
+              <a:spcAft>
+                <a:spcPts val="0"/>
+              </a:spcAft>
+              <a:buClr>
+                <a:schemeClr val="lt1"/>
+              </a:buClr>
+              <a:buSzPts val="1400"/>
+              <a:buFont typeface="Arial"/>
+              <a:buChar char="•"/>
+              <a:defRPr sz="1400" b="0" i="0" u="none" strike="noStrike" cap="none">
+                <a:solidFill>
+                  <a:schemeClr val="lt1"/>
+                </a:solidFill>
+                <a:latin typeface="Trebuchet MS"/>
+                <a:ea typeface="Trebuchet MS"/>
+                <a:cs typeface="Trebuchet MS"/>
+                <a:sym typeface="Trebuchet MS"/>
+              </a:defRPr>
+            </a:lvl6pPr>
+            <a:lvl7pPr marL="3200400" marR="0" lvl="6" indent="-317500" algn="l" rtl="0">
+              <a:lnSpc>
+                <a:spcPct val="90000"/>
+              </a:lnSpc>
+              <a:spcBef>
+                <a:spcPts val="500"/>
+              </a:spcBef>
+              <a:spcAft>
+                <a:spcPts val="0"/>
+              </a:spcAft>
+              <a:buClr>
+                <a:schemeClr val="lt1"/>
+              </a:buClr>
+              <a:buSzPts val="1400"/>
+              <a:buFont typeface="Arial"/>
+              <a:buChar char="•"/>
+              <a:defRPr sz="1400" b="0" i="0" u="none" strike="noStrike" cap="none">
+                <a:solidFill>
+                  <a:schemeClr val="lt1"/>
+                </a:solidFill>
+                <a:latin typeface="Trebuchet MS"/>
+                <a:ea typeface="Trebuchet MS"/>
+                <a:cs typeface="Trebuchet MS"/>
+                <a:sym typeface="Trebuchet MS"/>
+              </a:defRPr>
+            </a:lvl7pPr>
+            <a:lvl8pPr marL="3657600" marR="0" lvl="7" indent="-317500" algn="l" rtl="0">
+              <a:lnSpc>
+                <a:spcPct val="90000"/>
+              </a:lnSpc>
+              <a:spcBef>
+                <a:spcPts val="500"/>
+              </a:spcBef>
+              <a:spcAft>
+                <a:spcPts val="0"/>
+              </a:spcAft>
+              <a:buClr>
+                <a:schemeClr val="lt1"/>
+              </a:buClr>
+              <a:buSzPts val="1400"/>
+              <a:buFont typeface="Arial"/>
+              <a:buChar char="•"/>
+              <a:defRPr sz="1400" b="0" i="0" u="none" strike="noStrike" cap="none">
+                <a:solidFill>
+                  <a:schemeClr val="lt1"/>
+                </a:solidFill>
+                <a:latin typeface="Trebuchet MS"/>
+                <a:ea typeface="Trebuchet MS"/>
+                <a:cs typeface="Trebuchet MS"/>
+                <a:sym typeface="Trebuchet MS"/>
+              </a:defRPr>
+            </a:lvl8pPr>
+            <a:lvl9pPr marL="4114800" marR="0" lvl="8" indent="-317500" algn="l" rtl="0">
+              <a:lnSpc>
+                <a:spcPct val="90000"/>
+              </a:lnSpc>
+              <a:spcBef>
+                <a:spcPts val="500"/>
+              </a:spcBef>
+              <a:spcAft>
+                <a:spcPts val="0"/>
+              </a:spcAft>
+              <a:buClr>
+                <a:schemeClr val="lt1"/>
+              </a:buClr>
+              <a:buSzPts val="1400"/>
+              <a:buFont typeface="Arial"/>
+              <a:buChar char="•"/>
+              <a:defRPr sz="1400" b="0" i="0" u="none" strike="noStrike" cap="none">
+                <a:solidFill>
+                  <a:schemeClr val="lt1"/>
+                </a:solidFill>
+                <a:latin typeface="Trebuchet MS"/>
+                <a:ea typeface="Trebuchet MS"/>
+                <a:cs typeface="Trebuchet MS"/>
+                <a:sym typeface="Trebuchet MS"/>
+              </a:defRPr>
+            </a:lvl9pPr>
+          </a:lstStyle>
+          <a:p>
+            <a:pPr marL="76200" indent="0">
+              <a:spcBef>
+                <a:spcPts val="400"/>
+              </a:spcBef>
+              <a:buNone/>
+            </a:pPr>
+            <a:r>
+              <a:rPr lang="es-AR" sz="2000" dirty="0" err="1">
+                <a:solidFill>
+                  <a:srgbClr val="0000FF"/>
+                </a:solidFill>
+                <a:latin typeface="Consolas" panose="020B0609020204030204" pitchFamily="49" charset="0"/>
+              </a:rPr>
+              <a:t>if</a:t>
+            </a:r>
+            <a:r>
+              <a:rPr lang="es-AR" sz="2000" dirty="0">
+                <a:solidFill>
+                  <a:srgbClr val="000000"/>
+                </a:solidFill>
+                <a:latin typeface="Consolas" panose="020B0609020204030204" pitchFamily="49" charset="0"/>
+              </a:rPr>
+              <a:t>(</a:t>
+            </a:r>
+            <a:r>
+              <a:rPr lang="es-AR" sz="2000" dirty="0" err="1">
+                <a:solidFill>
+                  <a:srgbClr val="000000"/>
+                </a:solidFill>
+                <a:latin typeface="Consolas" panose="020B0609020204030204" pitchFamily="49" charset="0"/>
+              </a:rPr>
+              <a:t>form.ShowDialog</a:t>
+            </a:r>
+            <a:r>
+              <a:rPr lang="es-AR" sz="2000" dirty="0">
+                <a:solidFill>
+                  <a:srgbClr val="000000"/>
+                </a:solidFill>
+                <a:latin typeface="Consolas" panose="020B0609020204030204" pitchFamily="49" charset="0"/>
+              </a:rPr>
+              <a:t>() == </a:t>
+            </a:r>
+            <a:r>
+              <a:rPr lang="es-AR" sz="2000" dirty="0" err="1">
+                <a:solidFill>
+                  <a:srgbClr val="000000"/>
+                </a:solidFill>
+                <a:latin typeface="Consolas" panose="020B0609020204030204" pitchFamily="49" charset="0"/>
+              </a:rPr>
+              <a:t>DialogResult.OK</a:t>
+            </a:r>
+            <a:r>
+              <a:rPr lang="es-AR" sz="2000" dirty="0">
+                <a:solidFill>
+                  <a:srgbClr val="000000"/>
+                </a:solidFill>
+                <a:latin typeface="Consolas" panose="020B0609020204030204" pitchFamily="49" charset="0"/>
+              </a:rPr>
+              <a:t>) {</a:t>
+            </a:r>
+          </a:p>
+          <a:p>
+            <a:pPr marL="76200" indent="0">
+              <a:spcBef>
+                <a:spcPts val="400"/>
+              </a:spcBef>
+              <a:buNone/>
+            </a:pPr>
+            <a:r>
+              <a:rPr lang="es-AR" sz="2000" dirty="0">
+                <a:solidFill>
+                  <a:srgbClr val="008000"/>
+                </a:solidFill>
+                <a:latin typeface="Consolas" panose="020B0609020204030204" pitchFamily="49" charset="0"/>
+              </a:rPr>
+              <a:t>    // ...</a:t>
+            </a:r>
+            <a:endParaRPr lang="es-AR" sz="2000" dirty="0">
+              <a:solidFill>
+                <a:srgbClr val="000000"/>
+              </a:solidFill>
+              <a:latin typeface="Consolas" panose="020B0609020204030204" pitchFamily="49" charset="0"/>
+            </a:endParaRPr>
+          </a:p>
+          <a:p>
+            <a:pPr marL="76200" indent="0">
+              <a:spcBef>
+                <a:spcPts val="400"/>
+              </a:spcBef>
+              <a:buNone/>
+            </a:pPr>
+            <a:r>
+              <a:rPr lang="es-AR" sz="2000" dirty="0">
+                <a:solidFill>
+                  <a:srgbClr val="000000"/>
+                </a:solidFill>
+                <a:latin typeface="Consolas" panose="020B0609020204030204" pitchFamily="49" charset="0"/>
+              </a:rPr>
+              <a:t>}</a:t>
+            </a:r>
+          </a:p>
+        </p:txBody>
+      </p:sp>
+      <p:sp>
+        <p:nvSpPr>
+          <p:cNvPr id="5" name="Google Shape;408;p22"/>
+          <p:cNvSpPr txBox="1">
+            <a:spLocks/>
+          </p:cNvSpPr>
+          <p:nvPr/>
+        </p:nvSpPr>
+        <p:spPr>
+          <a:xfrm>
+            <a:off x="680319" y="2330032"/>
+            <a:ext cx="9613861" cy="487060"/>
+          </a:xfrm>
+          <a:prstGeom prst="rect">
+            <a:avLst/>
+          </a:prstGeom>
+          <a:solidFill>
+            <a:srgbClr val="FFFFFF"/>
+          </a:solidFill>
+          <a:ln>
+            <a:noFill/>
+          </a:ln>
+        </p:spPr>
+        <p:txBody>
+          <a:bodyPr spcFirstLastPara="1" wrap="square" lIns="91425" tIns="45700" rIns="91425" bIns="45700" anchor="t" anchorCtr="0">
+            <a:noAutofit/>
+          </a:bodyPr>
+          <a:lstStyle>
+            <a:defPPr marR="0" lvl="0" algn="l" rtl="0">
+              <a:lnSpc>
+                <a:spcPct val="100000"/>
+              </a:lnSpc>
+              <a:spcBef>
+                <a:spcPts val="0"/>
+              </a:spcBef>
+              <a:spcAft>
+                <a:spcPts val="0"/>
+              </a:spcAft>
+            </a:defPPr>
+            <a:lvl1pPr marL="457200" marR="0" lvl="0" indent="-381000" algn="l" rtl="0">
+              <a:lnSpc>
+                <a:spcPct val="90000"/>
+              </a:lnSpc>
+              <a:spcBef>
+                <a:spcPts val="1000"/>
+              </a:spcBef>
+              <a:spcAft>
+                <a:spcPts val="0"/>
+              </a:spcAft>
+              <a:buClr>
+                <a:schemeClr val="lt1"/>
+              </a:buClr>
+              <a:buSzPts val="2400"/>
+              <a:buFont typeface="Arial"/>
+              <a:buChar char="•"/>
+              <a:defRPr sz="2400" b="0" i="0" u="none" strike="noStrike" cap="none">
+                <a:solidFill>
+                  <a:schemeClr val="lt1"/>
+                </a:solidFill>
+                <a:latin typeface="Trebuchet MS"/>
+                <a:ea typeface="Trebuchet MS"/>
+                <a:cs typeface="Trebuchet MS"/>
+                <a:sym typeface="Trebuchet MS"/>
+              </a:defRPr>
+            </a:lvl1pPr>
+            <a:lvl2pPr marL="914400" marR="0" lvl="1" indent="-355600" algn="l" rtl="0">
+              <a:lnSpc>
+                <a:spcPct val="90000"/>
+              </a:lnSpc>
+              <a:spcBef>
+                <a:spcPts val="500"/>
+              </a:spcBef>
+              <a:spcAft>
+                <a:spcPts val="0"/>
+              </a:spcAft>
+              <a:buClr>
+                <a:schemeClr val="lt1"/>
+              </a:buClr>
+              <a:buSzPts val="2000"/>
+              <a:buFont typeface="Arial"/>
+              <a:buChar char="•"/>
+              <a:defRPr sz="2000" b="0" i="0" u="none" strike="noStrike" cap="none">
+                <a:solidFill>
+                  <a:schemeClr val="lt1"/>
+                </a:solidFill>
+                <a:latin typeface="Trebuchet MS"/>
+                <a:ea typeface="Trebuchet MS"/>
+                <a:cs typeface="Trebuchet MS"/>
+                <a:sym typeface="Trebuchet MS"/>
+              </a:defRPr>
+            </a:lvl2pPr>
+            <a:lvl3pPr marL="1371600" marR="0" lvl="2" indent="-342900" algn="l" rtl="0">
+              <a:lnSpc>
+                <a:spcPct val="90000"/>
+              </a:lnSpc>
+              <a:spcBef>
+                <a:spcPts val="500"/>
+              </a:spcBef>
+              <a:spcAft>
+                <a:spcPts val="0"/>
+              </a:spcAft>
+              <a:buClr>
+                <a:schemeClr val="lt1"/>
+              </a:buClr>
+              <a:buSzPts val="1800"/>
+              <a:buFont typeface="Arial"/>
+              <a:buChar char="•"/>
+              <a:defRPr sz="1800" b="0" i="0" u="none" strike="noStrike" cap="none">
+                <a:solidFill>
+                  <a:schemeClr val="lt1"/>
+                </a:solidFill>
+                <a:latin typeface="Trebuchet MS"/>
+                <a:ea typeface="Trebuchet MS"/>
+                <a:cs typeface="Trebuchet MS"/>
+                <a:sym typeface="Trebuchet MS"/>
+              </a:defRPr>
+            </a:lvl3pPr>
+            <a:lvl4pPr marL="1828800" marR="0" lvl="3" indent="-330200" algn="l" rtl="0">
+              <a:lnSpc>
+                <a:spcPct val="90000"/>
+              </a:lnSpc>
+              <a:spcBef>
+                <a:spcPts val="500"/>
+              </a:spcBef>
+              <a:spcAft>
+                <a:spcPts val="0"/>
+              </a:spcAft>
+              <a:buClr>
+                <a:schemeClr val="lt1"/>
+              </a:buClr>
+              <a:buSzPts val="1600"/>
+              <a:buFont typeface="Arial"/>
+              <a:buChar char="•"/>
+              <a:defRPr sz="1600" b="0" i="0" u="none" strike="noStrike" cap="none">
+                <a:solidFill>
+                  <a:schemeClr val="lt1"/>
+                </a:solidFill>
+                <a:latin typeface="Trebuchet MS"/>
+                <a:ea typeface="Trebuchet MS"/>
+                <a:cs typeface="Trebuchet MS"/>
+                <a:sym typeface="Trebuchet MS"/>
+              </a:defRPr>
+            </a:lvl4pPr>
+            <a:lvl5pPr marL="2286000" marR="0" lvl="4" indent="-330200" algn="l" rtl="0">
+              <a:lnSpc>
+                <a:spcPct val="90000"/>
+              </a:lnSpc>
+              <a:spcBef>
+                <a:spcPts val="500"/>
+              </a:spcBef>
+              <a:spcAft>
+                <a:spcPts val="0"/>
+              </a:spcAft>
+              <a:buClr>
+                <a:schemeClr val="lt1"/>
+              </a:buClr>
+              <a:buSzPts val="1600"/>
+              <a:buFont typeface="Arial"/>
+              <a:buChar char="•"/>
+              <a:defRPr sz="1600" b="0" i="0" u="none" strike="noStrike" cap="none">
+                <a:solidFill>
+                  <a:schemeClr val="lt1"/>
+                </a:solidFill>
+                <a:latin typeface="Trebuchet MS"/>
+                <a:ea typeface="Trebuchet MS"/>
+                <a:cs typeface="Trebuchet MS"/>
+                <a:sym typeface="Trebuchet MS"/>
+              </a:defRPr>
+            </a:lvl5pPr>
+            <a:lvl6pPr marL="2743200" marR="0" lvl="5" indent="-317500" algn="l" rtl="0">
+              <a:lnSpc>
+                <a:spcPct val="90000"/>
+              </a:lnSpc>
+              <a:spcBef>
+                <a:spcPts val="500"/>
+              </a:spcBef>
+              <a:spcAft>
+                <a:spcPts val="0"/>
+              </a:spcAft>
+              <a:buClr>
+                <a:schemeClr val="lt1"/>
+              </a:buClr>
+              <a:buSzPts val="1400"/>
+              <a:buFont typeface="Arial"/>
+              <a:buChar char="•"/>
+              <a:defRPr sz="1400" b="0" i="0" u="none" strike="noStrike" cap="none">
+                <a:solidFill>
+                  <a:schemeClr val="lt1"/>
+                </a:solidFill>
+                <a:latin typeface="Trebuchet MS"/>
+                <a:ea typeface="Trebuchet MS"/>
+                <a:cs typeface="Trebuchet MS"/>
+                <a:sym typeface="Trebuchet MS"/>
+              </a:defRPr>
+            </a:lvl6pPr>
+            <a:lvl7pPr marL="3200400" marR="0" lvl="6" indent="-317500" algn="l" rtl="0">
+              <a:lnSpc>
+                <a:spcPct val="90000"/>
+              </a:lnSpc>
+              <a:spcBef>
+                <a:spcPts val="500"/>
+              </a:spcBef>
+              <a:spcAft>
+                <a:spcPts val="0"/>
+              </a:spcAft>
+              <a:buClr>
+                <a:schemeClr val="lt1"/>
+              </a:buClr>
+              <a:buSzPts val="1400"/>
+              <a:buFont typeface="Arial"/>
+              <a:buChar char="•"/>
+              <a:defRPr sz="1400" b="0" i="0" u="none" strike="noStrike" cap="none">
+                <a:solidFill>
+                  <a:schemeClr val="lt1"/>
+                </a:solidFill>
+                <a:latin typeface="Trebuchet MS"/>
+                <a:ea typeface="Trebuchet MS"/>
+                <a:cs typeface="Trebuchet MS"/>
+                <a:sym typeface="Trebuchet MS"/>
+              </a:defRPr>
+            </a:lvl7pPr>
+            <a:lvl8pPr marL="3657600" marR="0" lvl="7" indent="-317500" algn="l" rtl="0">
+              <a:lnSpc>
+                <a:spcPct val="90000"/>
+              </a:lnSpc>
+              <a:spcBef>
+                <a:spcPts val="500"/>
+              </a:spcBef>
+              <a:spcAft>
+                <a:spcPts val="0"/>
+              </a:spcAft>
+              <a:buClr>
+                <a:schemeClr val="lt1"/>
+              </a:buClr>
+              <a:buSzPts val="1400"/>
+              <a:buFont typeface="Arial"/>
+              <a:buChar char="•"/>
+              <a:defRPr sz="1400" b="0" i="0" u="none" strike="noStrike" cap="none">
+                <a:solidFill>
+                  <a:schemeClr val="lt1"/>
+                </a:solidFill>
+                <a:latin typeface="Trebuchet MS"/>
+                <a:ea typeface="Trebuchet MS"/>
+                <a:cs typeface="Trebuchet MS"/>
+                <a:sym typeface="Trebuchet MS"/>
+              </a:defRPr>
+            </a:lvl8pPr>
+            <a:lvl9pPr marL="4114800" marR="0" lvl="8" indent="-317500" algn="l" rtl="0">
+              <a:lnSpc>
+                <a:spcPct val="90000"/>
+              </a:lnSpc>
+              <a:spcBef>
+                <a:spcPts val="500"/>
+              </a:spcBef>
+              <a:spcAft>
+                <a:spcPts val="0"/>
+              </a:spcAft>
+              <a:buClr>
+                <a:schemeClr val="lt1"/>
+              </a:buClr>
+              <a:buSzPts val="1400"/>
+              <a:buFont typeface="Arial"/>
+              <a:buChar char="•"/>
+              <a:defRPr sz="1400" b="0" i="0" u="none" strike="noStrike" cap="none">
+                <a:solidFill>
+                  <a:schemeClr val="lt1"/>
+                </a:solidFill>
+                <a:latin typeface="Trebuchet MS"/>
+                <a:ea typeface="Trebuchet MS"/>
+                <a:cs typeface="Trebuchet MS"/>
+                <a:sym typeface="Trebuchet MS"/>
+              </a:defRPr>
+            </a:lvl9pPr>
+          </a:lstStyle>
+          <a:p>
+            <a:pPr marL="76200" indent="0">
+              <a:spcBef>
+                <a:spcPts val="400"/>
+              </a:spcBef>
+              <a:buNone/>
+            </a:pPr>
+            <a:r>
+              <a:rPr lang="es-AR" sz="2000">
+                <a:solidFill>
+                  <a:srgbClr val="0000FF"/>
+                </a:solidFill>
+                <a:latin typeface="Consolas" panose="020B0609020204030204" pitchFamily="49" charset="0"/>
+              </a:rPr>
+              <a:t>this</a:t>
+            </a:r>
+            <a:r>
+              <a:rPr lang="es-AR" sz="2000">
+                <a:solidFill>
+                  <a:srgbClr val="000000"/>
+                </a:solidFill>
+                <a:latin typeface="Consolas" panose="020B0609020204030204" pitchFamily="49" charset="0"/>
+              </a:rPr>
+              <a:t>.DialogResult = DialogResult.OK;</a:t>
+            </a:r>
+            <a:endParaRPr lang="es-AR" sz="2000" dirty="0">
+              <a:solidFill>
+                <a:srgbClr val="000000"/>
+              </a:solidFill>
+              <a:latin typeface="Consolas" panose="020B0609020204030204" pitchFamily="49" charset="0"/>
+            </a:endParaRPr>
+          </a:p>
+        </p:txBody>
+      </p:sp>
+    </p:spTree>
+    <p:extLst>
+      <p:ext uri="{BB962C8B-B14F-4D97-AF65-F5344CB8AC3E}">
+        <p14:creationId xmlns:p14="http://schemas.microsoft.com/office/powerpoint/2010/main" val="2011746164"/>
+      </p:ext>
+    </p:extLst>
+  </p:cSld>
+  <p:clrMapOvr>
+    <a:masterClrMapping/>
+  </p:clrMapOvr>
+</p:sld>
+</file>
+
+<file path=ppt/slides/slide8.xml><?xml version="1.0" encoding="utf-8"?>
+<p:sld xmlns:a="http://schemas.openxmlformats.org/drawingml/2006/main" xmlns:r="http://schemas.openxmlformats.org/officeDocument/2006/relationships" xmlns:p="http://schemas.openxmlformats.org/presentationml/2006/main">
+  <p:cSld>
+    <p:spTree>
+      <p:nvGrpSpPr>
+        <p:cNvPr id="1" name=""/>
+        <p:cNvGrpSpPr/>
+        <p:nvPr/>
+      </p:nvGrpSpPr>
+      <p:grpSpPr>
+        <a:xfrm>
+          <a:off x="0" y="0"/>
+          <a:ext cx="0" cy="0"/>
+          <a:chOff x="0" y="0"/>
+          <a:chExt cx="0" cy="0"/>
+        </a:xfrm>
+      </p:grpSpPr>
+      <p:sp>
+        <p:nvSpPr>
+          <p:cNvPr id="2" name="Título 1"/>
+          <p:cNvSpPr>
+            <a:spLocks noGrp="1"/>
+          </p:cNvSpPr>
+          <p:nvPr>
+            <p:ph type="title"/>
+          </p:nvPr>
+        </p:nvSpPr>
+        <p:spPr/>
+        <p:txBody>
+          <a:bodyPr/>
+          <a:lstStyle/>
+          <a:p>
+            <a:r>
               <a:rPr lang="es-ES" dirty="0"/>
               <a:t>Ciclo de Vida</a:t>
             </a:r>
@@ -13280,20 +14424,7 @@
                 </a:effectLst>
                 <a:latin typeface="Franklin Gothic Medium" panose="020B0603020102020204" pitchFamily="34" charset="0"/>
               </a:rPr>
-              <a:t> pertenecen al ciclo de vida del formulario</a:t>
-            </a:r>
-            <a:r>
-              <a:rPr lang="es-ES" dirty="0" smtClean="0">
-                <a:effectLst>
-                  <a:outerShdw blurRad="38100" dist="38100" dir="2700000" algn="tl">
-                    <a:srgbClr val="000000">
-                      <a:alpha val="43137"/>
-                    </a:srgbClr>
-                  </a:outerShdw>
-                </a:effectLst>
-                <a:latin typeface="Franklin Gothic Medium" panose="020B0603020102020204" pitchFamily="34" charset="0"/>
-              </a:rPr>
-              <a:t>.</a:t>
+              <a:t> pertenecen al ciclo de vida del formulario.</a:t>
             </a:r>
             <a:endParaRPr lang="es-AR" dirty="0">
               <a:effectLst>
@@ -13348,18 +14479,13 @@
           <a:p>
             <a:pPr algn="ctr"/>
             <a:r>
-              <a:rPr lang="es-AR" dirty="0" smtClean="0">
+              <a:rPr lang="es-AR" dirty="0">
                 <a:solidFill>
                   <a:schemeClr val="bg1"/>
                 </a:solidFill>
               </a:rPr>
               <a:t>New</a:t>
             </a:r>
-            <a:endParaRPr lang="es-AR" dirty="0">
-              <a:solidFill>
-                <a:schemeClr val="bg1"/>
-              </a:solidFill>
-            </a:endParaRPr>
           </a:p>
         </p:txBody>
       </p:sp>
@@ -13403,18 +14529,13 @@
           <a:p>
             <a:pPr algn="ctr"/>
             <a:r>
-              <a:rPr lang="es-AR" dirty="0" smtClean="0">
+              <a:rPr lang="es-AR" dirty="0">
                 <a:solidFill>
                   <a:schemeClr val="bg1"/>
                 </a:solidFill>
               </a:rPr>
               <a:t>Load</a:t>
             </a:r>
-            <a:endParaRPr lang="es-AR" dirty="0">
-              <a:solidFill>
-                <a:schemeClr val="bg1"/>
-              </a:solidFill>
-            </a:endParaRPr>
           </a:p>
         </p:txBody>
       </p:sp>
@@ -13458,7 +14579,7 @@
           <a:p>
             <a:pPr algn="ctr"/>
             <a:r>
-              <a:rPr lang="es-AR" dirty="0" err="1" smtClean="0">
+              <a:rPr lang="es-AR" dirty="0" err="1">
                 <a:solidFill>
                   <a:schemeClr val="bg1"/>
                 </a:solidFill>
@@ -13513,7 +14634,7 @@
           <a:p>
             <a:pPr algn="ctr"/>
             <a:r>
-              <a:rPr lang="es-AR" dirty="0" err="1" smtClean="0">
+              <a:rPr lang="es-AR" dirty="0" err="1">
                 <a:solidFill>
                   <a:schemeClr val="bg1"/>
                 </a:solidFill>
@@ -13568,7 +14689,7 @@
           <a:p>
             <a:pPr algn="ctr"/>
             <a:r>
-              <a:rPr lang="es-AR" dirty="0" err="1" smtClean="0">
+              <a:rPr lang="es-AR" dirty="0" err="1">
                 <a:solidFill>
                   <a:schemeClr val="bg1"/>
                 </a:solidFill>
@@ -13623,7 +14744,7 @@
           <a:p>
             <a:pPr algn="ctr"/>
             <a:r>
-              <a:rPr lang="es-AR" dirty="0" err="1" smtClean="0">
+              <a:rPr lang="es-AR" dirty="0" err="1">
                 <a:solidFill>
                   <a:schemeClr val="bg1"/>
                 </a:solidFill>
@@ -13678,7 +14799,7 @@
           <a:p>
             <a:pPr algn="ctr"/>
             <a:r>
-              <a:rPr lang="es-AR" dirty="0" err="1" smtClean="0">
+              <a:rPr lang="es-AR" dirty="0" err="1">
                 <a:solidFill>
                   <a:schemeClr val="bg1"/>
                 </a:solidFill>
@@ -13752,7 +14873,7 @@
           <a:lstStyle/>
           <a:p>
             <a:r>
-              <a:rPr lang="es-AR" sz="2000" dirty="0" smtClean="0">
+              <a:rPr lang="es-AR" sz="2000" dirty="0">
                 <a:effectLst>
                   <a:outerShdw blurRad="38100" dist="38100" dir="2700000" algn="tl">
                     <a:srgbClr val="000000">
@@ -13764,16 +14885,6 @@
               </a:rPr>
               <a:t>Se crea la instancia del formulario</a:t>
             </a:r>
-            <a:endParaRPr lang="es-AR" sz="2000" dirty="0">
-              <a:effectLst>
-                <a:outerShdw blurRad="38100" dist="38100" dir="2700000" algn="tl">
-                  <a:srgbClr val="000000">
-                    <a:alpha val="43137"/>
-                  </a:srgbClr>
-                </a:outerShdw>
-              </a:effectLst>
-              <a:latin typeface="Franklin Gothic Medium" panose="020B0603020102020204" pitchFamily="34" charset="0"/>
-            </a:endParaRPr>
           </a:p>
         </p:txBody>
       </p:sp>
@@ -13911,7 +15022,7 @@
           <a:lstStyle/>
           <a:p>
             <a:r>
-              <a:rPr lang="es-AR" sz="2000" dirty="0" smtClean="0"/>
+              <a:rPr lang="es-AR" sz="2000" dirty="0"/>
               <a:t>Se dibuja el formulario y sus controles</a:t>
             </a:r>
             <a:endParaRPr lang="es-AR" sz="2000" dirty="0">
@@ -13987,11 +15098,7 @@
           <a:p>
             <a:r>
               <a:rPr lang="es-AR" sz="2000" dirty="0"/>
-              <a:t>El formulario </a:t>
-            </a:r>
-            <a:r>
-              <a:rPr lang="es-AR" sz="2000" dirty="0" smtClean="0"/>
-              <a:t>recibe foco</a:t>
+              <a:t>El formulario recibe foco</a:t>
             </a:r>
             <a:endParaRPr lang="es-AR" sz="2000" dirty="0">
               <a:effectLst>
@@ -14065,7 +15172,7 @@
           <a:lstStyle/>
           <a:p>
             <a:r>
-              <a:rPr lang="es-AR" sz="2000" dirty="0" smtClean="0"/>
+              <a:rPr lang="es-AR" sz="2000" dirty="0"/>
               <a:t>Permite cancelar el cierre</a:t>
             </a:r>
             <a:endParaRPr lang="es-AR" sz="2000" dirty="0">
@@ -14140,7 +15247,7 @@
           <a:lstStyle/>
           <a:p>
             <a:r>
-              <a:rPr lang="es-AR" sz="2000" dirty="0" smtClean="0">
+              <a:rPr lang="es-AR" sz="2000" dirty="0">
                 <a:effectLst>
                   <a:outerShdw blurRad="38100" dist="38100" dir="2700000" algn="tl">
                     <a:srgbClr val="000000">
@@ -14152,16 +15259,6 @@
               </a:rPr>
               <a:t>El formulario ya es invisible</a:t>
             </a:r>
-            <a:endParaRPr lang="es-AR" sz="2000" dirty="0">
-              <a:effectLst>
-                <a:outerShdw blurRad="38100" dist="38100" dir="2700000" algn="tl">
-                  <a:srgbClr val="000000">
-                    <a:alpha val="43137"/>
-                  </a:srgbClr>
-                </a:outerShdw>
-              </a:effectLst>
-              <a:latin typeface="Franklin Gothic Medium" panose="020B0603020102020204" pitchFamily="34" charset="0"/>
-            </a:endParaRPr>
           </a:p>
         </p:txBody>
       </p:sp>
@@ -14225,11 +15322,7 @@
           <a:p>
             <a:r>
               <a:rPr lang="es-AR" sz="2000" dirty="0"/>
-              <a:t>El </a:t>
-            </a:r>
-            <a:r>
-              <a:rPr lang="es-AR" sz="2000" dirty="0" smtClean="0"/>
-              <a:t>objeto está siendo destruido</a:t>
+              <a:t>El objeto está siendo destruido</a:t>
             </a:r>
             <a:endParaRPr lang="es-AR" sz="2000" dirty="0">
               <a:effectLst>
@@ -16130,283 +17223,6 @@
 </p:sld>
 </file>
 
-<file path=ppt/slides/slide8.xml><?xml version="1.0" encoding="utf-8"?>
-<p:sld xmlns:a="http://schemas.openxmlformats.org/drawingml/2006/main" xmlns:r="http://schemas.openxmlformats.org/officeDocument/2006/relationships" xmlns:p="http://schemas.openxmlformats.org/presentationml/2006/main">
-  <p:cSld>
-    <p:spTree>
-      <p:nvGrpSpPr>
-        <p:cNvPr id="1" name=""/>
-        <p:cNvGrpSpPr/>
-        <p:nvPr/>
-      </p:nvGrpSpPr>
-      <p:grpSpPr>
-        <a:xfrm>
-          <a:off x="0" y="0"/>
-          <a:ext cx="0" cy="0"/>
-          <a:chOff x="0" y="0"/>
-          <a:chExt cx="0" cy="0"/>
-        </a:xfrm>
-      </p:grpSpPr>
-      <p:sp>
-        <p:nvSpPr>
-          <p:cNvPr id="2" name="Título 1"/>
-          <p:cNvSpPr>
-            <a:spLocks noGrp="1"/>
-          </p:cNvSpPr>
-          <p:nvPr>
-            <p:ph type="title"/>
-          </p:nvPr>
-        </p:nvSpPr>
-        <p:spPr/>
-        <p:txBody>
-          <a:bodyPr/>
-          <a:lstStyle/>
-          <a:p>
-            <a:r>
-              <a:rPr lang="es-ES" dirty="0" err="1"/>
-              <a:t>MessageBox</a:t>
-            </a:r>
-            <a:endParaRPr lang="es-AR" dirty="0"/>
-          </a:p>
-        </p:txBody>
-      </p:sp>
-      <p:sp>
-        <p:nvSpPr>
-          <p:cNvPr id="3" name="Marcador de contenido 2"/>
-          <p:cNvSpPr>
-            <a:spLocks noGrp="1"/>
-          </p:cNvSpPr>
-          <p:nvPr>
-            <p:ph idx="1"/>
-          </p:nvPr>
-        </p:nvSpPr>
-        <p:spPr>
-          <a:xfrm>
-            <a:off x="680321" y="2336873"/>
-            <a:ext cx="10319775" cy="4254996"/>
-          </a:xfrm>
-        </p:spPr>
-        <p:txBody>
-          <a:bodyPr>
-            <a:normAutofit fontScale="92500" lnSpcReduction="10000"/>
-          </a:bodyPr>
-          <a:lstStyle/>
-          <a:p>
-            <a:pPr>
-              <a:defRPr/>
-            </a:pPr>
-            <a:r>
-              <a:rPr lang="es-ES_tradnl" sz="2800" dirty="0">
-                <a:effectLst>
-                  <a:outerShdw blurRad="38100" dist="38100" dir="2700000" algn="tl">
-                    <a:srgbClr val="000000">
-                      <a:alpha val="43137"/>
-                    </a:srgbClr>
-                  </a:outerShdw>
-                </a:effectLst>
-                <a:latin typeface="Franklin Gothic Medium" panose="020B0603020102020204" pitchFamily="34" charset="0"/>
-              </a:rPr>
-              <a:t>Para mostrar información o pedir intervención del usuario, es posible utilizar la clase </a:t>
-            </a:r>
-            <a:r>
-              <a:rPr lang="es-ES_tradnl" sz="2800" dirty="0" err="1">
-                <a:effectLst>
-                  <a:outerShdw blurRad="38100" dist="38100" dir="2700000" algn="tl">
-                    <a:srgbClr val="000000">
-                      <a:alpha val="43137"/>
-                    </a:srgbClr>
-                  </a:outerShdw>
-                </a:effectLst>
-                <a:latin typeface="Franklin Gothic Medium" panose="020B0603020102020204" pitchFamily="34" charset="0"/>
-              </a:rPr>
-              <a:t>MessageBox</a:t>
-            </a:r>
-            <a:r>
-              <a:rPr lang="es-ES_tradnl" sz="2800" dirty="0">
-                <a:effectLst>
-                  <a:outerShdw blurRad="38100" dist="38100" dir="2700000" algn="tl">
-                    <a:srgbClr val="000000">
-                      <a:alpha val="43137"/>
-                    </a:srgbClr>
-                  </a:outerShdw>
-                </a:effectLst>
-                <a:latin typeface="Franklin Gothic Medium" panose="020B0603020102020204" pitchFamily="34" charset="0"/>
-              </a:rPr>
-              <a:t>.</a:t>
-            </a:r>
-          </a:p>
-          <a:p>
-            <a:pPr>
-              <a:defRPr/>
-            </a:pPr>
-            <a:endParaRPr lang="es-ES_tradnl" sz="2200" dirty="0">
-              <a:effectLst>
-                <a:outerShdw blurRad="38100" dist="38100" dir="2700000" algn="tl">
-                  <a:srgbClr val="000000">
-                    <a:alpha val="43137"/>
-                  </a:srgbClr>
-                </a:outerShdw>
-              </a:effectLst>
-              <a:latin typeface="Franklin Gothic Medium" panose="020B0603020102020204" pitchFamily="34" charset="0"/>
-            </a:endParaRPr>
-          </a:p>
-          <a:p>
-            <a:pPr>
-              <a:defRPr/>
-            </a:pPr>
-            <a:r>
-              <a:rPr lang="es-ES_tradnl" sz="2800" dirty="0">
-                <a:effectLst>
-                  <a:outerShdw blurRad="38100" dist="38100" dir="2700000" algn="tl">
-                    <a:srgbClr val="000000">
-                      <a:alpha val="43137"/>
-                    </a:srgbClr>
-                  </a:outerShdw>
-                </a:effectLst>
-                <a:latin typeface="Franklin Gothic Medium" panose="020B0603020102020204" pitchFamily="34" charset="0"/>
-              </a:rPr>
-              <a:t>Esta clase contiene métodos estáticos que permiten mostrar un cuadro de mensaje para interactuar con el usuario de la aplicación.</a:t>
-            </a:r>
-          </a:p>
-          <a:p>
-            <a:pPr>
-              <a:defRPr/>
-            </a:pPr>
-            <a:endParaRPr lang="es-ES_tradnl" sz="2200" dirty="0">
-              <a:effectLst>
-                <a:outerShdw blurRad="38100" dist="38100" dir="2700000" algn="tl">
-                  <a:srgbClr val="000000">
-                    <a:alpha val="43137"/>
-                  </a:srgbClr>
-                </a:outerShdw>
-              </a:effectLst>
-              <a:latin typeface="Franklin Gothic Medium" panose="020B0603020102020204" pitchFamily="34" charset="0"/>
-            </a:endParaRPr>
-          </a:p>
-          <a:p>
-            <a:pPr>
-              <a:defRPr/>
-            </a:pPr>
-            <a:r>
-              <a:rPr lang="es-ES_tradnl" sz="2800" dirty="0">
-                <a:effectLst>
-                  <a:outerShdw blurRad="38100" dist="38100" dir="2700000" algn="tl">
-                    <a:srgbClr val="000000">
-                      <a:alpha val="43137"/>
-                    </a:srgbClr>
-                  </a:outerShdw>
-                </a:effectLst>
-                <a:latin typeface="Franklin Gothic Medium" panose="020B0603020102020204" pitchFamily="34" charset="0"/>
-              </a:rPr>
-              <a:t>Los parámetros se especifican a través de enumerados que facilitan la legibilidad del código, por ejemplo:</a:t>
-            </a:r>
-          </a:p>
-          <a:p>
-            <a:pPr lvl="1">
-              <a:defRPr/>
-            </a:pPr>
-            <a:r>
-              <a:rPr lang="es-ES_tradnl" sz="2400" dirty="0" err="1">
-                <a:effectLst>
-                  <a:outerShdw blurRad="38100" dist="38100" dir="2700000" algn="tl">
-                    <a:srgbClr val="000000">
-                      <a:alpha val="43137"/>
-                    </a:srgbClr>
-                  </a:outerShdw>
-                </a:effectLst>
-                <a:latin typeface="Franklin Gothic Medium" panose="020B0603020102020204" pitchFamily="34" charset="0"/>
-              </a:rPr>
-              <a:t>MessageBoxButtons.AbortRetryIgnore</a:t>
-            </a:r>
-            <a:endParaRPr lang="es-ES_tradnl" sz="2400" dirty="0">
-              <a:effectLst>
-                <a:outerShdw blurRad="38100" dist="38100" dir="2700000" algn="tl">
-                  <a:srgbClr val="000000">
-                    <a:alpha val="43137"/>
-                  </a:srgbClr>
-                </a:outerShdw>
-              </a:effectLst>
-              <a:latin typeface="Franklin Gothic Medium" panose="020B0603020102020204" pitchFamily="34" charset="0"/>
-            </a:endParaRPr>
-          </a:p>
-          <a:p>
-            <a:pPr lvl="1">
-              <a:defRPr/>
-            </a:pPr>
-            <a:r>
-              <a:rPr lang="es-ES_tradnl" sz="2400" dirty="0" err="1">
-                <a:effectLst>
-                  <a:outerShdw blurRad="38100" dist="38100" dir="2700000" algn="tl">
-                    <a:srgbClr val="000000">
-                      <a:alpha val="43137"/>
-                    </a:srgbClr>
-                  </a:outerShdw>
-                </a:effectLst>
-                <a:latin typeface="Franklin Gothic Medium" panose="020B0603020102020204" pitchFamily="34" charset="0"/>
-              </a:rPr>
-              <a:t>MessageBoxIcon.Error</a:t>
-            </a:r>
-            <a:endParaRPr lang="es-ES_tradnl" sz="2400" dirty="0">
-              <a:effectLst>
-                <a:outerShdw blurRad="38100" dist="38100" dir="2700000" algn="tl">
-                  <a:srgbClr val="000000">
-                    <a:alpha val="43137"/>
-                  </a:srgbClr>
-                </a:outerShdw>
-              </a:effectLst>
-              <a:latin typeface="Franklin Gothic Medium" panose="020B0603020102020204" pitchFamily="34" charset="0"/>
-            </a:endParaRPr>
-          </a:p>
-          <a:p>
-            <a:pPr lvl="1">
-              <a:defRPr/>
-            </a:pPr>
-            <a:r>
-              <a:rPr lang="es-ES_tradnl" sz="2400" dirty="0" smtClean="0">
-                <a:effectLst>
-                  <a:outerShdw blurRad="38100" dist="38100" dir="2700000" algn="tl">
-                    <a:srgbClr val="000000">
-                      <a:alpha val="43137"/>
-                    </a:srgbClr>
-                  </a:outerShdw>
-                </a:effectLst>
-                <a:latin typeface="Franklin Gothic Medium" panose="020B0603020102020204" pitchFamily="34" charset="0"/>
-              </a:rPr>
-              <a:t>MessageBoxDefaultButton.Button1</a:t>
-            </a:r>
-            <a:endParaRPr lang="es-ES" sz="2400" dirty="0">
-              <a:effectLst>
-                <a:outerShdw blurRad="38100" dist="38100" dir="2700000" algn="tl">
-                  <a:srgbClr val="000000">
-                    <a:alpha val="43137"/>
-                  </a:srgbClr>
-                </a:outerShdw>
-              </a:effectLst>
-              <a:latin typeface="Franklin Gothic Medium" panose="020B0603020102020204" pitchFamily="34" charset="0"/>
-            </a:endParaRPr>
-          </a:p>
-        </p:txBody>
-      </p:sp>
-    </p:spTree>
-    <p:extLst>
-      <p:ext uri="{BB962C8B-B14F-4D97-AF65-F5344CB8AC3E}">
-        <p14:creationId xmlns:p14="http://schemas.microsoft.com/office/powerpoint/2010/main" val="2470407680"/>
-      </p:ext>
-    </p:extLst>
-  </p:cSld>
-  <p:clrMapOvr>
-    <a:masterClrMapping/>
-  </p:clrMapOvr>
-  <p:timing>
-    <p:tnLst>
-      <p:par>
-        <p:cTn id="1" dur="indefinite" restart="never" nodeType="tmRoot"/>
-      </p:par>
-    </p:tnLst>
-  </p:timing>
-</p:sld>
-</file>
-
 <file path=ppt/slides/slide9.xml><?xml version="1.0" encoding="utf-8"?>
 <p:sld xmlns:a="http://schemas.openxmlformats.org/drawingml/2006/main" xmlns:r="http://schemas.openxmlformats.org/officeDocument/2006/relationships" xmlns:p="http://schemas.openxmlformats.org/presentationml/2006/main">
   <p:cSld>
@@ -16440,16 +17256,21 @@
           <a:lstStyle/>
           <a:p>
             <a:r>
-              <a:rPr lang="es-AR" dirty="0" smtClean="0"/>
-              <a:t>Propiedades</a:t>
-            </a:r>
-            <a:endParaRPr lang="es-AR" dirty="0"/>
+              <a:rPr lang="es-AR" dirty="0"/>
+              <a:t>Eventos de ciclo de vida</a:t>
+            </a:r>
           </a:p>
         </p:txBody>
       </p:sp>
       <p:sp>
         <p:nvSpPr>
-          <p:cNvPr id="3" name="Marcador de contenido 2"/>
+          <p:cNvPr id="7" name="Marcador de contenido 6">
+            <a:extLst>
+              <a:ext uri="{FF2B5EF4-FFF2-40B4-BE49-F238E27FC236}">
+                <a16:creationId xmlns:a16="http://schemas.microsoft.com/office/drawing/2014/main" id="{8E801ACD-4A07-44FB-8DAF-2B2E76AAA098}"/>
+              </a:ext>
+            </a:extLst>
+          </p:cNvPr>
           <p:cNvSpPr>
             <a:spLocks noGrp="1"/>
           </p:cNvSpPr>
@@ -16457,318 +17278,589 @@
             <p:ph idx="1"/>
           </p:nvPr>
         </p:nvSpPr>
+        <p:spPr/>
+        <p:txBody>
+          <a:bodyPr/>
+          <a:lstStyle/>
+          <a:p>
+            <a:endParaRPr lang="es-AR" dirty="0"/>
+          </a:p>
+        </p:txBody>
+      </p:sp>
+      <p:sp>
+        <p:nvSpPr>
+          <p:cNvPr id="5" name="Google Shape;408;p22"/>
+          <p:cNvSpPr txBox="1">
+            <a:spLocks/>
+          </p:cNvSpPr>
+          <p:nvPr/>
+        </p:nvSpPr>
         <p:spPr>
           <a:xfrm>
-            <a:off x="680321" y="2336873"/>
-            <a:ext cx="9613861" cy="4323234"/>
+            <a:off x="680319" y="2330031"/>
+            <a:ext cx="9701354" cy="2906987"/>
           </a:xfrm>
+          <a:prstGeom prst="rect">
+            <a:avLst/>
+          </a:prstGeom>
+          <a:solidFill>
+            <a:srgbClr val="FFFFFF"/>
+          </a:solidFill>
+          <a:ln>
+            <a:noFill/>
+          </a:ln>
         </p:spPr>
         <p:txBody>
-          <a:bodyPr>
-            <a:normAutofit fontScale="92500" lnSpcReduction="20000"/>
+          <a:bodyPr spcFirstLastPara="1" wrap="square" lIns="91425" tIns="45700" rIns="91425" bIns="45700" anchor="t" anchorCtr="0">
+            <a:noAutofit/>
           </a:bodyPr>
-          <a:lstStyle/>
-          <a:p>
-            <a:pPr>
-              <a:defRPr/>
+          <a:lstStyle>
+            <a:defPPr marR="0" lvl="0" algn="l" rtl="0">
+              <a:lnSpc>
+                <a:spcPct val="100000"/>
+              </a:lnSpc>
+              <a:spcBef>
+                <a:spcPts val="0"/>
+              </a:spcBef>
+              <a:spcAft>
+                <a:spcPts val="0"/>
+              </a:spcAft>
+            </a:defPPr>
+            <a:lvl1pPr marL="457200" marR="0" lvl="0" indent="-381000" algn="l" rtl="0">
+              <a:lnSpc>
+                <a:spcPct val="90000"/>
+              </a:lnSpc>
+              <a:spcBef>
+                <a:spcPts val="1000"/>
+              </a:spcBef>
+              <a:spcAft>
+                <a:spcPts val="0"/>
+              </a:spcAft>
+              <a:buClr>
+                <a:schemeClr val="lt1"/>
+              </a:buClr>
+              <a:buSzPts val="2400"/>
+              <a:buFont typeface="Arial"/>
+              <a:buChar char="•"/>
+              <a:defRPr sz="2400" b="0" i="0" u="none" strike="noStrike" cap="none">
+                <a:solidFill>
+                  <a:schemeClr val="lt1"/>
+                </a:solidFill>
+                <a:latin typeface="Trebuchet MS"/>
+                <a:ea typeface="Trebuchet MS"/>
+                <a:cs typeface="Trebuchet MS"/>
+                <a:sym typeface="Trebuchet MS"/>
+              </a:defRPr>
+            </a:lvl1pPr>
+            <a:lvl2pPr marL="914400" marR="0" lvl="1" indent="-355600" algn="l" rtl="0">
+              <a:lnSpc>
+                <a:spcPct val="90000"/>
+              </a:lnSpc>
+              <a:spcBef>
+                <a:spcPts val="500"/>
+              </a:spcBef>
+              <a:spcAft>
+                <a:spcPts val="0"/>
+              </a:spcAft>
+              <a:buClr>
+                <a:schemeClr val="lt1"/>
+              </a:buClr>
+              <a:buSzPts val="2000"/>
+              <a:buFont typeface="Arial"/>
+              <a:buChar char="•"/>
+              <a:defRPr sz="2000" b="0" i="0" u="none" strike="noStrike" cap="none">
+                <a:solidFill>
+                  <a:schemeClr val="lt1"/>
+                </a:solidFill>
+                <a:latin typeface="Trebuchet MS"/>
+                <a:ea typeface="Trebuchet MS"/>
+                <a:cs typeface="Trebuchet MS"/>
+                <a:sym typeface="Trebuchet MS"/>
+              </a:defRPr>
+            </a:lvl2pPr>
+            <a:lvl3pPr marL="1371600" marR="0" lvl="2" indent="-342900" algn="l" rtl="0">
+              <a:lnSpc>
+                <a:spcPct val="90000"/>
+              </a:lnSpc>
+              <a:spcBef>
+                <a:spcPts val="500"/>
+              </a:spcBef>
+              <a:spcAft>
+                <a:spcPts val="0"/>
+              </a:spcAft>
+              <a:buClr>
+                <a:schemeClr val="lt1"/>
+              </a:buClr>
+              <a:buSzPts val="1800"/>
+              <a:buFont typeface="Arial"/>
+              <a:buChar char="•"/>
+              <a:defRPr sz="1800" b="0" i="0" u="none" strike="noStrike" cap="none">
+                <a:solidFill>
+                  <a:schemeClr val="lt1"/>
+                </a:solidFill>
+                <a:latin typeface="Trebuchet MS"/>
+                <a:ea typeface="Trebuchet MS"/>
+                <a:cs typeface="Trebuchet MS"/>
+                <a:sym typeface="Trebuchet MS"/>
+              </a:defRPr>
+            </a:lvl3pPr>
+            <a:lvl4pPr marL="1828800" marR="0" lvl="3" indent="-330200" algn="l" rtl="0">
+              <a:lnSpc>
+                <a:spcPct val="90000"/>
+              </a:lnSpc>
+              <a:spcBef>
+                <a:spcPts val="500"/>
+              </a:spcBef>
+              <a:spcAft>
+                <a:spcPts val="0"/>
+              </a:spcAft>
+              <a:buClr>
+                <a:schemeClr val="lt1"/>
+              </a:buClr>
+              <a:buSzPts val="1600"/>
+              <a:buFont typeface="Arial"/>
+              <a:buChar char="•"/>
+              <a:defRPr sz="1600" b="0" i="0" u="none" strike="noStrike" cap="none">
+                <a:solidFill>
+                  <a:schemeClr val="lt1"/>
+                </a:solidFill>
+                <a:latin typeface="Trebuchet MS"/>
+                <a:ea typeface="Trebuchet MS"/>
+                <a:cs typeface="Trebuchet MS"/>
+                <a:sym typeface="Trebuchet MS"/>
+              </a:defRPr>
+            </a:lvl4pPr>
+            <a:lvl5pPr marL="2286000" marR="0" lvl="4" indent="-330200" algn="l" rtl="0">
+              <a:lnSpc>
+                <a:spcPct val="90000"/>
+              </a:lnSpc>
+              <a:spcBef>
+                <a:spcPts val="500"/>
+              </a:spcBef>
+              <a:spcAft>
+                <a:spcPts val="0"/>
+              </a:spcAft>
+              <a:buClr>
+                <a:schemeClr val="lt1"/>
+              </a:buClr>
+              <a:buSzPts val="1600"/>
+              <a:buFont typeface="Arial"/>
+              <a:buChar char="•"/>
+              <a:defRPr sz="1600" b="0" i="0" u="none" strike="noStrike" cap="none">
+                <a:solidFill>
+                  <a:schemeClr val="lt1"/>
+                </a:solidFill>
+                <a:latin typeface="Trebuchet MS"/>
+                <a:ea typeface="Trebuchet MS"/>
+                <a:cs typeface="Trebuchet MS"/>
+                <a:sym typeface="Trebuchet MS"/>
+              </a:defRPr>
+            </a:lvl5pPr>
+            <a:lvl6pPr marL="2743200" marR="0" lvl="5" indent="-317500" algn="l" rtl="0">
+              <a:lnSpc>
+                <a:spcPct val="90000"/>
+              </a:lnSpc>
+              <a:spcBef>
+                <a:spcPts val="500"/>
+              </a:spcBef>
+              <a:spcAft>
+                <a:spcPts val="0"/>
+              </a:spcAft>
+              <a:buClr>
+                <a:schemeClr val="lt1"/>
+              </a:buClr>
+              <a:buSzPts val="1400"/>
+              <a:buFont typeface="Arial"/>
+              <a:buChar char="•"/>
+              <a:defRPr sz="1400" b="0" i="0" u="none" strike="noStrike" cap="none">
+                <a:solidFill>
+                  <a:schemeClr val="lt1"/>
+                </a:solidFill>
+                <a:latin typeface="Trebuchet MS"/>
+                <a:ea typeface="Trebuchet MS"/>
+                <a:cs typeface="Trebuchet MS"/>
+                <a:sym typeface="Trebuchet MS"/>
+              </a:defRPr>
+            </a:lvl6pPr>
+            <a:lvl7pPr marL="3200400" marR="0" lvl="6" indent="-317500" algn="l" rtl="0">
+              <a:lnSpc>
+                <a:spcPct val="90000"/>
+              </a:lnSpc>
+              <a:spcBef>
+                <a:spcPts val="500"/>
+              </a:spcBef>
+              <a:spcAft>
+                <a:spcPts val="0"/>
+              </a:spcAft>
+              <a:buClr>
+                <a:schemeClr val="lt1"/>
+              </a:buClr>
+              <a:buSzPts val="1400"/>
+              <a:buFont typeface="Arial"/>
+              <a:buChar char="•"/>
+              <a:defRPr sz="1400" b="0" i="0" u="none" strike="noStrike" cap="none">
+                <a:solidFill>
+                  <a:schemeClr val="lt1"/>
+                </a:solidFill>
+                <a:latin typeface="Trebuchet MS"/>
+                <a:ea typeface="Trebuchet MS"/>
+                <a:cs typeface="Trebuchet MS"/>
+                <a:sym typeface="Trebuchet MS"/>
+              </a:defRPr>
+            </a:lvl7pPr>
+            <a:lvl8pPr marL="3657600" marR="0" lvl="7" indent="-317500" algn="l" rtl="0">
+              <a:lnSpc>
+                <a:spcPct val="90000"/>
+              </a:lnSpc>
+              <a:spcBef>
+                <a:spcPts val="500"/>
+              </a:spcBef>
+              <a:spcAft>
+                <a:spcPts val="0"/>
+              </a:spcAft>
+              <a:buClr>
+                <a:schemeClr val="lt1"/>
+              </a:buClr>
+              <a:buSzPts val="1400"/>
+              <a:buFont typeface="Arial"/>
+              <a:buChar char="•"/>
+              <a:defRPr sz="1400" b="0" i="0" u="none" strike="noStrike" cap="none">
+                <a:solidFill>
+                  <a:schemeClr val="lt1"/>
+                </a:solidFill>
+                <a:latin typeface="Trebuchet MS"/>
+                <a:ea typeface="Trebuchet MS"/>
+                <a:cs typeface="Trebuchet MS"/>
+                <a:sym typeface="Trebuchet MS"/>
+              </a:defRPr>
+            </a:lvl8pPr>
+            <a:lvl9pPr marL="4114800" marR="0" lvl="8" indent="-317500" algn="l" rtl="0">
+              <a:lnSpc>
+                <a:spcPct val="90000"/>
+              </a:lnSpc>
+              <a:spcBef>
+                <a:spcPts val="500"/>
+              </a:spcBef>
+              <a:spcAft>
+                <a:spcPts val="0"/>
+              </a:spcAft>
+              <a:buClr>
+                <a:schemeClr val="lt1"/>
+              </a:buClr>
+              <a:buSzPts val="1400"/>
+              <a:buFont typeface="Arial"/>
+              <a:buChar char="•"/>
+              <a:defRPr sz="1400" b="0" i="0" u="none" strike="noStrike" cap="none">
+                <a:solidFill>
+                  <a:schemeClr val="lt1"/>
+                </a:solidFill>
+                <a:latin typeface="Trebuchet MS"/>
+                <a:ea typeface="Trebuchet MS"/>
+                <a:cs typeface="Trebuchet MS"/>
+                <a:sym typeface="Trebuchet MS"/>
+              </a:defRPr>
+            </a:lvl9pPr>
+          </a:lstStyle>
+          <a:p>
+            <a:pPr marL="76200" indent="0">
+              <a:buNone/>
             </a:pPr>
             <a:r>
-              <a:rPr lang="es-ES" sz="2800" dirty="0" err="1">
-                <a:effectLst>
-                  <a:outerShdw blurRad="38100" dist="38100" dir="2700000" algn="tl">
-                    <a:srgbClr val="000000">
-                      <a:alpha val="43137"/>
-                    </a:srgbClr>
-                  </a:outerShdw>
-                </a:effectLst>
-                <a:latin typeface="Franklin Gothic Medium" panose="020B0603020102020204" pitchFamily="34" charset="0"/>
-              </a:rPr>
-              <a:t>Name</a:t>
-            </a:r>
-            <a:r>
-              <a:rPr lang="es-ES" dirty="0">
-                <a:effectLst>
-                  <a:outerShdw blurRad="38100" dist="38100" dir="2700000" algn="tl">
-                    <a:srgbClr val="000000">
-                      <a:alpha val="43137"/>
-                    </a:srgbClr>
-                  </a:outerShdw>
-                </a:effectLst>
-                <a:latin typeface="Franklin Gothic Medium" panose="020B0603020102020204" pitchFamily="34" charset="0"/>
+              <a:rPr lang="es-AR" sz="2000" dirty="0" err="1">
+                <a:solidFill>
+                  <a:srgbClr val="0000FF"/>
+                </a:solidFill>
+                <a:latin typeface="Consolas" panose="020B0609020204030204" pitchFamily="49" charset="0"/>
+              </a:rPr>
+              <a:t>private</a:t>
+            </a:r>
+            <a:r>
+              <a:rPr lang="es-AR" sz="2000" dirty="0">
+                <a:solidFill>
+                  <a:srgbClr val="000000"/>
+                </a:solidFill>
+                <a:latin typeface="Consolas" panose="020B0609020204030204" pitchFamily="49" charset="0"/>
               </a:rPr>
               <a:t> </a:t>
             </a:r>
-          </a:p>
-          <a:p>
-            <a:pPr lvl="1">
-              <a:defRPr/>
+            <a:r>
+              <a:rPr lang="es-AR" sz="2000" dirty="0" err="1">
+                <a:solidFill>
+                  <a:srgbClr val="0000FF"/>
+                </a:solidFill>
+                <a:latin typeface="Consolas" panose="020B0609020204030204" pitchFamily="49" charset="0"/>
+              </a:rPr>
+              <a:t>void</a:t>
+            </a:r>
+            <a:r>
+              <a:rPr lang="es-AR" sz="2000" dirty="0">
+                <a:solidFill>
+                  <a:srgbClr val="000000"/>
+                </a:solidFill>
+                <a:latin typeface="Consolas" panose="020B0609020204030204" pitchFamily="49" charset="0"/>
+              </a:rPr>
+              <a:t> </a:t>
+            </a:r>
+            <a:r>
+              <a:rPr lang="es-AR" sz="2000" dirty="0" err="1">
+                <a:solidFill>
+                  <a:srgbClr val="000000"/>
+                </a:solidFill>
+                <a:latin typeface="Consolas" panose="020B0609020204030204" pitchFamily="49" charset="0"/>
+              </a:rPr>
+              <a:t>Frm_FormClosing</a:t>
+            </a:r>
+            <a:r>
+              <a:rPr lang="es-AR" sz="2000" dirty="0">
+                <a:solidFill>
+                  <a:srgbClr val="000000"/>
+                </a:solidFill>
+                <a:latin typeface="Consolas" panose="020B0609020204030204" pitchFamily="49" charset="0"/>
+              </a:rPr>
+              <a:t>(</a:t>
+            </a:r>
+            <a:r>
+              <a:rPr lang="es-AR" sz="2000" dirty="0" err="1">
+                <a:solidFill>
+                  <a:srgbClr val="0000FF"/>
+                </a:solidFill>
+                <a:latin typeface="Consolas" panose="020B0609020204030204" pitchFamily="49" charset="0"/>
+              </a:rPr>
+              <a:t>object</a:t>
+            </a:r>
+            <a:r>
+              <a:rPr lang="es-AR" sz="2000" dirty="0">
+                <a:solidFill>
+                  <a:srgbClr val="000000"/>
+                </a:solidFill>
+                <a:latin typeface="Consolas" panose="020B0609020204030204" pitchFamily="49" charset="0"/>
+              </a:rPr>
+              <a:t> </a:t>
+            </a:r>
+            <a:r>
+              <a:rPr lang="es-AR" sz="2000" dirty="0" err="1">
+                <a:solidFill>
+                  <a:srgbClr val="000000"/>
+                </a:solidFill>
+                <a:latin typeface="Consolas" panose="020B0609020204030204" pitchFamily="49" charset="0"/>
+              </a:rPr>
+              <a:t>sender</a:t>
+            </a:r>
+            <a:r>
+              <a:rPr lang="es-AR" sz="2000" dirty="0">
+                <a:solidFill>
+                  <a:srgbClr val="000000"/>
+                </a:solidFill>
+                <a:latin typeface="Consolas" panose="020B0609020204030204" pitchFamily="49" charset="0"/>
+              </a:rPr>
+              <a:t>, </a:t>
+            </a:r>
+            <a:r>
+              <a:rPr lang="es-AR" sz="2000" dirty="0" err="1">
+                <a:solidFill>
+                  <a:srgbClr val="000000"/>
+                </a:solidFill>
+                <a:latin typeface="Consolas" panose="020B0609020204030204" pitchFamily="49" charset="0"/>
+              </a:rPr>
+              <a:t>FormClosingEventArgs</a:t>
+            </a:r>
+            <a:r>
+              <a:rPr lang="es-AR" sz="2000" dirty="0">
+                <a:solidFill>
+                  <a:srgbClr val="000000"/>
+                </a:solidFill>
+                <a:latin typeface="Consolas" panose="020B0609020204030204" pitchFamily="49" charset="0"/>
+              </a:rPr>
+              <a:t> e)</a:t>
+            </a:r>
+          </a:p>
+          <a:p>
+            <a:pPr marL="76200" indent="0">
+              <a:buNone/>
             </a:pPr>
             <a:r>
-              <a:rPr lang="es-ES" dirty="0">
-                <a:effectLst>
-                  <a:outerShdw blurRad="38100" dist="38100" dir="2700000" algn="tl">
-                    <a:srgbClr val="000000">
-                      <a:alpha val="43137"/>
-                    </a:srgbClr>
-                  </a:outerShdw>
-                </a:effectLst>
-                <a:latin typeface="Franklin Gothic Medium" panose="020B0603020102020204" pitchFamily="34" charset="0"/>
-              </a:rPr>
-              <a:t>Indica el nombre utilizado en el código para identificar el objeto.</a:t>
-            </a:r>
-          </a:p>
-          <a:p>
-            <a:pPr>
-              <a:defRPr/>
+              <a:rPr lang="es-AR" sz="2000" dirty="0">
+                <a:solidFill>
+                  <a:srgbClr val="000000"/>
+                </a:solidFill>
+                <a:latin typeface="Consolas" panose="020B0609020204030204" pitchFamily="49" charset="0"/>
+              </a:rPr>
+              <a:t>{</a:t>
+            </a:r>
+          </a:p>
+          <a:p>
+            <a:pPr marL="76200" indent="0">
+              <a:buNone/>
             </a:pPr>
             <a:r>
-              <a:rPr lang="es-ES" sz="2800" dirty="0" err="1">
-                <a:effectLst>
-                  <a:outerShdw blurRad="38100" dist="38100" dir="2700000" algn="tl">
-                    <a:srgbClr val="000000">
-                      <a:alpha val="43137"/>
-                    </a:srgbClr>
-                  </a:outerShdw>
-                </a:effectLst>
-                <a:latin typeface="Franklin Gothic Medium" panose="020B0603020102020204" pitchFamily="34" charset="0"/>
-              </a:rPr>
-              <a:t>BackColor</a:t>
-            </a:r>
-            <a:endParaRPr lang="es-ES" sz="2800" dirty="0">
-              <a:effectLst>
-                <a:outerShdw blurRad="38100" dist="38100" dir="2700000" algn="tl">
-                  <a:srgbClr val="000000">
-                    <a:alpha val="43137"/>
-                  </a:srgbClr>
-                </a:outerShdw>
-              </a:effectLst>
-              <a:latin typeface="Franklin Gothic Medium" panose="020B0603020102020204" pitchFamily="34" charset="0"/>
+              <a:rPr lang="es-AR" sz="2000" dirty="0">
+                <a:solidFill>
+                  <a:srgbClr val="000000"/>
+                </a:solidFill>
+                <a:latin typeface="Consolas" panose="020B0609020204030204" pitchFamily="49" charset="0"/>
+              </a:rPr>
+              <a:t>    </a:t>
+            </a:r>
+            <a:r>
+              <a:rPr lang="en-US" sz="2000" dirty="0">
+                <a:solidFill>
+                  <a:srgbClr val="0000FF"/>
+                </a:solidFill>
+                <a:latin typeface="Consolas" panose="020B0609020204030204" pitchFamily="49" charset="0"/>
+              </a:rPr>
+              <a:t>if</a:t>
+            </a:r>
+            <a:r>
+              <a:rPr lang="en-US" sz="2000" dirty="0">
+                <a:solidFill>
+                  <a:srgbClr val="000000"/>
+                </a:solidFill>
+                <a:latin typeface="Consolas" panose="020B0609020204030204" pitchFamily="49" charset="0"/>
+              </a:rPr>
+              <a:t>(</a:t>
+            </a:r>
+            <a:r>
+              <a:rPr lang="en-US" sz="2000" dirty="0" err="1">
+                <a:solidFill>
+                  <a:srgbClr val="000000"/>
+                </a:solidFill>
+                <a:latin typeface="Consolas" panose="020B0609020204030204" pitchFamily="49" charset="0"/>
+              </a:rPr>
+              <a:t>e.CloseReason</a:t>
+            </a:r>
+            <a:r>
+              <a:rPr lang="en-US" sz="2000" dirty="0">
+                <a:solidFill>
+                  <a:srgbClr val="000000"/>
+                </a:solidFill>
+                <a:latin typeface="Consolas" panose="020B0609020204030204" pitchFamily="49" charset="0"/>
+              </a:rPr>
+              <a:t> == </a:t>
+            </a:r>
+            <a:r>
+              <a:rPr lang="en-US" sz="2000" dirty="0" err="1">
+                <a:solidFill>
+                  <a:srgbClr val="000000"/>
+                </a:solidFill>
+                <a:latin typeface="Consolas" panose="020B0609020204030204" pitchFamily="49" charset="0"/>
+              </a:rPr>
+              <a:t>CloseReason.UserClosing</a:t>
+            </a:r>
+            <a:r>
+              <a:rPr lang="en-US" sz="2000" dirty="0">
+                <a:solidFill>
+                  <a:srgbClr val="000000"/>
+                </a:solidFill>
+                <a:latin typeface="Consolas" panose="020B0609020204030204" pitchFamily="49" charset="0"/>
+              </a:rPr>
+              <a:t>) </a:t>
+            </a:r>
+            <a:r>
+              <a:rPr lang="es-AR" sz="2000" dirty="0">
+                <a:solidFill>
+                  <a:srgbClr val="000000"/>
+                </a:solidFill>
+                <a:latin typeface="Consolas" panose="020B0609020204030204" pitchFamily="49" charset="0"/>
+              </a:rPr>
+              <a:t>{</a:t>
+            </a:r>
+            <a:endParaRPr lang="en-US" sz="2000" dirty="0">
+              <a:solidFill>
+                <a:srgbClr val="000000"/>
+              </a:solidFill>
+              <a:latin typeface="Consolas" panose="020B0609020204030204" pitchFamily="49" charset="0"/>
             </a:endParaRPr>
           </a:p>
           <a:p>
-            <a:pPr lvl="1">
-              <a:defRPr/>
+            <a:pPr marL="76200" indent="0">
+              <a:buNone/>
             </a:pPr>
             <a:r>
-              <a:rPr lang="es-ES" dirty="0">
-                <a:effectLst>
-                  <a:outerShdw blurRad="38100" dist="38100" dir="2700000" algn="tl">
-                    <a:srgbClr val="000000">
-                      <a:alpha val="43137"/>
-                    </a:srgbClr>
-                  </a:outerShdw>
-                </a:effectLst>
-                <a:latin typeface="Franklin Gothic Medium" panose="020B0603020102020204" pitchFamily="34" charset="0"/>
-              </a:rPr>
-              <a:t>Indica el color de fondo del componente.</a:t>
-            </a:r>
-          </a:p>
-          <a:p>
-            <a:pPr>
-              <a:defRPr/>
+              <a:rPr lang="es-AR" sz="2000" dirty="0">
+                <a:solidFill>
+                  <a:srgbClr val="000000"/>
+                </a:solidFill>
+                <a:latin typeface="Consolas" panose="020B0609020204030204" pitchFamily="49" charset="0"/>
+              </a:rPr>
+              <a:t>        </a:t>
+            </a:r>
+            <a:r>
+              <a:rPr lang="es-AR" sz="2000" dirty="0" err="1">
+                <a:solidFill>
+                  <a:srgbClr val="000000"/>
+                </a:solidFill>
+                <a:latin typeface="Consolas" panose="020B0609020204030204" pitchFamily="49" charset="0"/>
+              </a:rPr>
+              <a:t>e.Cancel</a:t>
+            </a:r>
+            <a:r>
+              <a:rPr lang="es-AR" sz="2000" dirty="0">
+                <a:solidFill>
+                  <a:srgbClr val="000000"/>
+                </a:solidFill>
+                <a:latin typeface="Consolas" panose="020B0609020204030204" pitchFamily="49" charset="0"/>
+              </a:rPr>
+              <a:t> = </a:t>
+            </a:r>
+            <a:r>
+              <a:rPr lang="es-AR" sz="2000" dirty="0">
+                <a:solidFill>
+                  <a:srgbClr val="0000FF"/>
+                </a:solidFill>
+                <a:latin typeface="Consolas" panose="020B0609020204030204" pitchFamily="49" charset="0"/>
+              </a:rPr>
+              <a:t>true</a:t>
+            </a:r>
+            <a:r>
+              <a:rPr lang="es-AR" sz="2000" dirty="0">
+                <a:solidFill>
+                  <a:srgbClr val="000000"/>
+                </a:solidFill>
+                <a:latin typeface="Consolas" panose="020B0609020204030204" pitchFamily="49" charset="0"/>
+              </a:rPr>
+              <a:t>;</a:t>
+            </a:r>
+          </a:p>
+          <a:p>
+            <a:pPr marL="76200" indent="0">
+              <a:buNone/>
             </a:pPr>
             <a:r>
-              <a:rPr lang="es-ES" sz="2800" dirty="0">
-                <a:effectLst>
-                  <a:outerShdw blurRad="38100" dist="38100" dir="2700000" algn="tl">
-                    <a:srgbClr val="000000">
-                      <a:alpha val="43137"/>
-                    </a:srgbClr>
-                  </a:outerShdw>
-                </a:effectLst>
-                <a:latin typeface="Franklin Gothic Medium" panose="020B0603020102020204" pitchFamily="34" charset="0"/>
-              </a:rPr>
-              <a:t>Cursor</a:t>
-            </a:r>
-          </a:p>
-          <a:p>
-            <a:pPr lvl="1">
-              <a:defRPr/>
+              <a:rPr lang="es-AR" sz="2000" dirty="0">
+                <a:solidFill>
+                  <a:srgbClr val="000000"/>
+                </a:solidFill>
+                <a:latin typeface="Consolas" panose="020B0609020204030204" pitchFamily="49" charset="0"/>
+              </a:rPr>
+              <a:t>    }</a:t>
+            </a:r>
+          </a:p>
+          <a:p>
+            <a:pPr marL="76200" indent="0">
+              <a:buNone/>
             </a:pPr>
             <a:r>
-              <a:rPr lang="es-ES" dirty="0">
-                <a:effectLst>
-                  <a:outerShdw blurRad="38100" dist="38100" dir="2700000" algn="tl">
-                    <a:srgbClr val="000000">
-                      <a:alpha val="43137"/>
-                    </a:srgbClr>
-                  </a:outerShdw>
-                </a:effectLst>
-                <a:latin typeface="Franklin Gothic Medium" panose="020B0603020102020204" pitchFamily="34" charset="0"/>
-              </a:rPr>
-              <a:t>Cursor que aparece al pasar el puntero por el control.</a:t>
-            </a:r>
-          </a:p>
-          <a:p>
-            <a:pPr>
-              <a:defRPr/>
-            </a:pPr>
-            <a:r>
-              <a:rPr lang="es-ES" sz="2800" dirty="0" err="1">
-                <a:effectLst>
-                  <a:outerShdw blurRad="38100" dist="38100" dir="2700000" algn="tl">
-                    <a:srgbClr val="000000">
-                      <a:alpha val="43137"/>
-                    </a:srgbClr>
-                  </a:outerShdw>
-                </a:effectLst>
-                <a:latin typeface="Franklin Gothic Medium" panose="020B0603020102020204" pitchFamily="34" charset="0"/>
-              </a:rPr>
-              <a:t>Enabled</a:t>
-            </a:r>
-            <a:endParaRPr lang="es-ES" sz="2800" dirty="0">
-              <a:effectLst>
-                <a:outerShdw blurRad="38100" dist="38100" dir="2700000" algn="tl">
-                  <a:srgbClr val="000000">
-                    <a:alpha val="43137"/>
-                  </a:srgbClr>
-                </a:outerShdw>
-              </a:effectLst>
-              <a:latin typeface="Franklin Gothic Medium" panose="020B0603020102020204" pitchFamily="34" charset="0"/>
-            </a:endParaRPr>
-          </a:p>
-          <a:p>
-            <a:pPr lvl="1">
-              <a:defRPr/>
-            </a:pPr>
-            <a:r>
-              <a:rPr lang="es-ES" dirty="0">
-                <a:effectLst>
-                  <a:outerShdw blurRad="38100" dist="38100" dir="2700000" algn="tl">
-                    <a:srgbClr val="000000">
-                      <a:alpha val="43137"/>
-                    </a:srgbClr>
-                  </a:outerShdw>
-                </a:effectLst>
-                <a:latin typeface="Franklin Gothic Medium" panose="020B0603020102020204" pitchFamily="34" charset="0"/>
-              </a:rPr>
-              <a:t>Indica si el control esta habilitado.</a:t>
-            </a:r>
-          </a:p>
-          <a:p>
-            <a:pPr>
-              <a:defRPr/>
-            </a:pPr>
-            <a:r>
-              <a:rPr lang="es-ES" sz="2800" dirty="0">
-                <a:effectLst>
-                  <a:outerShdw blurRad="38100" dist="38100" dir="2700000" algn="tl">
-                    <a:srgbClr val="000000">
-                      <a:alpha val="43137"/>
-                    </a:srgbClr>
-                  </a:outerShdw>
-                </a:effectLst>
-                <a:latin typeface="Franklin Gothic Medium" panose="020B0603020102020204" pitchFamily="34" charset="0"/>
-              </a:rPr>
-              <a:t>Font</a:t>
-            </a:r>
-          </a:p>
-          <a:p>
-            <a:pPr lvl="1">
-              <a:defRPr/>
-            </a:pPr>
-            <a:r>
-              <a:rPr lang="es-ES" dirty="0">
-                <a:effectLst>
-                  <a:outerShdw blurRad="38100" dist="38100" dir="2700000" algn="tl">
-                    <a:srgbClr val="000000">
-                      <a:alpha val="43137"/>
-                    </a:srgbClr>
-                  </a:outerShdw>
-                </a:effectLst>
-                <a:latin typeface="Franklin Gothic Medium" panose="020B0603020102020204" pitchFamily="34" charset="0"/>
-              </a:rPr>
-              <a:t>Fuente utilizada para mostrar el texto en el control.</a:t>
-            </a:r>
-          </a:p>
-          <a:p>
-            <a:pPr>
-              <a:defRPr/>
-            </a:pPr>
-            <a:r>
-              <a:rPr lang="es-ES" sz="2800" dirty="0" err="1">
-                <a:effectLst>
-                  <a:outerShdw blurRad="38100" dist="38100" dir="2700000" algn="tl">
-                    <a:srgbClr val="000000">
-                      <a:alpha val="43137"/>
-                    </a:srgbClr>
-                  </a:outerShdw>
-                </a:effectLst>
-                <a:latin typeface="Franklin Gothic Medium" panose="020B0603020102020204" pitchFamily="34" charset="0"/>
-              </a:rPr>
-              <a:t>ForeColor</a:t>
-            </a:r>
-            <a:endParaRPr lang="es-ES" sz="2800" dirty="0">
-              <a:effectLst>
-                <a:outerShdw blurRad="38100" dist="38100" dir="2700000" algn="tl">
-                  <a:srgbClr val="000000">
-                    <a:alpha val="43137"/>
-                  </a:srgbClr>
-                </a:outerShdw>
-              </a:effectLst>
-              <a:latin typeface="Franklin Gothic Medium" panose="020B0603020102020204" pitchFamily="34" charset="0"/>
-            </a:endParaRPr>
-          </a:p>
-          <a:p>
-            <a:pPr lvl="1">
-              <a:defRPr/>
-            </a:pPr>
-            <a:r>
-              <a:rPr lang="es-ES" dirty="0">
-                <a:effectLst>
-                  <a:outerShdw blurRad="38100" dist="38100" dir="2700000" algn="tl">
-                    <a:srgbClr val="000000">
-                      <a:alpha val="43137"/>
-                    </a:srgbClr>
-                  </a:outerShdw>
-                </a:effectLst>
-                <a:latin typeface="Franklin Gothic Medium" panose="020B0603020102020204" pitchFamily="34" charset="0"/>
-              </a:rPr>
-              <a:t>Color utilizado para mostrar texto</a:t>
-            </a:r>
-            <a:r>
-              <a:rPr lang="es-ES" dirty="0" smtClean="0">
-                <a:effectLst>
-                  <a:outerShdw blurRad="38100" dist="38100" dir="2700000" algn="tl">
-                    <a:srgbClr val="000000">
-                      <a:alpha val="43137"/>
-                    </a:srgbClr>
-                  </a:outerShdw>
-                </a:effectLst>
-                <a:latin typeface="Franklin Gothic Medium" panose="020B0603020102020204" pitchFamily="34" charset="0"/>
-              </a:rPr>
-              <a:t>.</a:t>
-            </a:r>
-            <a:endParaRPr lang="es-ES" dirty="0">
-              <a:effectLst>
-                <a:outerShdw blurRad="38100" dist="38100" dir="2700000" algn="tl">
-                  <a:srgbClr val="000000">
-                    <a:alpha val="43137"/>
-                  </a:srgbClr>
-                </a:outerShdw>
-              </a:effectLst>
-              <a:latin typeface="Franklin Gothic Medium" panose="020B0603020102020204" pitchFamily="34" charset="0"/>
-            </a:endParaRPr>
+              <a:rPr lang="es-AR" sz="2000" dirty="0">
+                <a:solidFill>
+                  <a:srgbClr val="000000"/>
+                </a:solidFill>
+                <a:latin typeface="Consolas" panose="020B0609020204030204" pitchFamily="49" charset="0"/>
+              </a:rPr>
+              <a:t>}</a:t>
+            </a:r>
           </a:p>
         </p:txBody>
       </p:sp>
     </p:spTree>
     <p:extLst>
       <p:ext uri="{BB962C8B-B14F-4D97-AF65-F5344CB8AC3E}">
-        <p14:creationId xmlns:p14="http://schemas.microsoft.com/office/powerpoint/2010/main" val="4022272911"/>
+        <p14:creationId xmlns:p14="http://schemas.microsoft.com/office/powerpoint/2010/main" val="3801544581"/>
       </p:ext>
     </p:extLst>
   </p:cSld>
   <p:clrMapOvr>
     <a:masterClrMapping/>
   </p:clrMapOvr>
-  <p:timing>
-    <p:tnLst>
-      <p:par>
-        <p:cTn id="1" dur="indefinite" restart="never" nodeType="tmRoot"/>
-      </p:par>
-    </p:tnLst>
-  </p:timing>
 </p:sld>
 </file>
 
